--- a/slides/jdbc.pptx
+++ b/slides/jdbc.pptx
@@ -16444,6 +16444,16 @@
           <a:lstStyle/>
           <a:p>
             <a:r>
+              <a:rPr lang="pt-BR" sz="1200" dirty="0">
+                <a:solidFill>
+                  <a:schemeClr val="bg1"/>
+                </a:solidFill>
+                <a:latin typeface="Verdana" panose="020B0604030504040204" pitchFamily="34" charset="0"/>
+                <a:ea typeface="Verdana" panose="020B0604030504040204" pitchFamily="34" charset="0"/>
+              </a:rPr>
+              <a:t>        </a:t>
+            </a:r>
+            <a:r>
               <a:rPr lang="pt-BR" sz="1200" dirty="0" err="1">
                 <a:solidFill>
                   <a:schemeClr val="bg1"/>

--- a/slides/jdbc.pptx
+++ b/slides/jdbc.pptx
@@ -16429,14 +16429,35 @@
         </p:nvSpPr>
         <p:spPr>
           <a:xfrm>
-            <a:off x="632061" y="1420441"/>
-            <a:ext cx="7946254" cy="5262979"/>
+            <a:off x="1797223" y="1307047"/>
+            <a:ext cx="5928396" cy="5262979"/>
           </a:xfrm>
           <a:prstGeom prst="rect">
             <a:avLst/>
           </a:prstGeom>
-          <a:noFill/>
+          <a:solidFill>
+            <a:schemeClr val="dk1">
+              <a:alpha val="50000"/>
+            </a:schemeClr>
+          </a:solidFill>
+          <a:ln>
+            <a:noFill/>
+          </a:ln>
         </p:spPr>
+        <p:style>
+          <a:lnRef idx="0">
+            <a:scrgbClr r="0" g="0" b="0"/>
+          </a:lnRef>
+          <a:fillRef idx="0">
+            <a:scrgbClr r="0" g="0" b="0"/>
+          </a:fillRef>
+          <a:effectRef idx="0">
+            <a:scrgbClr r="0" g="0" b="0"/>
+          </a:effectRef>
+          <a:fontRef idx="minor">
+            <a:schemeClr val="lt1"/>
+          </a:fontRef>
+        </p:style>
         <p:txBody>
           <a:bodyPr wrap="square" rtlCol="0">
             <a:spAutoFit/>
@@ -16444,1371 +16465,1669 @@
           <a:lstStyle/>
           <a:p>
             <a:r>
+              <a:rPr lang="pt-BR" sz="1200" dirty="0" err="1">
+                <a:solidFill>
+                  <a:srgbClr val="4EC9B0"/>
+                </a:solidFill>
+                <a:latin typeface="Consolas" panose="020B0609020204030204" pitchFamily="49" charset="0"/>
+              </a:rPr>
+              <a:t>List</a:t>
+            </a:r>
+            <a:r>
               <a:rPr lang="pt-BR" sz="1200" dirty="0">
                 <a:solidFill>
-                  <a:schemeClr val="bg1"/>
-                </a:solidFill>
-                <a:latin typeface="Verdana" panose="020B0604030504040204" pitchFamily="34" charset="0"/>
-                <a:ea typeface="Verdana" panose="020B0604030504040204" pitchFamily="34" charset="0"/>
-              </a:rPr>
-              <a:t>        </a:t>
+                  <a:srgbClr val="D4D4D4"/>
+                </a:solidFill>
+                <a:latin typeface="Consolas" panose="020B0609020204030204" pitchFamily="49" charset="0"/>
+              </a:rPr>
+              <a:t>&lt;</a:t>
             </a:r>
             <a:r>
               <a:rPr lang="pt-BR" sz="1200" dirty="0" err="1">
                 <a:solidFill>
-                  <a:schemeClr val="bg1"/>
-                </a:solidFill>
-                <a:latin typeface="Verdana" panose="020B0604030504040204" pitchFamily="34" charset="0"/>
-                <a:ea typeface="Verdana" panose="020B0604030504040204" pitchFamily="34" charset="0"/>
-              </a:rPr>
-              <a:t>List</a:t>
+                  <a:srgbClr val="4EC9B0"/>
+                </a:solidFill>
+                <a:latin typeface="Consolas" panose="020B0609020204030204" pitchFamily="49" charset="0"/>
+              </a:rPr>
+              <a:t>Guest</a:t>
             </a:r>
             <a:r>
               <a:rPr lang="pt-BR" sz="1200" dirty="0">
                 <a:solidFill>
-                  <a:schemeClr val="bg1"/>
-                </a:solidFill>
-                <a:latin typeface="Verdana" panose="020B0604030504040204" pitchFamily="34" charset="0"/>
-                <a:ea typeface="Verdana" panose="020B0604030504040204" pitchFamily="34" charset="0"/>
-              </a:rPr>
-              <a:t>&lt;</a:t>
+                  <a:srgbClr val="D4D4D4"/>
+                </a:solidFill>
+                <a:latin typeface="Consolas" panose="020B0609020204030204" pitchFamily="49" charset="0"/>
+              </a:rPr>
+              <a:t>&gt; </a:t>
             </a:r>
             <a:r>
               <a:rPr lang="pt-BR" sz="1200" dirty="0" err="1">
                 <a:solidFill>
-                  <a:schemeClr val="bg1"/>
-                </a:solidFill>
-                <a:latin typeface="Verdana" panose="020B0604030504040204" pitchFamily="34" charset="0"/>
-                <a:ea typeface="Verdana" panose="020B0604030504040204" pitchFamily="34" charset="0"/>
-              </a:rPr>
-              <a:t>Guest</a:t>
+                  <a:srgbClr val="9CDCFE"/>
+                </a:solidFill>
+                <a:latin typeface="Consolas" panose="020B0609020204030204" pitchFamily="49" charset="0"/>
+              </a:rPr>
+              <a:t>guestList</a:t>
             </a:r>
             <a:r>
               <a:rPr lang="pt-BR" sz="1200" dirty="0">
                 <a:solidFill>
-                  <a:schemeClr val="bg1"/>
-                </a:solidFill>
-                <a:latin typeface="Verdana" panose="020B0604030504040204" pitchFamily="34" charset="0"/>
-                <a:ea typeface="Verdana" panose="020B0604030504040204" pitchFamily="34" charset="0"/>
-              </a:rPr>
-              <a:t>&gt; </a:t>
+                  <a:srgbClr val="D4D4D4"/>
+                </a:solidFill>
+                <a:latin typeface="Consolas" panose="020B0609020204030204" pitchFamily="49" charset="0"/>
+              </a:rPr>
+              <a:t> = </a:t>
+            </a:r>
+            <a:r>
+              <a:rPr lang="pt-BR" sz="1200" dirty="0">
+                <a:solidFill>
+                  <a:srgbClr val="C586C0"/>
+                </a:solidFill>
+                <a:latin typeface="Consolas" panose="020B0609020204030204" pitchFamily="49" charset="0"/>
+              </a:rPr>
+              <a:t>new</a:t>
+            </a:r>
+            <a:r>
+              <a:rPr lang="pt-BR" sz="1200" dirty="0">
+                <a:solidFill>
+                  <a:srgbClr val="D4D4D4"/>
+                </a:solidFill>
+                <a:latin typeface="Consolas" panose="020B0609020204030204" pitchFamily="49" charset="0"/>
+              </a:rPr>
+              <a:t> </a:t>
             </a:r>
             <a:r>
               <a:rPr lang="pt-BR" sz="1200" dirty="0" err="1">
                 <a:solidFill>
-                  <a:schemeClr val="bg1"/>
-                </a:solidFill>
-                <a:latin typeface="Verdana" panose="020B0604030504040204" pitchFamily="34" charset="0"/>
-                <a:ea typeface="Verdana" panose="020B0604030504040204" pitchFamily="34" charset="0"/>
-              </a:rPr>
-              <a:t>guestList</a:t>
+                  <a:srgbClr val="4EC9B0"/>
+                </a:solidFill>
+                <a:latin typeface="Consolas" panose="020B0609020204030204" pitchFamily="49" charset="0"/>
+              </a:rPr>
+              <a:t>ArrayList</a:t>
             </a:r>
             <a:r>
               <a:rPr lang="pt-BR" sz="1200" dirty="0">
                 <a:solidFill>
-                  <a:schemeClr val="bg1"/>
-                </a:solidFill>
-                <a:latin typeface="Verdana" panose="020B0604030504040204" pitchFamily="34" charset="0"/>
-                <a:ea typeface="Verdana" panose="020B0604030504040204" pitchFamily="34" charset="0"/>
-              </a:rPr>
-              <a:t> = new </a:t>
-            </a:r>
-            <a:r>
-              <a:rPr lang="pt-BR" sz="1200" dirty="0" err="1">
-                <a:solidFill>
-                  <a:schemeClr val="bg1"/>
-                </a:solidFill>
-                <a:latin typeface="Verdana" panose="020B0604030504040204" pitchFamily="34" charset="0"/>
-                <a:ea typeface="Verdana" panose="020B0604030504040204" pitchFamily="34" charset="0"/>
-              </a:rPr>
-              <a:t>ArrayList</a:t>
-            </a:r>
-            <a:r>
-              <a:rPr lang="pt-BR" sz="1200" dirty="0">
-                <a:solidFill>
-                  <a:schemeClr val="bg1"/>
-                </a:solidFill>
-                <a:latin typeface="Verdana" panose="020B0604030504040204" pitchFamily="34" charset="0"/>
-                <a:ea typeface="Verdana" panose="020B0604030504040204" pitchFamily="34" charset="0"/>
+                  <a:srgbClr val="D4D4D4"/>
+                </a:solidFill>
+                <a:latin typeface="Consolas" panose="020B0609020204030204" pitchFamily="49" charset="0"/>
               </a:rPr>
               <a:t>&lt;&gt;();</a:t>
             </a:r>
           </a:p>
           <a:p>
-            <a:endParaRPr lang="pt-BR" sz="1200" dirty="0">
-              <a:solidFill>
-                <a:schemeClr val="bg1"/>
-              </a:solidFill>
-              <a:latin typeface="Verdana" panose="020B0604030504040204" pitchFamily="34" charset="0"/>
-              <a:ea typeface="Verdana" panose="020B0604030504040204" pitchFamily="34" charset="0"/>
-            </a:endParaRPr>
+            <a:br>
+              <a:rPr lang="pt-BR" sz="1200" dirty="0">
+                <a:solidFill>
+                  <a:srgbClr val="D4D4D4"/>
+                </a:solidFill>
+                <a:latin typeface="Consolas" panose="020B0609020204030204" pitchFamily="49" charset="0"/>
+              </a:rPr>
+            </a:br>
+            <a:r>
+              <a:rPr lang="pt-BR" sz="1200" dirty="0">
+                <a:solidFill>
+                  <a:srgbClr val="4EC9B0"/>
+                </a:solidFill>
+                <a:latin typeface="Consolas" panose="020B0609020204030204" pitchFamily="49" charset="0"/>
+              </a:rPr>
+              <a:t>Connection</a:t>
+            </a:r>
+            <a:r>
+              <a:rPr lang="pt-BR" sz="1200" dirty="0">
+                <a:solidFill>
+                  <a:srgbClr val="D4D4D4"/>
+                </a:solidFill>
+                <a:latin typeface="Consolas" panose="020B0609020204030204" pitchFamily="49" charset="0"/>
+              </a:rPr>
+              <a:t> </a:t>
+            </a:r>
+            <a:r>
+              <a:rPr lang="pt-BR" sz="1200" dirty="0" err="1">
+                <a:solidFill>
+                  <a:srgbClr val="9CDCFE"/>
+                </a:solidFill>
+                <a:latin typeface="Consolas" panose="020B0609020204030204" pitchFamily="49" charset="0"/>
+              </a:rPr>
+              <a:t>conn</a:t>
+            </a:r>
+            <a:r>
+              <a:rPr lang="pt-BR" sz="1200" dirty="0">
+                <a:solidFill>
+                  <a:srgbClr val="D4D4D4"/>
+                </a:solidFill>
+                <a:latin typeface="Consolas" panose="020B0609020204030204" pitchFamily="49" charset="0"/>
+              </a:rPr>
+              <a:t> = </a:t>
+            </a:r>
+            <a:r>
+              <a:rPr lang="pt-BR" sz="1200" dirty="0" err="1">
+                <a:solidFill>
+                  <a:srgbClr val="569CD6"/>
+                </a:solidFill>
+                <a:latin typeface="Consolas" panose="020B0609020204030204" pitchFamily="49" charset="0"/>
+              </a:rPr>
+              <a:t>null</a:t>
+            </a:r>
+            <a:r>
+              <a:rPr lang="pt-BR" sz="1200" dirty="0">
+                <a:solidFill>
+                  <a:srgbClr val="D4D4D4"/>
+                </a:solidFill>
+                <a:latin typeface="Consolas" panose="020B0609020204030204" pitchFamily="49" charset="0"/>
+              </a:rPr>
+              <a:t>;</a:t>
+            </a:r>
           </a:p>
           <a:p>
-            <a:r>
+            <a:br>
               <a:rPr lang="pt-BR" sz="1200" dirty="0">
                 <a:solidFill>
-                  <a:schemeClr val="bg1"/>
-                </a:solidFill>
-                <a:latin typeface="Verdana" panose="020B0604030504040204" pitchFamily="34" charset="0"/>
-                <a:ea typeface="Verdana" panose="020B0604030504040204" pitchFamily="34" charset="0"/>
-              </a:rPr>
-              <a:t>        Connection </a:t>
-            </a:r>
+                  <a:srgbClr val="D4D4D4"/>
+                </a:solidFill>
+                <a:latin typeface="Consolas" panose="020B0609020204030204" pitchFamily="49" charset="0"/>
+              </a:rPr>
+            </a:br>
             <a:r>
               <a:rPr lang="pt-BR" sz="1200" dirty="0" err="1">
                 <a:solidFill>
-                  <a:schemeClr val="bg1"/>
-                </a:solidFill>
-                <a:latin typeface="Verdana" panose="020B0604030504040204" pitchFamily="34" charset="0"/>
-                <a:ea typeface="Verdana" panose="020B0604030504040204" pitchFamily="34" charset="0"/>
-              </a:rPr>
-              <a:t>conn</a:t>
+                  <a:srgbClr val="C586C0"/>
+                </a:solidFill>
+                <a:latin typeface="Consolas" panose="020B0609020204030204" pitchFamily="49" charset="0"/>
+              </a:rPr>
+              <a:t>try</a:t>
             </a:r>
             <a:r>
               <a:rPr lang="pt-BR" sz="1200" dirty="0">
                 <a:solidFill>
-                  <a:schemeClr val="bg1"/>
-                </a:solidFill>
-                <a:latin typeface="Verdana" panose="020B0604030504040204" pitchFamily="34" charset="0"/>
-                <a:ea typeface="Verdana" panose="020B0604030504040204" pitchFamily="34" charset="0"/>
-              </a:rPr>
-              <a:t> = </a:t>
-            </a:r>
-            <a:r>
-              <a:rPr lang="pt-BR" sz="1200" dirty="0" err="1">
-                <a:solidFill>
-                  <a:schemeClr val="bg1"/>
-                </a:solidFill>
-                <a:latin typeface="Verdana" panose="020B0604030504040204" pitchFamily="34" charset="0"/>
-                <a:ea typeface="Verdana" panose="020B0604030504040204" pitchFamily="34" charset="0"/>
-              </a:rPr>
-              <a:t>null</a:t>
-            </a:r>
-            <a:r>
-              <a:rPr lang="pt-BR" sz="1200" dirty="0">
-                <a:solidFill>
-                  <a:schemeClr val="bg1"/>
-                </a:solidFill>
-                <a:latin typeface="Verdana" panose="020B0604030504040204" pitchFamily="34" charset="0"/>
-                <a:ea typeface="Verdana" panose="020B0604030504040204" pitchFamily="34" charset="0"/>
-              </a:rPr>
-              <a:t>;</a:t>
+                  <a:srgbClr val="D4D4D4"/>
+                </a:solidFill>
+                <a:latin typeface="Consolas" panose="020B0609020204030204" pitchFamily="49" charset="0"/>
+              </a:rPr>
+              <a:t> {</a:t>
             </a:r>
           </a:p>
           <a:p>
-            <a:endParaRPr lang="pt-BR" sz="1200" dirty="0">
-              <a:solidFill>
-                <a:schemeClr val="bg1"/>
-              </a:solidFill>
-              <a:latin typeface="Verdana" panose="020B0604030504040204" pitchFamily="34" charset="0"/>
-              <a:ea typeface="Verdana" panose="020B0604030504040204" pitchFamily="34" charset="0"/>
-            </a:endParaRPr>
+            <a:br>
+              <a:rPr lang="pt-BR" sz="1200" dirty="0">
+                <a:solidFill>
+                  <a:srgbClr val="D4D4D4"/>
+                </a:solidFill>
+                <a:latin typeface="Consolas" panose="020B0609020204030204" pitchFamily="49" charset="0"/>
+              </a:rPr>
+            </a:br>
+            <a:r>
+              <a:rPr lang="pt-BR" sz="1200" dirty="0">
+                <a:solidFill>
+                  <a:srgbClr val="D4D4D4"/>
+                </a:solidFill>
+                <a:latin typeface="Consolas" panose="020B0609020204030204" pitchFamily="49" charset="0"/>
+              </a:rPr>
+              <a:t>   </a:t>
+            </a:r>
+            <a:r>
+              <a:rPr lang="pt-BR" sz="1200" dirty="0" err="1">
+                <a:solidFill>
+                  <a:srgbClr val="D4D4D4"/>
+                </a:solidFill>
+                <a:latin typeface="Consolas" panose="020B0609020204030204" pitchFamily="49" charset="0"/>
+              </a:rPr>
+              <a:t>conn</a:t>
+            </a:r>
+            <a:r>
+              <a:rPr lang="pt-BR" sz="1200" dirty="0">
+                <a:solidFill>
+                  <a:srgbClr val="D4D4D4"/>
+                </a:solidFill>
+                <a:latin typeface="Consolas" panose="020B0609020204030204" pitchFamily="49" charset="0"/>
+              </a:rPr>
+              <a:t> = </a:t>
+            </a:r>
+            <a:r>
+              <a:rPr lang="pt-BR" sz="1200" dirty="0" err="1">
+                <a:solidFill>
+                  <a:srgbClr val="9CDCFE"/>
+                </a:solidFill>
+                <a:latin typeface="Consolas" panose="020B0609020204030204" pitchFamily="49" charset="0"/>
+              </a:rPr>
+              <a:t>DriverManager</a:t>
+            </a:r>
+            <a:r>
+              <a:rPr lang="pt-BR" sz="1200" dirty="0" err="1">
+                <a:solidFill>
+                  <a:srgbClr val="D4D4D4"/>
+                </a:solidFill>
+                <a:latin typeface="Consolas" panose="020B0609020204030204" pitchFamily="49" charset="0"/>
+              </a:rPr>
+              <a:t>.</a:t>
+            </a:r>
+            <a:r>
+              <a:rPr lang="pt-BR" sz="1200" dirty="0" err="1">
+                <a:solidFill>
+                  <a:srgbClr val="DCDCAA"/>
+                </a:solidFill>
+                <a:latin typeface="Consolas" panose="020B0609020204030204" pitchFamily="49" charset="0"/>
+              </a:rPr>
+              <a:t>getConnection</a:t>
+            </a:r>
+            <a:r>
+              <a:rPr lang="pt-BR" sz="1200" dirty="0">
+                <a:solidFill>
+                  <a:srgbClr val="D4D4D4"/>
+                </a:solidFill>
+                <a:latin typeface="Consolas" panose="020B0609020204030204" pitchFamily="49" charset="0"/>
+              </a:rPr>
+              <a:t>(</a:t>
+            </a:r>
           </a:p>
           <a:p>
             <a:r>
               <a:rPr lang="pt-BR" sz="1200" dirty="0">
                 <a:solidFill>
-                  <a:schemeClr val="bg1"/>
-                </a:solidFill>
-                <a:latin typeface="Verdana" panose="020B0604030504040204" pitchFamily="34" charset="0"/>
-                <a:ea typeface="Verdana" panose="020B0604030504040204" pitchFamily="34" charset="0"/>
-              </a:rPr>
-              <a:t>        </a:t>
+                  <a:srgbClr val="CE9178"/>
+                </a:solidFill>
+                <a:latin typeface="Consolas" panose="020B0609020204030204" pitchFamily="49" charset="0"/>
+              </a:rPr>
+              <a:t>   "</a:t>
             </a:r>
             <a:r>
               <a:rPr lang="pt-BR" sz="1200" dirty="0" err="1">
                 <a:solidFill>
-                  <a:schemeClr val="bg1"/>
-                </a:solidFill>
-                <a:latin typeface="Verdana" panose="020B0604030504040204" pitchFamily="34" charset="0"/>
-                <a:ea typeface="Verdana" panose="020B0604030504040204" pitchFamily="34" charset="0"/>
-              </a:rPr>
-              <a:t>try</a:t>
+                  <a:srgbClr val="CE9178"/>
+                </a:solidFill>
+                <a:latin typeface="Consolas" panose="020B0609020204030204" pitchFamily="49" charset="0"/>
+              </a:rPr>
+              <a:t>jdbc:postgresql</a:t>
             </a:r>
             <a:r>
               <a:rPr lang="pt-BR" sz="1200" dirty="0">
                 <a:solidFill>
-                  <a:schemeClr val="bg1"/>
-                </a:solidFill>
-                <a:latin typeface="Verdana" panose="020B0604030504040204" pitchFamily="34" charset="0"/>
-                <a:ea typeface="Verdana" panose="020B0604030504040204" pitchFamily="34" charset="0"/>
-              </a:rPr>
-              <a:t> {</a:t>
+                  <a:srgbClr val="CE9178"/>
+                </a:solidFill>
+                <a:latin typeface="Consolas" panose="020B0609020204030204" pitchFamily="49" charset="0"/>
+              </a:rPr>
+              <a:t>://localhost:5432/</a:t>
+            </a:r>
+            <a:r>
+              <a:rPr lang="pt-BR" sz="1200" dirty="0" err="1">
+                <a:solidFill>
+                  <a:srgbClr val="CE9178"/>
+                </a:solidFill>
+                <a:latin typeface="Consolas" panose="020B0609020204030204" pitchFamily="49" charset="0"/>
+              </a:rPr>
+              <a:t>sgh</a:t>
+            </a:r>
+            <a:r>
+              <a:rPr lang="pt-BR" sz="1200" dirty="0">
+                <a:solidFill>
+                  <a:srgbClr val="CE9178"/>
+                </a:solidFill>
+                <a:latin typeface="Consolas" panose="020B0609020204030204" pitchFamily="49" charset="0"/>
+              </a:rPr>
+              <a:t>"</a:t>
+            </a:r>
+            <a:r>
+              <a:rPr lang="pt-BR" sz="1200" dirty="0">
+                <a:solidFill>
+                  <a:srgbClr val="D4D4D4"/>
+                </a:solidFill>
+                <a:latin typeface="Consolas" panose="020B0609020204030204" pitchFamily="49" charset="0"/>
+              </a:rPr>
+              <a:t>, </a:t>
+            </a:r>
+            <a:r>
+              <a:rPr lang="pt-BR" sz="1200" dirty="0">
+                <a:solidFill>
+                  <a:srgbClr val="CE9178"/>
+                </a:solidFill>
+                <a:latin typeface="Consolas" panose="020B0609020204030204" pitchFamily="49" charset="0"/>
+              </a:rPr>
+              <a:t>"</a:t>
+            </a:r>
+            <a:r>
+              <a:rPr lang="pt-BR" sz="1200" dirty="0" err="1">
+                <a:solidFill>
+                  <a:srgbClr val="CE9178"/>
+                </a:solidFill>
+                <a:latin typeface="Consolas" panose="020B0609020204030204" pitchFamily="49" charset="0"/>
+              </a:rPr>
+              <a:t>postgres</a:t>
+            </a:r>
+            <a:r>
+              <a:rPr lang="pt-BR" sz="1200" dirty="0">
+                <a:solidFill>
+                  <a:srgbClr val="CE9178"/>
+                </a:solidFill>
+                <a:latin typeface="Consolas" panose="020B0609020204030204" pitchFamily="49" charset="0"/>
+              </a:rPr>
+              <a:t>"</a:t>
+            </a:r>
+            <a:r>
+              <a:rPr lang="pt-BR" sz="1200" dirty="0">
+                <a:solidFill>
+                  <a:srgbClr val="D4D4D4"/>
+                </a:solidFill>
+                <a:latin typeface="Consolas" panose="020B0609020204030204" pitchFamily="49" charset="0"/>
+              </a:rPr>
+              <a:t>, </a:t>
+            </a:r>
+            <a:r>
+              <a:rPr lang="pt-BR" sz="1200" dirty="0">
+                <a:solidFill>
+                  <a:srgbClr val="CE9178"/>
+                </a:solidFill>
+                <a:latin typeface="Consolas" panose="020B0609020204030204" pitchFamily="49" charset="0"/>
+              </a:rPr>
+              <a:t>"</a:t>
+            </a:r>
+            <a:r>
+              <a:rPr lang="pt-BR" sz="1200" dirty="0" err="1">
+                <a:solidFill>
+                  <a:srgbClr val="CE9178"/>
+                </a:solidFill>
+                <a:latin typeface="Consolas" panose="020B0609020204030204" pitchFamily="49" charset="0"/>
+              </a:rPr>
+              <a:t>postgres</a:t>
+            </a:r>
+            <a:r>
+              <a:rPr lang="pt-BR" sz="1200" dirty="0">
+                <a:solidFill>
+                  <a:srgbClr val="CE9178"/>
+                </a:solidFill>
+                <a:latin typeface="Consolas" panose="020B0609020204030204" pitchFamily="49" charset="0"/>
+              </a:rPr>
+              <a:t>"</a:t>
+            </a:r>
+            <a:r>
+              <a:rPr lang="pt-BR" sz="1200" dirty="0">
+                <a:solidFill>
+                  <a:srgbClr val="D4D4D4"/>
+                </a:solidFill>
+                <a:latin typeface="Consolas" panose="020B0609020204030204" pitchFamily="49" charset="0"/>
+              </a:rPr>
+              <a:t>);</a:t>
             </a:r>
           </a:p>
           <a:p>
-            <a:endParaRPr lang="pt-BR" sz="1200" dirty="0">
-              <a:solidFill>
-                <a:schemeClr val="bg1"/>
-              </a:solidFill>
-              <a:latin typeface="Verdana" panose="020B0604030504040204" pitchFamily="34" charset="0"/>
-              <a:ea typeface="Verdana" panose="020B0604030504040204" pitchFamily="34" charset="0"/>
-            </a:endParaRPr>
+            <a:br>
+              <a:rPr lang="pt-BR" sz="1200" dirty="0">
+                <a:solidFill>
+                  <a:srgbClr val="D4D4D4"/>
+                </a:solidFill>
+                <a:latin typeface="Consolas" panose="020B0609020204030204" pitchFamily="49" charset="0"/>
+              </a:rPr>
+            </a:br>
+            <a:r>
+              <a:rPr lang="pt-BR" sz="1200" dirty="0">
+                <a:solidFill>
+                  <a:srgbClr val="D4D4D4"/>
+                </a:solidFill>
+                <a:latin typeface="Consolas" panose="020B0609020204030204" pitchFamily="49" charset="0"/>
+              </a:rPr>
+              <a:t>   </a:t>
+            </a:r>
+            <a:r>
+              <a:rPr lang="pt-BR" sz="1200" dirty="0" err="1">
+                <a:solidFill>
+                  <a:srgbClr val="4EC9B0"/>
+                </a:solidFill>
+                <a:latin typeface="Consolas" panose="020B0609020204030204" pitchFamily="49" charset="0"/>
+              </a:rPr>
+              <a:t>String</a:t>
+            </a:r>
+            <a:r>
+              <a:rPr lang="pt-BR" sz="1200" dirty="0">
+                <a:solidFill>
+                  <a:srgbClr val="D4D4D4"/>
+                </a:solidFill>
+                <a:latin typeface="Consolas" panose="020B0609020204030204" pitchFamily="49" charset="0"/>
+              </a:rPr>
+              <a:t> </a:t>
+            </a:r>
+            <a:r>
+              <a:rPr lang="pt-BR" sz="1200" dirty="0" err="1">
+                <a:solidFill>
+                  <a:srgbClr val="9CDCFE"/>
+                </a:solidFill>
+                <a:latin typeface="Consolas" panose="020B0609020204030204" pitchFamily="49" charset="0"/>
+              </a:rPr>
+              <a:t>sql</a:t>
+            </a:r>
+            <a:r>
+              <a:rPr lang="pt-BR" sz="1200" dirty="0">
+                <a:solidFill>
+                  <a:srgbClr val="D4D4D4"/>
+                </a:solidFill>
+                <a:latin typeface="Consolas" panose="020B0609020204030204" pitchFamily="49" charset="0"/>
+              </a:rPr>
+              <a:t> = </a:t>
+            </a:r>
+            <a:r>
+              <a:rPr lang="pt-BR" sz="1200" dirty="0">
+                <a:solidFill>
+                  <a:srgbClr val="CE9178"/>
+                </a:solidFill>
+                <a:latin typeface="Consolas" panose="020B0609020204030204" pitchFamily="49" charset="0"/>
+              </a:rPr>
+              <a:t>"SELECT * FROM </a:t>
+            </a:r>
+            <a:r>
+              <a:rPr lang="pt-BR" sz="1200" dirty="0" err="1">
+                <a:solidFill>
+                  <a:srgbClr val="CE9178"/>
+                </a:solidFill>
+                <a:latin typeface="Consolas" panose="020B0609020204030204" pitchFamily="49" charset="0"/>
+              </a:rPr>
+              <a:t>guest</a:t>
+            </a:r>
+            <a:r>
+              <a:rPr lang="pt-BR" sz="1200" dirty="0">
+                <a:solidFill>
+                  <a:srgbClr val="CE9178"/>
+                </a:solidFill>
+                <a:latin typeface="Consolas" panose="020B0609020204030204" pitchFamily="49" charset="0"/>
+              </a:rPr>
+              <a:t> WHERE id = ?"</a:t>
+            </a:r>
+            <a:r>
+              <a:rPr lang="pt-BR" sz="1200" dirty="0">
+                <a:solidFill>
+                  <a:srgbClr val="D4D4D4"/>
+                </a:solidFill>
+                <a:latin typeface="Consolas" panose="020B0609020204030204" pitchFamily="49" charset="0"/>
+              </a:rPr>
+              <a:t>;</a:t>
+            </a:r>
           </a:p>
           <a:p>
-            <a:r>
+            <a:br>
               <a:rPr lang="pt-BR" sz="1200" dirty="0">
                 <a:solidFill>
-                  <a:schemeClr val="bg1"/>
-                </a:solidFill>
-                <a:latin typeface="Verdana" panose="020B0604030504040204" pitchFamily="34" charset="0"/>
-                <a:ea typeface="Verdana" panose="020B0604030504040204" pitchFamily="34" charset="0"/>
-              </a:rPr>
-              <a:t>            </a:t>
+                  <a:srgbClr val="D4D4D4"/>
+                </a:solidFill>
+                <a:latin typeface="Consolas" panose="020B0609020204030204" pitchFamily="49" charset="0"/>
+              </a:rPr>
+            </a:br>
+            <a:r>
+              <a:rPr lang="pt-BR" sz="1200" dirty="0">
+                <a:solidFill>
+                  <a:srgbClr val="D4D4D4"/>
+                </a:solidFill>
+                <a:latin typeface="Consolas" panose="020B0609020204030204" pitchFamily="49" charset="0"/>
+              </a:rPr>
+              <a:t>   </a:t>
             </a:r>
             <a:r>
               <a:rPr lang="pt-BR" sz="1200" dirty="0" err="1">
                 <a:solidFill>
-                  <a:schemeClr val="bg1"/>
-                </a:solidFill>
-                <a:latin typeface="Verdana" panose="020B0604030504040204" pitchFamily="34" charset="0"/>
-                <a:ea typeface="Verdana" panose="020B0604030504040204" pitchFamily="34" charset="0"/>
+                  <a:srgbClr val="4EC9B0"/>
+                </a:solidFill>
+                <a:latin typeface="Consolas" panose="020B0609020204030204" pitchFamily="49" charset="0"/>
+              </a:rPr>
+              <a:t>PreparedStatement</a:t>
+            </a:r>
+            <a:r>
+              <a:rPr lang="pt-BR" sz="1200" dirty="0">
+                <a:solidFill>
+                  <a:srgbClr val="D4D4D4"/>
+                </a:solidFill>
+                <a:latin typeface="Consolas" panose="020B0609020204030204" pitchFamily="49" charset="0"/>
+              </a:rPr>
+              <a:t> </a:t>
+            </a:r>
+            <a:r>
+              <a:rPr lang="pt-BR" sz="1200" dirty="0" err="1">
+                <a:solidFill>
+                  <a:srgbClr val="9CDCFE"/>
+                </a:solidFill>
+                <a:latin typeface="Consolas" panose="020B0609020204030204" pitchFamily="49" charset="0"/>
+              </a:rPr>
+              <a:t>stmt</a:t>
+            </a:r>
+            <a:r>
+              <a:rPr lang="pt-BR" sz="1200" dirty="0">
+                <a:solidFill>
+                  <a:srgbClr val="D4D4D4"/>
+                </a:solidFill>
+                <a:latin typeface="Consolas" panose="020B0609020204030204" pitchFamily="49" charset="0"/>
+              </a:rPr>
+              <a:t> = </a:t>
+            </a:r>
+            <a:r>
+              <a:rPr lang="pt-BR" sz="1200" dirty="0" err="1">
+                <a:solidFill>
+                  <a:srgbClr val="9CDCFE"/>
+                </a:solidFill>
+                <a:latin typeface="Consolas" panose="020B0609020204030204" pitchFamily="49" charset="0"/>
               </a:rPr>
               <a:t>conn</a:t>
             </a:r>
             <a:r>
+              <a:rPr lang="pt-BR" sz="1200" dirty="0" err="1">
+                <a:solidFill>
+                  <a:srgbClr val="D4D4D4"/>
+                </a:solidFill>
+                <a:latin typeface="Consolas" panose="020B0609020204030204" pitchFamily="49" charset="0"/>
+              </a:rPr>
+              <a:t>.</a:t>
+            </a:r>
+            <a:r>
+              <a:rPr lang="pt-BR" sz="1200" dirty="0" err="1">
+                <a:solidFill>
+                  <a:srgbClr val="DCDCAA"/>
+                </a:solidFill>
+                <a:latin typeface="Consolas" panose="020B0609020204030204" pitchFamily="49" charset="0"/>
+              </a:rPr>
+              <a:t>prepareStatement</a:t>
+            </a:r>
+            <a:r>
               <a:rPr lang="pt-BR" sz="1200" dirty="0">
                 <a:solidFill>
-                  <a:schemeClr val="bg1"/>
-                </a:solidFill>
-                <a:latin typeface="Verdana" panose="020B0604030504040204" pitchFamily="34" charset="0"/>
-                <a:ea typeface="Verdana" panose="020B0604030504040204" pitchFamily="34" charset="0"/>
-              </a:rPr>
-              <a:t> = </a:t>
+                  <a:srgbClr val="D4D4D4"/>
+                </a:solidFill>
+                <a:latin typeface="Consolas" panose="020B0609020204030204" pitchFamily="49" charset="0"/>
+              </a:rPr>
+              <a:t>(</a:t>
             </a:r>
             <a:r>
               <a:rPr lang="pt-BR" sz="1200" dirty="0" err="1">
                 <a:solidFill>
-                  <a:schemeClr val="bg1"/>
-                </a:solidFill>
-                <a:latin typeface="Verdana" panose="020B0604030504040204" pitchFamily="34" charset="0"/>
-                <a:ea typeface="Verdana" panose="020B0604030504040204" pitchFamily="34" charset="0"/>
-              </a:rPr>
-              <a:t>DriverManager.getConnection</a:t>
+                  <a:srgbClr val="D4D4D4"/>
+                </a:solidFill>
+                <a:latin typeface="Consolas" panose="020B0609020204030204" pitchFamily="49" charset="0"/>
+              </a:rPr>
+              <a:t>sql</a:t>
             </a:r>
             <a:r>
               <a:rPr lang="pt-BR" sz="1200" dirty="0">
                 <a:solidFill>
-                  <a:schemeClr val="bg1"/>
-                </a:solidFill>
-                <a:latin typeface="Verdana" panose="020B0604030504040204" pitchFamily="34" charset="0"/>
-                <a:ea typeface="Verdana" panose="020B0604030504040204" pitchFamily="34" charset="0"/>
-              </a:rPr>
-              <a:t>(</a:t>
+                  <a:srgbClr val="D4D4D4"/>
+                </a:solidFill>
+                <a:latin typeface="Consolas" panose="020B0609020204030204" pitchFamily="49" charset="0"/>
+              </a:rPr>
+              <a:t>);</a:t>
             </a:r>
           </a:p>
           <a:p>
             <a:r>
               <a:rPr lang="pt-BR" sz="1200" dirty="0">
                 <a:solidFill>
-                  <a:schemeClr val="bg1"/>
-                </a:solidFill>
-                <a:latin typeface="Verdana" panose="020B0604030504040204" pitchFamily="34" charset="0"/>
-                <a:ea typeface="Verdana" panose="020B0604030504040204" pitchFamily="34" charset="0"/>
-              </a:rPr>
-              <a:t>                       "</a:t>
+                  <a:srgbClr val="9CDCFE"/>
+                </a:solidFill>
+                <a:latin typeface="Consolas" panose="020B0609020204030204" pitchFamily="49" charset="0"/>
+              </a:rPr>
+              <a:t>   </a:t>
             </a:r>
             <a:r>
               <a:rPr lang="pt-BR" sz="1200" dirty="0" err="1">
                 <a:solidFill>
-                  <a:schemeClr val="bg1"/>
-                </a:solidFill>
-                <a:latin typeface="Verdana" panose="020B0604030504040204" pitchFamily="34" charset="0"/>
-                <a:ea typeface="Verdana" panose="020B0604030504040204" pitchFamily="34" charset="0"/>
-              </a:rPr>
-              <a:t>jdbc:postgresql</a:t>
+                  <a:srgbClr val="9CDCFE"/>
+                </a:solidFill>
+                <a:latin typeface="Consolas" panose="020B0609020204030204" pitchFamily="49" charset="0"/>
+              </a:rPr>
+              <a:t>stmt</a:t>
+            </a:r>
+            <a:r>
+              <a:rPr lang="pt-BR" sz="1200" dirty="0" err="1">
+                <a:solidFill>
+                  <a:srgbClr val="D4D4D4"/>
+                </a:solidFill>
+                <a:latin typeface="Consolas" panose="020B0609020204030204" pitchFamily="49" charset="0"/>
+              </a:rPr>
+              <a:t>.</a:t>
+            </a:r>
+            <a:r>
+              <a:rPr lang="pt-BR" sz="1200" dirty="0" err="1">
+                <a:solidFill>
+                  <a:srgbClr val="DCDCAA"/>
+                </a:solidFill>
+                <a:latin typeface="Consolas" panose="020B0609020204030204" pitchFamily="49" charset="0"/>
+              </a:rPr>
+              <a:t>setInt</a:t>
             </a:r>
             <a:r>
               <a:rPr lang="pt-BR" sz="1200" dirty="0">
                 <a:solidFill>
-                  <a:schemeClr val="bg1"/>
-                </a:solidFill>
-                <a:latin typeface="Verdana" panose="020B0604030504040204" pitchFamily="34" charset="0"/>
-                <a:ea typeface="Verdana" panose="020B0604030504040204" pitchFamily="34" charset="0"/>
-              </a:rPr>
-              <a:t>://localhost:5432/</a:t>
-            </a:r>
-            <a:r>
-              <a:rPr lang="pt-BR" sz="1200" dirty="0" err="1">
-                <a:solidFill>
-                  <a:schemeClr val="bg1"/>
-                </a:solidFill>
-                <a:latin typeface="Verdana" panose="020B0604030504040204" pitchFamily="34" charset="0"/>
-                <a:ea typeface="Verdana" panose="020B0604030504040204" pitchFamily="34" charset="0"/>
-              </a:rPr>
-              <a:t>sgh</a:t>
+                  <a:srgbClr val="D4D4D4"/>
+                </a:solidFill>
+                <a:latin typeface="Consolas" panose="020B0609020204030204" pitchFamily="49" charset="0"/>
+              </a:rPr>
+              <a:t>(</a:t>
             </a:r>
             <a:r>
               <a:rPr lang="pt-BR" sz="1200" dirty="0">
                 <a:solidFill>
-                  <a:schemeClr val="bg1"/>
-                </a:solidFill>
-                <a:latin typeface="Verdana" panose="020B0604030504040204" pitchFamily="34" charset="0"/>
-                <a:ea typeface="Verdana" panose="020B0604030504040204" pitchFamily="34" charset="0"/>
-              </a:rPr>
-              <a:t>", "</a:t>
-            </a:r>
-            <a:r>
-              <a:rPr lang="pt-BR" sz="1200" dirty="0" err="1">
-                <a:solidFill>
-                  <a:schemeClr val="bg1"/>
-                </a:solidFill>
-                <a:latin typeface="Verdana" panose="020B0604030504040204" pitchFamily="34" charset="0"/>
-                <a:ea typeface="Verdana" panose="020B0604030504040204" pitchFamily="34" charset="0"/>
-              </a:rPr>
-              <a:t>postgres</a:t>
+                  <a:srgbClr val="B5CEA8"/>
+                </a:solidFill>
+                <a:latin typeface="Consolas" panose="020B0609020204030204" pitchFamily="49" charset="0"/>
+              </a:rPr>
+              <a:t>1</a:t>
             </a:r>
             <a:r>
               <a:rPr lang="pt-BR" sz="1200" dirty="0">
                 <a:solidFill>
-                  <a:schemeClr val="bg1"/>
-                </a:solidFill>
-                <a:latin typeface="Verdana" panose="020B0604030504040204" pitchFamily="34" charset="0"/>
-                <a:ea typeface="Verdana" panose="020B0604030504040204" pitchFamily="34" charset="0"/>
-              </a:rPr>
-              <a:t>", "</a:t>
-            </a:r>
-            <a:r>
-              <a:rPr lang="pt-BR" sz="1200" dirty="0" err="1">
-                <a:solidFill>
-                  <a:schemeClr val="bg1"/>
-                </a:solidFill>
-                <a:latin typeface="Verdana" panose="020B0604030504040204" pitchFamily="34" charset="0"/>
-                <a:ea typeface="Verdana" panose="020B0604030504040204" pitchFamily="34" charset="0"/>
-              </a:rPr>
-              <a:t>postgres</a:t>
-            </a:r>
-            <a:r>
-              <a:rPr lang="pt-BR" sz="1200" dirty="0">
-                <a:solidFill>
-                  <a:schemeClr val="bg1"/>
-                </a:solidFill>
-                <a:latin typeface="Verdana" panose="020B0604030504040204" pitchFamily="34" charset="0"/>
-                <a:ea typeface="Verdana" panose="020B0604030504040204" pitchFamily="34" charset="0"/>
-              </a:rPr>
-              <a:t>");</a:t>
+                  <a:srgbClr val="D4D4D4"/>
+                </a:solidFill>
+                <a:latin typeface="Consolas" panose="020B0609020204030204" pitchFamily="49" charset="0"/>
+              </a:rPr>
+              <a:t>);</a:t>
             </a:r>
           </a:p>
           <a:p>
-            <a:endParaRPr lang="pt-BR" sz="1200" dirty="0">
-              <a:solidFill>
-                <a:schemeClr val="bg1"/>
-              </a:solidFill>
-              <a:latin typeface="Verdana" panose="020B0604030504040204" pitchFamily="34" charset="0"/>
-              <a:ea typeface="Verdana" panose="020B0604030504040204" pitchFamily="34" charset="0"/>
-            </a:endParaRPr>
+            <a:br>
+              <a:rPr lang="pt-BR" sz="1200" dirty="0">
+                <a:solidFill>
+                  <a:srgbClr val="D4D4D4"/>
+                </a:solidFill>
+                <a:latin typeface="Consolas" panose="020B0609020204030204" pitchFamily="49" charset="0"/>
+              </a:rPr>
+            </a:br>
+            <a:r>
+              <a:rPr lang="pt-BR" sz="1200" dirty="0">
+                <a:solidFill>
+                  <a:srgbClr val="D4D4D4"/>
+                </a:solidFill>
+                <a:latin typeface="Consolas" panose="020B0609020204030204" pitchFamily="49" charset="0"/>
+              </a:rPr>
+              <a:t>   </a:t>
+            </a:r>
+            <a:r>
+              <a:rPr lang="pt-BR" sz="1200" dirty="0" err="1">
+                <a:solidFill>
+                  <a:srgbClr val="4EC9B0"/>
+                </a:solidFill>
+                <a:latin typeface="Consolas" panose="020B0609020204030204" pitchFamily="49" charset="0"/>
+              </a:rPr>
+              <a:t>ResultSet</a:t>
+            </a:r>
+            <a:r>
+              <a:rPr lang="pt-BR" sz="1200" dirty="0">
+                <a:solidFill>
+                  <a:srgbClr val="D4D4D4"/>
+                </a:solidFill>
+                <a:latin typeface="Consolas" panose="020B0609020204030204" pitchFamily="49" charset="0"/>
+              </a:rPr>
+              <a:t> </a:t>
+            </a:r>
+            <a:r>
+              <a:rPr lang="pt-BR" sz="1200" dirty="0" err="1">
+                <a:solidFill>
+                  <a:srgbClr val="9CDCFE"/>
+                </a:solidFill>
+                <a:latin typeface="Consolas" panose="020B0609020204030204" pitchFamily="49" charset="0"/>
+              </a:rPr>
+              <a:t>rs</a:t>
+            </a:r>
+            <a:r>
+              <a:rPr lang="pt-BR" sz="1200" dirty="0">
+                <a:solidFill>
+                  <a:srgbClr val="D4D4D4"/>
+                </a:solidFill>
+                <a:latin typeface="Consolas" panose="020B0609020204030204" pitchFamily="49" charset="0"/>
+              </a:rPr>
+              <a:t> = </a:t>
+            </a:r>
+            <a:r>
+              <a:rPr lang="pt-BR" sz="1200" dirty="0" err="1">
+                <a:solidFill>
+                  <a:srgbClr val="9CDCFE"/>
+                </a:solidFill>
+                <a:latin typeface="Consolas" panose="020B0609020204030204" pitchFamily="49" charset="0"/>
+              </a:rPr>
+              <a:t>stmt</a:t>
+            </a:r>
+            <a:r>
+              <a:rPr lang="pt-BR" sz="1200" dirty="0" err="1">
+                <a:solidFill>
+                  <a:srgbClr val="D4D4D4"/>
+                </a:solidFill>
+                <a:latin typeface="Consolas" panose="020B0609020204030204" pitchFamily="49" charset="0"/>
+              </a:rPr>
+              <a:t>.</a:t>
+            </a:r>
+            <a:r>
+              <a:rPr lang="pt-BR" sz="1200" dirty="0" err="1">
+                <a:solidFill>
+                  <a:srgbClr val="DCDCAA"/>
+                </a:solidFill>
+                <a:latin typeface="Consolas" panose="020B0609020204030204" pitchFamily="49" charset="0"/>
+              </a:rPr>
+              <a:t>executeQuery</a:t>
+            </a:r>
+            <a:r>
+              <a:rPr lang="pt-BR" sz="1200" dirty="0">
+                <a:solidFill>
+                  <a:srgbClr val="D4D4D4"/>
+                </a:solidFill>
+                <a:latin typeface="Consolas" panose="020B0609020204030204" pitchFamily="49" charset="0"/>
+              </a:rPr>
+              <a:t>();</a:t>
+            </a:r>
           </a:p>
           <a:p>
-            <a:r>
+            <a:br>
               <a:rPr lang="pt-BR" sz="1200" dirty="0">
                 <a:solidFill>
-                  <a:schemeClr val="bg1"/>
-                </a:solidFill>
-                <a:latin typeface="Verdana" panose="020B0604030504040204" pitchFamily="34" charset="0"/>
-                <a:ea typeface="Verdana" panose="020B0604030504040204" pitchFamily="34" charset="0"/>
-              </a:rPr>
-              <a:t>             </a:t>
+                  <a:srgbClr val="D4D4D4"/>
+                </a:solidFill>
+                <a:latin typeface="Consolas" panose="020B0609020204030204" pitchFamily="49" charset="0"/>
+              </a:rPr>
+            </a:br>
+            <a:r>
+              <a:rPr lang="pt-BR" sz="1200" dirty="0">
+                <a:solidFill>
+                  <a:srgbClr val="D4D4D4"/>
+                </a:solidFill>
+                <a:latin typeface="Consolas" panose="020B0609020204030204" pitchFamily="49" charset="0"/>
+              </a:rPr>
+              <a:t>   </a:t>
             </a:r>
             <a:r>
               <a:rPr lang="pt-BR" sz="1200" dirty="0" err="1">
                 <a:solidFill>
-                  <a:schemeClr val="bg1"/>
-                </a:solidFill>
-                <a:latin typeface="Verdana" panose="020B0604030504040204" pitchFamily="34" charset="0"/>
-                <a:ea typeface="Verdana" panose="020B0604030504040204" pitchFamily="34" charset="0"/>
-              </a:rPr>
-              <a:t>String</a:t>
+                  <a:srgbClr val="C586C0"/>
+                </a:solidFill>
+                <a:latin typeface="Consolas" panose="020B0609020204030204" pitchFamily="49" charset="0"/>
+              </a:rPr>
+              <a:t>while</a:t>
             </a:r>
             <a:r>
               <a:rPr lang="pt-BR" sz="1200" dirty="0">
                 <a:solidFill>
-                  <a:schemeClr val="bg1"/>
-                </a:solidFill>
-                <a:latin typeface="Verdana" panose="020B0604030504040204" pitchFamily="34" charset="0"/>
-                <a:ea typeface="Verdana" panose="020B0604030504040204" pitchFamily="34" charset="0"/>
-              </a:rPr>
-              <a:t> </a:t>
+                  <a:srgbClr val="D4D4D4"/>
+                </a:solidFill>
+                <a:latin typeface="Consolas" panose="020B0609020204030204" pitchFamily="49" charset="0"/>
+              </a:rPr>
+              <a:t> (</a:t>
             </a:r>
             <a:r>
               <a:rPr lang="pt-BR" sz="1200" dirty="0" err="1">
                 <a:solidFill>
-                  <a:schemeClr val="bg1"/>
-                </a:solidFill>
-                <a:latin typeface="Verdana" panose="020B0604030504040204" pitchFamily="34" charset="0"/>
-                <a:ea typeface="Verdana" panose="020B0604030504040204" pitchFamily="34" charset="0"/>
-              </a:rPr>
-              <a:t>sql</a:t>
+                  <a:srgbClr val="9CDCFE"/>
+                </a:solidFill>
+                <a:latin typeface="Consolas" panose="020B0609020204030204" pitchFamily="49" charset="0"/>
+              </a:rPr>
+              <a:t>rs</a:t>
+            </a:r>
+            <a:r>
+              <a:rPr lang="pt-BR" sz="1200" dirty="0" err="1">
+                <a:solidFill>
+                  <a:srgbClr val="D4D4D4"/>
+                </a:solidFill>
+                <a:latin typeface="Consolas" panose="020B0609020204030204" pitchFamily="49" charset="0"/>
+              </a:rPr>
+              <a:t>.</a:t>
+            </a:r>
+            <a:r>
+              <a:rPr lang="pt-BR" sz="1200" dirty="0" err="1">
+                <a:solidFill>
+                  <a:srgbClr val="DCDCAA"/>
+                </a:solidFill>
+                <a:latin typeface="Consolas" panose="020B0609020204030204" pitchFamily="49" charset="0"/>
+              </a:rPr>
+              <a:t>next</a:t>
             </a:r>
             <a:r>
               <a:rPr lang="pt-BR" sz="1200" dirty="0">
                 <a:solidFill>
-                  <a:schemeClr val="bg1"/>
-                </a:solidFill>
-                <a:latin typeface="Verdana" panose="020B0604030504040204" pitchFamily="34" charset="0"/>
-                <a:ea typeface="Verdana" panose="020B0604030504040204" pitchFamily="34" charset="0"/>
-              </a:rPr>
-              <a:t> = "SELECT * FROM </a:t>
-            </a:r>
-            <a:r>
-              <a:rPr lang="pt-BR" sz="1200" dirty="0" err="1">
-                <a:solidFill>
-                  <a:schemeClr val="bg1"/>
-                </a:solidFill>
-                <a:latin typeface="Verdana" panose="020B0604030504040204" pitchFamily="34" charset="0"/>
-                <a:ea typeface="Verdana" panose="020B0604030504040204" pitchFamily="34" charset="0"/>
-              </a:rPr>
-              <a:t>guest</a:t>
-            </a:r>
-            <a:r>
-              <a:rPr lang="pt-BR" sz="1200" dirty="0">
-                <a:solidFill>
-                  <a:schemeClr val="bg1"/>
-                </a:solidFill>
-                <a:latin typeface="Verdana" panose="020B0604030504040204" pitchFamily="34" charset="0"/>
-                <a:ea typeface="Verdana" panose="020B0604030504040204" pitchFamily="34" charset="0"/>
-              </a:rPr>
-              <a:t> WHERE id = </a:t>
-            </a:r>
-            <a:r>
-              <a:rPr lang="pt-BR" sz="1200" dirty="0">
-                <a:solidFill>
-                  <a:srgbClr val="FFC000"/>
-                </a:solidFill>
-                <a:latin typeface="Verdana" panose="020B0604030504040204" pitchFamily="34" charset="0"/>
-                <a:ea typeface="Verdana" panose="020B0604030504040204" pitchFamily="34" charset="0"/>
-              </a:rPr>
-              <a:t>?</a:t>
-            </a:r>
-            <a:r>
-              <a:rPr lang="pt-BR" sz="1200" dirty="0">
-                <a:solidFill>
-                  <a:schemeClr val="bg1"/>
-                </a:solidFill>
-                <a:latin typeface="Verdana" panose="020B0604030504040204" pitchFamily="34" charset="0"/>
-                <a:ea typeface="Verdana" panose="020B0604030504040204" pitchFamily="34" charset="0"/>
-              </a:rPr>
-              <a:t>";</a:t>
+                  <a:srgbClr val="D4D4D4"/>
+                </a:solidFill>
+                <a:latin typeface="Consolas" panose="020B0609020204030204" pitchFamily="49" charset="0"/>
+              </a:rPr>
+              <a:t>()) {</a:t>
             </a:r>
           </a:p>
           <a:p>
-            <a:endParaRPr lang="pt-BR" sz="1200" dirty="0">
-              <a:solidFill>
-                <a:schemeClr val="bg1"/>
-              </a:solidFill>
-              <a:latin typeface="Verdana" panose="020B0604030504040204" pitchFamily="34" charset="0"/>
-              <a:ea typeface="Verdana" panose="020B0604030504040204" pitchFamily="34" charset="0"/>
-            </a:endParaRPr>
+            <a:br>
+              <a:rPr lang="pt-BR" sz="1200" dirty="0">
+                <a:solidFill>
+                  <a:srgbClr val="D4D4D4"/>
+                </a:solidFill>
+                <a:latin typeface="Consolas" panose="020B0609020204030204" pitchFamily="49" charset="0"/>
+              </a:rPr>
+            </a:br>
+            <a:r>
+              <a:rPr lang="pt-BR" sz="1200" dirty="0">
+                <a:solidFill>
+                  <a:srgbClr val="D4D4D4"/>
+                </a:solidFill>
+                <a:latin typeface="Consolas" panose="020B0609020204030204" pitchFamily="49" charset="0"/>
+              </a:rPr>
+              <a:t>   </a:t>
+            </a:r>
+            <a:r>
+              <a:rPr lang="pt-BR" sz="1200" dirty="0" err="1">
+                <a:solidFill>
+                  <a:srgbClr val="4EC9B0"/>
+                </a:solidFill>
+                <a:latin typeface="Consolas" panose="020B0609020204030204" pitchFamily="49" charset="0"/>
+              </a:rPr>
+              <a:t>Guest</a:t>
+            </a:r>
+            <a:r>
+              <a:rPr lang="pt-BR" sz="1200" dirty="0">
+                <a:solidFill>
+                  <a:srgbClr val="D4D4D4"/>
+                </a:solidFill>
+                <a:latin typeface="Consolas" panose="020B0609020204030204" pitchFamily="49" charset="0"/>
+              </a:rPr>
+              <a:t> </a:t>
+            </a:r>
+            <a:r>
+              <a:rPr lang="pt-BR" sz="1200" dirty="0" err="1">
+                <a:solidFill>
+                  <a:srgbClr val="9CDCFE"/>
+                </a:solidFill>
+                <a:latin typeface="Consolas" panose="020B0609020204030204" pitchFamily="49" charset="0"/>
+              </a:rPr>
+              <a:t>guest</a:t>
+            </a:r>
+            <a:r>
+              <a:rPr lang="pt-BR" sz="1200" dirty="0">
+                <a:solidFill>
+                  <a:srgbClr val="D4D4D4"/>
+                </a:solidFill>
+                <a:latin typeface="Consolas" panose="020B0609020204030204" pitchFamily="49" charset="0"/>
+              </a:rPr>
+              <a:t> = </a:t>
+            </a:r>
+            <a:r>
+              <a:rPr lang="pt-BR" sz="1200" dirty="0">
+                <a:solidFill>
+                  <a:srgbClr val="C586C0"/>
+                </a:solidFill>
+                <a:latin typeface="Consolas" panose="020B0609020204030204" pitchFamily="49" charset="0"/>
+              </a:rPr>
+              <a:t>new</a:t>
+            </a:r>
+            <a:r>
+              <a:rPr lang="pt-BR" sz="1200" dirty="0">
+                <a:solidFill>
+                  <a:srgbClr val="D4D4D4"/>
+                </a:solidFill>
+                <a:latin typeface="Consolas" panose="020B0609020204030204" pitchFamily="49" charset="0"/>
+              </a:rPr>
+              <a:t> </a:t>
+            </a:r>
+            <a:r>
+              <a:rPr lang="pt-BR" sz="1200" dirty="0" err="1">
+                <a:solidFill>
+                  <a:srgbClr val="DCDCAA"/>
+                </a:solidFill>
+                <a:latin typeface="Consolas" panose="020B0609020204030204" pitchFamily="49" charset="0"/>
+              </a:rPr>
+              <a:t>Guest</a:t>
+            </a:r>
+            <a:r>
+              <a:rPr lang="pt-BR" sz="1200" dirty="0">
+                <a:solidFill>
+                  <a:srgbClr val="D4D4D4"/>
+                </a:solidFill>
+                <a:latin typeface="Consolas" panose="020B0609020204030204" pitchFamily="49" charset="0"/>
+              </a:rPr>
+              <a:t>();</a:t>
+            </a:r>
           </a:p>
           <a:p>
             <a:r>
               <a:rPr lang="pt-BR" sz="1200" dirty="0">
                 <a:solidFill>
-                  <a:schemeClr val="bg1"/>
-                </a:solidFill>
-                <a:latin typeface="Verdana" panose="020B0604030504040204" pitchFamily="34" charset="0"/>
-                <a:ea typeface="Verdana" panose="020B0604030504040204" pitchFamily="34" charset="0"/>
-              </a:rPr>
-              <a:t>              </a:t>
+                  <a:srgbClr val="9CDCFE"/>
+                </a:solidFill>
+                <a:latin typeface="Consolas" panose="020B0609020204030204" pitchFamily="49" charset="0"/>
+              </a:rPr>
+              <a:t>   </a:t>
             </a:r>
             <a:r>
               <a:rPr lang="pt-BR" sz="1200" dirty="0" err="1">
                 <a:solidFill>
-                  <a:schemeClr val="bg1"/>
-                </a:solidFill>
-                <a:latin typeface="Verdana" panose="020B0604030504040204" pitchFamily="34" charset="0"/>
-                <a:ea typeface="Verdana" panose="020B0604030504040204" pitchFamily="34" charset="0"/>
-              </a:rPr>
-              <a:t>PreparedStatement</a:t>
+                  <a:srgbClr val="9CDCFE"/>
+                </a:solidFill>
+                <a:latin typeface="Consolas" panose="020B0609020204030204" pitchFamily="49" charset="0"/>
+              </a:rPr>
+              <a:t>guest</a:t>
+            </a:r>
+            <a:r>
+              <a:rPr lang="pt-BR" sz="1200" dirty="0" err="1">
+                <a:solidFill>
+                  <a:srgbClr val="D4D4D4"/>
+                </a:solidFill>
+                <a:latin typeface="Consolas" panose="020B0609020204030204" pitchFamily="49" charset="0"/>
+              </a:rPr>
+              <a:t>.</a:t>
+            </a:r>
+            <a:r>
+              <a:rPr lang="pt-BR" sz="1200" dirty="0" err="1">
+                <a:solidFill>
+                  <a:srgbClr val="DCDCAA"/>
+                </a:solidFill>
+                <a:latin typeface="Consolas" panose="020B0609020204030204" pitchFamily="49" charset="0"/>
+              </a:rPr>
+              <a:t>setId</a:t>
             </a:r>
             <a:r>
               <a:rPr lang="pt-BR" sz="1200" dirty="0">
                 <a:solidFill>
-                  <a:schemeClr val="bg1"/>
-                </a:solidFill>
-                <a:latin typeface="Verdana" panose="020B0604030504040204" pitchFamily="34" charset="0"/>
-                <a:ea typeface="Verdana" panose="020B0604030504040204" pitchFamily="34" charset="0"/>
-              </a:rPr>
-              <a:t> </a:t>
+                  <a:srgbClr val="D4D4D4"/>
+                </a:solidFill>
+                <a:latin typeface="Consolas" panose="020B0609020204030204" pitchFamily="49" charset="0"/>
+              </a:rPr>
+              <a:t>(</a:t>
             </a:r>
             <a:r>
               <a:rPr lang="pt-BR" sz="1200" dirty="0" err="1">
                 <a:solidFill>
-                  <a:schemeClr val="bg1"/>
-                </a:solidFill>
-                <a:latin typeface="Verdana" panose="020B0604030504040204" pitchFamily="34" charset="0"/>
-                <a:ea typeface="Verdana" panose="020B0604030504040204" pitchFamily="34" charset="0"/>
-              </a:rPr>
-              <a:t>stmt</a:t>
+                  <a:srgbClr val="9CDCFE"/>
+                </a:solidFill>
+                <a:latin typeface="Consolas" panose="020B0609020204030204" pitchFamily="49" charset="0"/>
+              </a:rPr>
+              <a:t>rs</a:t>
+            </a:r>
+            <a:r>
+              <a:rPr lang="pt-BR" sz="1200" dirty="0" err="1">
+                <a:solidFill>
+                  <a:srgbClr val="D4D4D4"/>
+                </a:solidFill>
+                <a:latin typeface="Consolas" panose="020B0609020204030204" pitchFamily="49" charset="0"/>
+              </a:rPr>
+              <a:t>.</a:t>
+            </a:r>
+            <a:r>
+              <a:rPr lang="pt-BR" sz="1200" dirty="0" err="1">
+                <a:solidFill>
+                  <a:srgbClr val="DCDCAA"/>
+                </a:solidFill>
+                <a:latin typeface="Consolas" panose="020B0609020204030204" pitchFamily="49" charset="0"/>
+              </a:rPr>
+              <a:t>getLong</a:t>
             </a:r>
             <a:r>
               <a:rPr lang="pt-BR" sz="1200" dirty="0">
                 <a:solidFill>
-                  <a:schemeClr val="bg1"/>
-                </a:solidFill>
-                <a:latin typeface="Verdana" panose="020B0604030504040204" pitchFamily="34" charset="0"/>
-                <a:ea typeface="Verdana" panose="020B0604030504040204" pitchFamily="34" charset="0"/>
-              </a:rPr>
-              <a:t> = </a:t>
-            </a:r>
-            <a:r>
-              <a:rPr lang="pt-BR" sz="1200" dirty="0" err="1">
-                <a:solidFill>
-                  <a:schemeClr val="bg1"/>
-                </a:solidFill>
-                <a:latin typeface="Verdana" panose="020B0604030504040204" pitchFamily="34" charset="0"/>
-                <a:ea typeface="Verdana" panose="020B0604030504040204" pitchFamily="34" charset="0"/>
-              </a:rPr>
-              <a:t>conn.prepareStatement</a:t>
+                  <a:srgbClr val="D4D4D4"/>
+                </a:solidFill>
+                <a:latin typeface="Consolas" panose="020B0609020204030204" pitchFamily="49" charset="0"/>
+              </a:rPr>
+              <a:t>(</a:t>
             </a:r>
             <a:r>
               <a:rPr lang="pt-BR" sz="1200" dirty="0">
                 <a:solidFill>
-                  <a:schemeClr val="bg1"/>
-                </a:solidFill>
-                <a:latin typeface="Verdana" panose="020B0604030504040204" pitchFamily="34" charset="0"/>
-                <a:ea typeface="Verdana" panose="020B0604030504040204" pitchFamily="34" charset="0"/>
-              </a:rPr>
-              <a:t>(</a:t>
-            </a:r>
-            <a:r>
-              <a:rPr lang="pt-BR" sz="1200" dirty="0" err="1">
-                <a:solidFill>
-                  <a:schemeClr val="bg1"/>
-                </a:solidFill>
-                <a:latin typeface="Verdana" panose="020B0604030504040204" pitchFamily="34" charset="0"/>
-                <a:ea typeface="Verdana" panose="020B0604030504040204" pitchFamily="34" charset="0"/>
-              </a:rPr>
-              <a:t>sql</a:t>
+                  <a:srgbClr val="CE9178"/>
+                </a:solidFill>
+                <a:latin typeface="Consolas" panose="020B0609020204030204" pitchFamily="49" charset="0"/>
+              </a:rPr>
+              <a:t>"id"</a:t>
             </a:r>
             <a:r>
               <a:rPr lang="pt-BR" sz="1200" dirty="0">
                 <a:solidFill>
-                  <a:schemeClr val="bg1"/>
-                </a:solidFill>
-                <a:latin typeface="Verdana" panose="020B0604030504040204" pitchFamily="34" charset="0"/>
-                <a:ea typeface="Verdana" panose="020B0604030504040204" pitchFamily="34" charset="0"/>
-              </a:rPr>
-              <a:t>);</a:t>
+                  <a:srgbClr val="D4D4D4"/>
+                </a:solidFill>
+                <a:latin typeface="Consolas" panose="020B0609020204030204" pitchFamily="49" charset="0"/>
+              </a:rPr>
+              <a:t>));</a:t>
             </a:r>
           </a:p>
           <a:p>
             <a:r>
               <a:rPr lang="pt-BR" sz="1200" dirty="0">
                 <a:solidFill>
-                  <a:schemeClr val="bg1"/>
-                </a:solidFill>
-                <a:latin typeface="Verdana" panose="020B0604030504040204" pitchFamily="34" charset="0"/>
-                <a:ea typeface="Verdana" panose="020B0604030504040204" pitchFamily="34" charset="0"/>
-              </a:rPr>
-              <a:t>              </a:t>
+                  <a:srgbClr val="9CDCFE"/>
+                </a:solidFill>
+                <a:latin typeface="Consolas" panose="020B0609020204030204" pitchFamily="49" charset="0"/>
+              </a:rPr>
+              <a:t>   </a:t>
             </a:r>
             <a:r>
               <a:rPr lang="pt-BR" sz="1200" dirty="0" err="1">
                 <a:solidFill>
-                  <a:schemeClr val="bg1"/>
-                </a:solidFill>
-                <a:latin typeface="Verdana" panose="020B0604030504040204" pitchFamily="34" charset="0"/>
-                <a:ea typeface="Verdana" panose="020B0604030504040204" pitchFamily="34" charset="0"/>
-              </a:rPr>
-              <a:t>stmt.setInt</a:t>
+                  <a:srgbClr val="9CDCFE"/>
+                </a:solidFill>
+                <a:latin typeface="Consolas" panose="020B0609020204030204" pitchFamily="49" charset="0"/>
+              </a:rPr>
+              <a:t>guest</a:t>
+            </a:r>
+            <a:r>
+              <a:rPr lang="pt-BR" sz="1200" dirty="0" err="1">
+                <a:solidFill>
+                  <a:srgbClr val="D4D4D4"/>
+                </a:solidFill>
+                <a:latin typeface="Consolas" panose="020B0609020204030204" pitchFamily="49" charset="0"/>
+              </a:rPr>
+              <a:t>.</a:t>
+            </a:r>
+            <a:r>
+              <a:rPr lang="pt-BR" sz="1200" dirty="0" err="1">
+                <a:solidFill>
+                  <a:srgbClr val="DCDCAA"/>
+                </a:solidFill>
+                <a:latin typeface="Consolas" panose="020B0609020204030204" pitchFamily="49" charset="0"/>
+              </a:rPr>
+              <a:t>setIdRoom</a:t>
             </a:r>
             <a:r>
               <a:rPr lang="pt-BR" sz="1200" dirty="0">
                 <a:solidFill>
-                  <a:schemeClr val="bg1"/>
-                </a:solidFill>
-                <a:latin typeface="Verdana" panose="020B0604030504040204" pitchFamily="34" charset="0"/>
-                <a:ea typeface="Verdana" panose="020B0604030504040204" pitchFamily="34" charset="0"/>
-              </a:rPr>
-              <a:t>(1);</a:t>
+                  <a:srgbClr val="D4D4D4"/>
+                </a:solidFill>
+                <a:latin typeface="Consolas" panose="020B0609020204030204" pitchFamily="49" charset="0"/>
+              </a:rPr>
+              <a:t>(</a:t>
+            </a:r>
+            <a:r>
+              <a:rPr lang="pt-BR" sz="1200" dirty="0" err="1">
+                <a:solidFill>
+                  <a:srgbClr val="9CDCFE"/>
+                </a:solidFill>
+                <a:latin typeface="Consolas" panose="020B0609020204030204" pitchFamily="49" charset="0"/>
+              </a:rPr>
+              <a:t>rs</a:t>
+            </a:r>
+            <a:r>
+              <a:rPr lang="pt-BR" sz="1200" dirty="0" err="1">
+                <a:solidFill>
+                  <a:srgbClr val="D4D4D4"/>
+                </a:solidFill>
+                <a:latin typeface="Consolas" panose="020B0609020204030204" pitchFamily="49" charset="0"/>
+              </a:rPr>
+              <a:t>.</a:t>
+            </a:r>
+            <a:r>
+              <a:rPr lang="pt-BR" sz="1200" dirty="0" err="1">
+                <a:solidFill>
+                  <a:srgbClr val="DCDCAA"/>
+                </a:solidFill>
+                <a:latin typeface="Consolas" panose="020B0609020204030204" pitchFamily="49" charset="0"/>
+              </a:rPr>
+              <a:t>getLong</a:t>
+            </a:r>
+            <a:r>
+              <a:rPr lang="pt-BR" sz="1200" dirty="0">
+                <a:solidFill>
+                  <a:srgbClr val="D4D4D4"/>
+                </a:solidFill>
+                <a:latin typeface="Consolas" panose="020B0609020204030204" pitchFamily="49" charset="0"/>
+              </a:rPr>
+              <a:t>(</a:t>
+            </a:r>
+            <a:r>
+              <a:rPr lang="pt-BR" sz="1200" dirty="0">
+                <a:solidFill>
+                  <a:srgbClr val="CE9178"/>
+                </a:solidFill>
+                <a:latin typeface="Consolas" panose="020B0609020204030204" pitchFamily="49" charset="0"/>
+              </a:rPr>
+              <a:t>"</a:t>
+            </a:r>
+            <a:r>
+              <a:rPr lang="pt-BR" sz="1200" dirty="0" err="1">
+                <a:solidFill>
+                  <a:srgbClr val="CE9178"/>
+                </a:solidFill>
+                <a:latin typeface="Consolas" panose="020B0609020204030204" pitchFamily="49" charset="0"/>
+              </a:rPr>
+              <a:t>id_room</a:t>
+            </a:r>
+            <a:r>
+              <a:rPr lang="pt-BR" sz="1200" dirty="0">
+                <a:solidFill>
+                  <a:srgbClr val="CE9178"/>
+                </a:solidFill>
+                <a:latin typeface="Consolas" panose="020B0609020204030204" pitchFamily="49" charset="0"/>
+              </a:rPr>
+              <a:t>"</a:t>
+            </a:r>
+            <a:r>
+              <a:rPr lang="pt-BR" sz="1200" dirty="0">
+                <a:solidFill>
+                  <a:srgbClr val="D4D4D4"/>
+                </a:solidFill>
+                <a:latin typeface="Consolas" panose="020B0609020204030204" pitchFamily="49" charset="0"/>
+              </a:rPr>
+              <a:t>));</a:t>
             </a:r>
           </a:p>
           <a:p>
-            <a:endParaRPr lang="pt-BR" sz="1200" dirty="0">
-              <a:solidFill>
-                <a:schemeClr val="bg1"/>
-              </a:solidFill>
-              <a:latin typeface="Verdana" panose="020B0604030504040204" pitchFamily="34" charset="0"/>
-              <a:ea typeface="Verdana" panose="020B0604030504040204" pitchFamily="34" charset="0"/>
-            </a:endParaRPr>
+            <a:r>
+              <a:rPr lang="pt-BR" sz="1200" dirty="0">
+                <a:solidFill>
+                  <a:srgbClr val="9CDCFE"/>
+                </a:solidFill>
+                <a:latin typeface="Consolas" panose="020B0609020204030204" pitchFamily="49" charset="0"/>
+              </a:rPr>
+              <a:t>   </a:t>
+            </a:r>
+            <a:r>
+              <a:rPr lang="pt-BR" sz="1200" dirty="0" err="1">
+                <a:solidFill>
+                  <a:srgbClr val="9CDCFE"/>
+                </a:solidFill>
+                <a:latin typeface="Consolas" panose="020B0609020204030204" pitchFamily="49" charset="0"/>
+              </a:rPr>
+              <a:t>guest</a:t>
+            </a:r>
+            <a:r>
+              <a:rPr lang="pt-BR" sz="1200" dirty="0" err="1">
+                <a:solidFill>
+                  <a:srgbClr val="D4D4D4"/>
+                </a:solidFill>
+                <a:latin typeface="Consolas" panose="020B0609020204030204" pitchFamily="49" charset="0"/>
+              </a:rPr>
+              <a:t>.</a:t>
+            </a:r>
+            <a:r>
+              <a:rPr lang="pt-BR" sz="1200" dirty="0" err="1">
+                <a:solidFill>
+                  <a:srgbClr val="DCDCAA"/>
+                </a:solidFill>
+                <a:latin typeface="Consolas" panose="020B0609020204030204" pitchFamily="49" charset="0"/>
+              </a:rPr>
+              <a:t>setName</a:t>
+            </a:r>
+            <a:r>
+              <a:rPr lang="pt-BR" sz="1200" dirty="0">
+                <a:solidFill>
+                  <a:srgbClr val="D4D4D4"/>
+                </a:solidFill>
+                <a:latin typeface="Consolas" panose="020B0609020204030204" pitchFamily="49" charset="0"/>
+              </a:rPr>
+              <a:t>(</a:t>
+            </a:r>
+            <a:r>
+              <a:rPr lang="pt-BR" sz="1200" dirty="0" err="1">
+                <a:solidFill>
+                  <a:srgbClr val="9CDCFE"/>
+                </a:solidFill>
+                <a:latin typeface="Consolas" panose="020B0609020204030204" pitchFamily="49" charset="0"/>
+              </a:rPr>
+              <a:t>rs</a:t>
+            </a:r>
+            <a:r>
+              <a:rPr lang="pt-BR" sz="1200" dirty="0" err="1">
+                <a:solidFill>
+                  <a:srgbClr val="D4D4D4"/>
+                </a:solidFill>
+                <a:latin typeface="Consolas" panose="020B0609020204030204" pitchFamily="49" charset="0"/>
+              </a:rPr>
+              <a:t>.</a:t>
+            </a:r>
+            <a:r>
+              <a:rPr lang="pt-BR" sz="1200" dirty="0" err="1">
+                <a:solidFill>
+                  <a:srgbClr val="DCDCAA"/>
+                </a:solidFill>
+                <a:latin typeface="Consolas" panose="020B0609020204030204" pitchFamily="49" charset="0"/>
+              </a:rPr>
+              <a:t>getString</a:t>
+            </a:r>
+            <a:r>
+              <a:rPr lang="pt-BR" sz="1200" dirty="0">
+                <a:solidFill>
+                  <a:srgbClr val="D4D4D4"/>
+                </a:solidFill>
+                <a:latin typeface="Consolas" panose="020B0609020204030204" pitchFamily="49" charset="0"/>
+              </a:rPr>
+              <a:t>(</a:t>
+            </a:r>
+            <a:r>
+              <a:rPr lang="pt-BR" sz="1200" dirty="0">
+                <a:solidFill>
+                  <a:srgbClr val="CE9178"/>
+                </a:solidFill>
+                <a:latin typeface="Consolas" panose="020B0609020204030204" pitchFamily="49" charset="0"/>
+              </a:rPr>
+              <a:t>"_</a:t>
+            </a:r>
+            <a:r>
+              <a:rPr lang="pt-BR" sz="1200" dirty="0" err="1">
+                <a:solidFill>
+                  <a:srgbClr val="CE9178"/>
+                </a:solidFill>
+                <a:latin typeface="Consolas" panose="020B0609020204030204" pitchFamily="49" charset="0"/>
+              </a:rPr>
+              <a:t>name</a:t>
+            </a:r>
+            <a:r>
+              <a:rPr lang="pt-BR" sz="1200" dirty="0">
+                <a:solidFill>
+                  <a:srgbClr val="CE9178"/>
+                </a:solidFill>
+                <a:latin typeface="Consolas" panose="020B0609020204030204" pitchFamily="49" charset="0"/>
+              </a:rPr>
+              <a:t>"</a:t>
+            </a:r>
+            <a:r>
+              <a:rPr lang="pt-BR" sz="1200" dirty="0">
+                <a:solidFill>
+                  <a:srgbClr val="D4D4D4"/>
+                </a:solidFill>
+                <a:latin typeface="Consolas" panose="020B0609020204030204" pitchFamily="49" charset="0"/>
+              </a:rPr>
+              <a:t>));</a:t>
+            </a:r>
           </a:p>
           <a:p>
             <a:r>
               <a:rPr lang="pt-BR" sz="1200" dirty="0">
                 <a:solidFill>
-                  <a:schemeClr val="bg1"/>
-                </a:solidFill>
-                <a:latin typeface="Verdana" panose="020B0604030504040204" pitchFamily="34" charset="0"/>
-                <a:ea typeface="Verdana" panose="020B0604030504040204" pitchFamily="34" charset="0"/>
-              </a:rPr>
-              <a:t>            </a:t>
+                  <a:srgbClr val="9CDCFE"/>
+                </a:solidFill>
+                <a:latin typeface="Consolas" panose="020B0609020204030204" pitchFamily="49" charset="0"/>
+              </a:rPr>
+              <a:t>   </a:t>
             </a:r>
             <a:r>
               <a:rPr lang="pt-BR" sz="1200" dirty="0" err="1">
                 <a:solidFill>
-                  <a:schemeClr val="bg2">
-                    <a:lumMod val="40000"/>
-                    <a:lumOff val="60000"/>
-                  </a:schemeClr>
-                </a:solidFill>
-                <a:latin typeface="Verdana" panose="020B0604030504040204" pitchFamily="34" charset="0"/>
-                <a:ea typeface="Verdana" panose="020B0604030504040204" pitchFamily="34" charset="0"/>
-              </a:rPr>
-              <a:t>ResultSet</a:t>
+                  <a:srgbClr val="9CDCFE"/>
+                </a:solidFill>
+                <a:latin typeface="Consolas" panose="020B0609020204030204" pitchFamily="49" charset="0"/>
+              </a:rPr>
+              <a:t>guest</a:t>
+            </a:r>
+            <a:r>
+              <a:rPr lang="pt-BR" sz="1200" dirty="0" err="1">
+                <a:solidFill>
+                  <a:srgbClr val="D4D4D4"/>
+                </a:solidFill>
+                <a:latin typeface="Consolas" panose="020B0609020204030204" pitchFamily="49" charset="0"/>
+              </a:rPr>
+              <a:t>.</a:t>
+            </a:r>
+            <a:r>
+              <a:rPr lang="pt-BR" sz="1200" dirty="0" err="1">
+                <a:solidFill>
+                  <a:srgbClr val="DCDCAA"/>
+                </a:solidFill>
+                <a:latin typeface="Consolas" panose="020B0609020204030204" pitchFamily="49" charset="0"/>
+              </a:rPr>
+              <a:t>setAge</a:t>
             </a:r>
             <a:r>
               <a:rPr lang="pt-BR" sz="1200" dirty="0">
                 <a:solidFill>
-                  <a:schemeClr val="bg2">
-                    <a:lumMod val="40000"/>
-                    <a:lumOff val="60000"/>
-                  </a:schemeClr>
-                </a:solidFill>
-                <a:latin typeface="Verdana" panose="020B0604030504040204" pitchFamily="34" charset="0"/>
-                <a:ea typeface="Verdana" panose="020B0604030504040204" pitchFamily="34" charset="0"/>
-              </a:rPr>
-              <a:t> </a:t>
+                  <a:srgbClr val="D4D4D4"/>
+                </a:solidFill>
+                <a:latin typeface="Consolas" panose="020B0609020204030204" pitchFamily="49" charset="0"/>
+              </a:rPr>
+              <a:t>(</a:t>
             </a:r>
             <a:r>
               <a:rPr lang="pt-BR" sz="1200" dirty="0" err="1">
                 <a:solidFill>
-                  <a:schemeClr val="bg2">
-                    <a:lumMod val="40000"/>
-                    <a:lumOff val="60000"/>
-                  </a:schemeClr>
-                </a:solidFill>
-                <a:latin typeface="Verdana" panose="020B0604030504040204" pitchFamily="34" charset="0"/>
-                <a:ea typeface="Verdana" panose="020B0604030504040204" pitchFamily="34" charset="0"/>
+                  <a:srgbClr val="9CDCFE"/>
+                </a:solidFill>
+                <a:latin typeface="Consolas" panose="020B0609020204030204" pitchFamily="49" charset="0"/>
               </a:rPr>
               <a:t>rs</a:t>
             </a:r>
             <a:r>
+              <a:rPr lang="pt-BR" sz="1200" dirty="0" err="1">
+                <a:solidFill>
+                  <a:srgbClr val="D4D4D4"/>
+                </a:solidFill>
+                <a:latin typeface="Consolas" panose="020B0609020204030204" pitchFamily="49" charset="0"/>
+              </a:rPr>
+              <a:t>.</a:t>
+            </a:r>
+            <a:r>
+              <a:rPr lang="pt-BR" sz="1200" dirty="0" err="1">
+                <a:solidFill>
+                  <a:srgbClr val="DCDCAA"/>
+                </a:solidFill>
+                <a:latin typeface="Consolas" panose="020B0609020204030204" pitchFamily="49" charset="0"/>
+              </a:rPr>
+              <a:t>getInt</a:t>
+            </a:r>
+            <a:r>
               <a:rPr lang="pt-BR" sz="1200" dirty="0">
                 <a:solidFill>
-                  <a:schemeClr val="bg2">
-                    <a:lumMod val="40000"/>
-                    <a:lumOff val="60000"/>
-                  </a:schemeClr>
-                </a:solidFill>
-                <a:latin typeface="Verdana" panose="020B0604030504040204" pitchFamily="34" charset="0"/>
-                <a:ea typeface="Verdana" panose="020B0604030504040204" pitchFamily="34" charset="0"/>
-              </a:rPr>
-              <a:t> </a:t>
+                  <a:srgbClr val="D4D4D4"/>
+                </a:solidFill>
+                <a:latin typeface="Consolas" panose="020B0609020204030204" pitchFamily="49" charset="0"/>
+              </a:rPr>
+              <a:t>(</a:t>
             </a:r>
             <a:r>
               <a:rPr lang="pt-BR" sz="1200" dirty="0">
                 <a:solidFill>
-                  <a:schemeClr val="bg1"/>
-                </a:solidFill>
-                <a:latin typeface="Verdana" panose="020B0604030504040204" pitchFamily="34" charset="0"/>
-                <a:ea typeface="Verdana" panose="020B0604030504040204" pitchFamily="34" charset="0"/>
-              </a:rPr>
-              <a:t>= </a:t>
-            </a:r>
-            <a:r>
-              <a:rPr lang="pt-BR" sz="1200" dirty="0" err="1">
-                <a:solidFill>
-                  <a:schemeClr val="bg1"/>
-                </a:solidFill>
-                <a:latin typeface="Verdana" panose="020B0604030504040204" pitchFamily="34" charset="0"/>
-                <a:ea typeface="Verdana" panose="020B0604030504040204" pitchFamily="34" charset="0"/>
-              </a:rPr>
-              <a:t>stmt.executeQuery</a:t>
+                  <a:srgbClr val="CE9178"/>
+                </a:solidFill>
+                <a:latin typeface="Consolas" panose="020B0609020204030204" pitchFamily="49" charset="0"/>
+              </a:rPr>
+              <a:t>"age"</a:t>
             </a:r>
             <a:r>
               <a:rPr lang="pt-BR" sz="1200" dirty="0">
                 <a:solidFill>
-                  <a:schemeClr val="bg1"/>
-                </a:solidFill>
-                <a:latin typeface="Verdana" panose="020B0604030504040204" pitchFamily="34" charset="0"/>
-                <a:ea typeface="Verdana" panose="020B0604030504040204" pitchFamily="34" charset="0"/>
-              </a:rPr>
-              <a:t>();</a:t>
+                  <a:srgbClr val="D4D4D4"/>
+                </a:solidFill>
+                <a:latin typeface="Consolas" panose="020B0609020204030204" pitchFamily="49" charset="0"/>
+              </a:rPr>
+              <a:t>));</a:t>
             </a:r>
           </a:p>
           <a:p>
-            <a:endParaRPr lang="pt-BR" sz="1200" dirty="0">
-              <a:solidFill>
-                <a:schemeClr val="bg1"/>
-              </a:solidFill>
-              <a:latin typeface="Verdana" panose="020B0604030504040204" pitchFamily="34" charset="0"/>
-              <a:ea typeface="Verdana" panose="020B0604030504040204" pitchFamily="34" charset="0"/>
-            </a:endParaRPr>
+            <a:r>
+              <a:rPr lang="pt-BR" sz="1200" dirty="0">
+                <a:solidFill>
+                  <a:srgbClr val="9CDCFE"/>
+                </a:solidFill>
+                <a:latin typeface="Consolas" panose="020B0609020204030204" pitchFamily="49" charset="0"/>
+              </a:rPr>
+              <a:t>   </a:t>
+            </a:r>
+            <a:r>
+              <a:rPr lang="pt-BR" sz="1200" dirty="0" err="1">
+                <a:solidFill>
+                  <a:srgbClr val="9CDCFE"/>
+                </a:solidFill>
+                <a:latin typeface="Consolas" panose="020B0609020204030204" pitchFamily="49" charset="0"/>
+              </a:rPr>
+              <a:t>guest</a:t>
+            </a:r>
+            <a:r>
+              <a:rPr lang="pt-BR" sz="1200" dirty="0" err="1">
+                <a:solidFill>
+                  <a:srgbClr val="D4D4D4"/>
+                </a:solidFill>
+                <a:latin typeface="Consolas" panose="020B0609020204030204" pitchFamily="49" charset="0"/>
+              </a:rPr>
+              <a:t>.</a:t>
+            </a:r>
+            <a:r>
+              <a:rPr lang="pt-BR" sz="1200" dirty="0" err="1">
+                <a:solidFill>
+                  <a:srgbClr val="DCDCAA"/>
+                </a:solidFill>
+                <a:latin typeface="Consolas" panose="020B0609020204030204" pitchFamily="49" charset="0"/>
+              </a:rPr>
+              <a:t>setCpf</a:t>
+            </a:r>
+            <a:r>
+              <a:rPr lang="pt-BR" sz="1200" dirty="0">
+                <a:solidFill>
+                  <a:srgbClr val="D4D4D4"/>
+                </a:solidFill>
+                <a:latin typeface="Consolas" panose="020B0609020204030204" pitchFamily="49" charset="0"/>
+              </a:rPr>
+              <a:t>(</a:t>
+            </a:r>
+            <a:r>
+              <a:rPr lang="pt-BR" sz="1200" dirty="0" err="1">
+                <a:solidFill>
+                  <a:srgbClr val="9CDCFE"/>
+                </a:solidFill>
+                <a:latin typeface="Consolas" panose="020B0609020204030204" pitchFamily="49" charset="0"/>
+              </a:rPr>
+              <a:t>rs</a:t>
+            </a:r>
+            <a:r>
+              <a:rPr lang="pt-BR" sz="1200" dirty="0" err="1">
+                <a:solidFill>
+                  <a:srgbClr val="D4D4D4"/>
+                </a:solidFill>
+                <a:latin typeface="Consolas" panose="020B0609020204030204" pitchFamily="49" charset="0"/>
+              </a:rPr>
+              <a:t>.</a:t>
+            </a:r>
+            <a:r>
+              <a:rPr lang="pt-BR" sz="1200" dirty="0" err="1">
+                <a:solidFill>
+                  <a:srgbClr val="DCDCAA"/>
+                </a:solidFill>
+                <a:latin typeface="Consolas" panose="020B0609020204030204" pitchFamily="49" charset="0"/>
+              </a:rPr>
+              <a:t>getString</a:t>
+            </a:r>
+            <a:r>
+              <a:rPr lang="pt-BR" sz="1200" dirty="0">
+                <a:solidFill>
+                  <a:srgbClr val="D4D4D4"/>
+                </a:solidFill>
+                <a:latin typeface="Consolas" panose="020B0609020204030204" pitchFamily="49" charset="0"/>
+              </a:rPr>
+              <a:t>(</a:t>
+            </a:r>
+            <a:r>
+              <a:rPr lang="pt-BR" sz="1200" dirty="0">
+                <a:solidFill>
+                  <a:srgbClr val="CE9178"/>
+                </a:solidFill>
+                <a:latin typeface="Consolas" panose="020B0609020204030204" pitchFamily="49" charset="0"/>
+              </a:rPr>
+              <a:t>"</a:t>
+            </a:r>
+            <a:r>
+              <a:rPr lang="pt-BR" sz="1200" dirty="0" err="1">
+                <a:solidFill>
+                  <a:srgbClr val="CE9178"/>
+                </a:solidFill>
+                <a:latin typeface="Consolas" panose="020B0609020204030204" pitchFamily="49" charset="0"/>
+              </a:rPr>
+              <a:t>cpf</a:t>
+            </a:r>
+            <a:r>
+              <a:rPr lang="pt-BR" sz="1200" dirty="0">
+                <a:solidFill>
+                  <a:srgbClr val="CE9178"/>
+                </a:solidFill>
+                <a:latin typeface="Consolas" panose="020B0609020204030204" pitchFamily="49" charset="0"/>
+              </a:rPr>
+              <a:t>"</a:t>
+            </a:r>
+            <a:r>
+              <a:rPr lang="pt-BR" sz="1200" dirty="0">
+                <a:solidFill>
+                  <a:srgbClr val="D4D4D4"/>
+                </a:solidFill>
+                <a:latin typeface="Consolas" panose="020B0609020204030204" pitchFamily="49" charset="0"/>
+              </a:rPr>
+              <a:t>));</a:t>
+            </a:r>
           </a:p>
           <a:p>
             <a:r>
               <a:rPr lang="pt-BR" sz="1200" dirty="0">
                 <a:solidFill>
-                  <a:schemeClr val="bg1"/>
-                </a:solidFill>
-                <a:latin typeface="Verdana" panose="020B0604030504040204" pitchFamily="34" charset="0"/>
-                <a:ea typeface="Verdana" panose="020B0604030504040204" pitchFamily="34" charset="0"/>
-              </a:rPr>
-              <a:t>            </a:t>
+                  <a:srgbClr val="9CDCFE"/>
+                </a:solidFill>
+                <a:latin typeface="Consolas" panose="020B0609020204030204" pitchFamily="49" charset="0"/>
+              </a:rPr>
+              <a:t>   </a:t>
             </a:r>
             <a:r>
               <a:rPr lang="pt-BR" sz="1200" dirty="0" err="1">
                 <a:solidFill>
-                  <a:schemeClr val="bg1"/>
-                </a:solidFill>
-                <a:latin typeface="Verdana" panose="020B0604030504040204" pitchFamily="34" charset="0"/>
-                <a:ea typeface="Verdana" panose="020B0604030504040204" pitchFamily="34" charset="0"/>
-              </a:rPr>
-              <a:t>while</a:t>
+                  <a:srgbClr val="9CDCFE"/>
+                </a:solidFill>
+                <a:latin typeface="Consolas" panose="020B0609020204030204" pitchFamily="49" charset="0"/>
+              </a:rPr>
+              <a:t>guest</a:t>
+            </a:r>
+            <a:r>
+              <a:rPr lang="pt-BR" sz="1200" dirty="0" err="1">
+                <a:solidFill>
+                  <a:srgbClr val="D4D4D4"/>
+                </a:solidFill>
+                <a:latin typeface="Consolas" panose="020B0609020204030204" pitchFamily="49" charset="0"/>
+              </a:rPr>
+              <a:t>.</a:t>
+            </a:r>
+            <a:r>
+              <a:rPr lang="pt-BR" sz="1200" dirty="0" err="1">
+                <a:solidFill>
+                  <a:srgbClr val="DCDCAA"/>
+                </a:solidFill>
+                <a:latin typeface="Consolas" panose="020B0609020204030204" pitchFamily="49" charset="0"/>
+              </a:rPr>
+              <a:t>setPhone</a:t>
             </a:r>
             <a:r>
               <a:rPr lang="pt-BR" sz="1200" dirty="0">
                 <a:solidFill>
-                  <a:schemeClr val="bg1"/>
-                </a:solidFill>
-                <a:latin typeface="Verdana" panose="020B0604030504040204" pitchFamily="34" charset="0"/>
-                <a:ea typeface="Verdana" panose="020B0604030504040204" pitchFamily="34" charset="0"/>
-              </a:rPr>
-              <a:t> (</a:t>
+                  <a:srgbClr val="D4D4D4"/>
+                </a:solidFill>
+                <a:latin typeface="Consolas" panose="020B0609020204030204" pitchFamily="49" charset="0"/>
+              </a:rPr>
+              <a:t>(</a:t>
             </a:r>
             <a:r>
               <a:rPr lang="pt-BR" sz="1200" dirty="0" err="1">
                 <a:solidFill>
-                  <a:schemeClr val="bg1"/>
-                </a:solidFill>
-                <a:latin typeface="Verdana" panose="020B0604030504040204" pitchFamily="34" charset="0"/>
-                <a:ea typeface="Verdana" panose="020B0604030504040204" pitchFamily="34" charset="0"/>
-              </a:rPr>
-              <a:t>rs.next</a:t>
+                  <a:srgbClr val="9CDCFE"/>
+                </a:solidFill>
+                <a:latin typeface="Consolas" panose="020B0609020204030204" pitchFamily="49" charset="0"/>
+              </a:rPr>
+              <a:t>rs</a:t>
+            </a:r>
+            <a:r>
+              <a:rPr lang="pt-BR" sz="1200" dirty="0" err="1">
+                <a:solidFill>
+                  <a:srgbClr val="D4D4D4"/>
+                </a:solidFill>
+                <a:latin typeface="Consolas" panose="020B0609020204030204" pitchFamily="49" charset="0"/>
+              </a:rPr>
+              <a:t>.</a:t>
+            </a:r>
+            <a:r>
+              <a:rPr lang="pt-BR" sz="1200" dirty="0" err="1">
+                <a:solidFill>
+                  <a:srgbClr val="DCDCAA"/>
+                </a:solidFill>
+                <a:latin typeface="Consolas" panose="020B0609020204030204" pitchFamily="49" charset="0"/>
+              </a:rPr>
+              <a:t>getString</a:t>
             </a:r>
             <a:r>
               <a:rPr lang="pt-BR" sz="1200" dirty="0">
                 <a:solidFill>
-                  <a:schemeClr val="bg1"/>
-                </a:solidFill>
-                <a:latin typeface="Verdana" panose="020B0604030504040204" pitchFamily="34" charset="0"/>
-                <a:ea typeface="Verdana" panose="020B0604030504040204" pitchFamily="34" charset="0"/>
-              </a:rPr>
-              <a:t>()) {</a:t>
+                  <a:srgbClr val="D4D4D4"/>
+                </a:solidFill>
+                <a:latin typeface="Consolas" panose="020B0609020204030204" pitchFamily="49" charset="0"/>
+              </a:rPr>
+              <a:t>(</a:t>
+            </a:r>
+            <a:r>
+              <a:rPr lang="pt-BR" sz="1200" dirty="0">
+                <a:solidFill>
+                  <a:srgbClr val="CE9178"/>
+                </a:solidFill>
+                <a:latin typeface="Consolas" panose="020B0609020204030204" pitchFamily="49" charset="0"/>
+              </a:rPr>
+              <a:t>"</a:t>
+            </a:r>
+            <a:r>
+              <a:rPr lang="pt-BR" sz="1200" dirty="0" err="1">
+                <a:solidFill>
+                  <a:srgbClr val="CE9178"/>
+                </a:solidFill>
+                <a:latin typeface="Consolas" panose="020B0609020204030204" pitchFamily="49" charset="0"/>
+              </a:rPr>
+              <a:t>phone</a:t>
+            </a:r>
+            <a:r>
+              <a:rPr lang="pt-BR" sz="1200" dirty="0">
+                <a:solidFill>
+                  <a:srgbClr val="CE9178"/>
+                </a:solidFill>
+                <a:latin typeface="Consolas" panose="020B0609020204030204" pitchFamily="49" charset="0"/>
+              </a:rPr>
+              <a:t>"</a:t>
+            </a:r>
+            <a:r>
+              <a:rPr lang="pt-BR" sz="1200" dirty="0">
+                <a:solidFill>
+                  <a:srgbClr val="D4D4D4"/>
+                </a:solidFill>
+                <a:latin typeface="Consolas" panose="020B0609020204030204" pitchFamily="49" charset="0"/>
+              </a:rPr>
+              <a:t>));</a:t>
             </a:r>
           </a:p>
           <a:p>
-            <a:endParaRPr lang="pt-BR" sz="1200" dirty="0">
-              <a:solidFill>
-                <a:schemeClr val="bg1"/>
-              </a:solidFill>
-              <a:latin typeface="Verdana" panose="020B0604030504040204" pitchFamily="34" charset="0"/>
-              <a:ea typeface="Verdana" panose="020B0604030504040204" pitchFamily="34" charset="0"/>
-            </a:endParaRPr>
+            <a:br>
+              <a:rPr lang="pt-BR" sz="1200" dirty="0">
+                <a:solidFill>
+                  <a:srgbClr val="D4D4D4"/>
+                </a:solidFill>
+                <a:latin typeface="Consolas" panose="020B0609020204030204" pitchFamily="49" charset="0"/>
+              </a:rPr>
+            </a:br>
+            <a:r>
+              <a:rPr lang="pt-BR" sz="1200" dirty="0">
+                <a:solidFill>
+                  <a:srgbClr val="D4D4D4"/>
+                </a:solidFill>
+                <a:latin typeface="Consolas" panose="020B0609020204030204" pitchFamily="49" charset="0"/>
+              </a:rPr>
+              <a:t>   </a:t>
+            </a:r>
+            <a:r>
+              <a:rPr lang="pt-BR" sz="1200" dirty="0" err="1">
+                <a:solidFill>
+                  <a:srgbClr val="9CDCFE"/>
+                </a:solidFill>
+                <a:latin typeface="Consolas" panose="020B0609020204030204" pitchFamily="49" charset="0"/>
+              </a:rPr>
+              <a:t>guestList</a:t>
+            </a:r>
+            <a:r>
+              <a:rPr lang="pt-BR" sz="1200" dirty="0" err="1">
+                <a:solidFill>
+                  <a:srgbClr val="D4D4D4"/>
+                </a:solidFill>
+                <a:latin typeface="Consolas" panose="020B0609020204030204" pitchFamily="49" charset="0"/>
+              </a:rPr>
+              <a:t>.</a:t>
+            </a:r>
+            <a:r>
+              <a:rPr lang="pt-BR" sz="1200" dirty="0" err="1">
+                <a:solidFill>
+                  <a:srgbClr val="DCDCAA"/>
+                </a:solidFill>
+                <a:latin typeface="Consolas" panose="020B0609020204030204" pitchFamily="49" charset="0"/>
+              </a:rPr>
+              <a:t>add</a:t>
+            </a:r>
+            <a:r>
+              <a:rPr lang="pt-BR" sz="1200" dirty="0">
+                <a:solidFill>
+                  <a:srgbClr val="D4D4D4"/>
+                </a:solidFill>
+                <a:latin typeface="Consolas" panose="020B0609020204030204" pitchFamily="49" charset="0"/>
+              </a:rPr>
+              <a:t>(</a:t>
+            </a:r>
+            <a:r>
+              <a:rPr lang="pt-BR" sz="1200" dirty="0" err="1">
+                <a:solidFill>
+                  <a:srgbClr val="D4D4D4"/>
+                </a:solidFill>
+                <a:latin typeface="Consolas" panose="020B0609020204030204" pitchFamily="49" charset="0"/>
+              </a:rPr>
+              <a:t>guest</a:t>
+            </a:r>
+            <a:r>
+              <a:rPr lang="pt-BR" sz="1200" dirty="0">
+                <a:solidFill>
+                  <a:srgbClr val="D4D4D4"/>
+                </a:solidFill>
+                <a:latin typeface="Consolas" panose="020B0609020204030204" pitchFamily="49" charset="0"/>
+              </a:rPr>
+              <a:t>);</a:t>
+            </a:r>
           </a:p>
           <a:p>
             <a:r>
               <a:rPr lang="pt-BR" sz="1200" dirty="0">
                 <a:solidFill>
-                  <a:schemeClr val="bg1"/>
-                </a:solidFill>
-                <a:latin typeface="Verdana" panose="020B0604030504040204" pitchFamily="34" charset="0"/>
-                <a:ea typeface="Verdana" panose="020B0604030504040204" pitchFamily="34" charset="0"/>
-              </a:rPr>
-              <a:t>                </a:t>
-            </a:r>
-            <a:r>
-              <a:rPr lang="pt-BR" sz="1200" dirty="0" err="1">
-                <a:solidFill>
-                  <a:schemeClr val="bg1"/>
-                </a:solidFill>
-                <a:latin typeface="Verdana" panose="020B0604030504040204" pitchFamily="34" charset="0"/>
-                <a:ea typeface="Verdana" panose="020B0604030504040204" pitchFamily="34" charset="0"/>
-              </a:rPr>
-              <a:t>Guest</a:t>
-            </a:r>
-            <a:r>
-              <a:rPr lang="pt-BR" sz="1200" dirty="0">
-                <a:solidFill>
-                  <a:schemeClr val="bg1"/>
-                </a:solidFill>
-                <a:latin typeface="Verdana" panose="020B0604030504040204" pitchFamily="34" charset="0"/>
-                <a:ea typeface="Verdana" panose="020B0604030504040204" pitchFamily="34" charset="0"/>
-              </a:rPr>
-              <a:t> </a:t>
-            </a:r>
-            <a:r>
-              <a:rPr lang="pt-BR" sz="1200" dirty="0" err="1">
-                <a:solidFill>
-                  <a:schemeClr val="bg1"/>
-                </a:solidFill>
-                <a:latin typeface="Verdana" panose="020B0604030504040204" pitchFamily="34" charset="0"/>
-                <a:ea typeface="Verdana" panose="020B0604030504040204" pitchFamily="34" charset="0"/>
-              </a:rPr>
-              <a:t>guest</a:t>
-            </a:r>
-            <a:r>
-              <a:rPr lang="pt-BR" sz="1200" dirty="0">
-                <a:solidFill>
-                  <a:schemeClr val="bg1"/>
-                </a:solidFill>
-                <a:latin typeface="Verdana" panose="020B0604030504040204" pitchFamily="34" charset="0"/>
-                <a:ea typeface="Verdana" panose="020B0604030504040204" pitchFamily="34" charset="0"/>
-              </a:rPr>
-              <a:t> = new </a:t>
-            </a:r>
-            <a:r>
-              <a:rPr lang="pt-BR" sz="1200" dirty="0" err="1">
-                <a:solidFill>
-                  <a:schemeClr val="bg1"/>
-                </a:solidFill>
-                <a:latin typeface="Verdana" panose="020B0604030504040204" pitchFamily="34" charset="0"/>
-                <a:ea typeface="Verdana" panose="020B0604030504040204" pitchFamily="34" charset="0"/>
-              </a:rPr>
-              <a:t>Guest</a:t>
-            </a:r>
-            <a:r>
-              <a:rPr lang="pt-BR" sz="1200" dirty="0">
-                <a:solidFill>
-                  <a:schemeClr val="bg1"/>
-                </a:solidFill>
-                <a:latin typeface="Verdana" panose="020B0604030504040204" pitchFamily="34" charset="0"/>
-                <a:ea typeface="Verdana" panose="020B0604030504040204" pitchFamily="34" charset="0"/>
-              </a:rPr>
-              <a:t>();</a:t>
-            </a:r>
-          </a:p>
-          <a:p>
-            <a:r>
-              <a:rPr lang="pt-BR" sz="1200" dirty="0">
-                <a:solidFill>
-                  <a:schemeClr val="bg1"/>
-                </a:solidFill>
-                <a:latin typeface="Verdana" panose="020B0604030504040204" pitchFamily="34" charset="0"/>
-                <a:ea typeface="Verdana" panose="020B0604030504040204" pitchFamily="34" charset="0"/>
-              </a:rPr>
-              <a:t>                </a:t>
-            </a:r>
-            <a:r>
-              <a:rPr lang="pt-BR" sz="1200" dirty="0" err="1">
-                <a:solidFill>
-                  <a:schemeClr val="bg1"/>
-                </a:solidFill>
-                <a:latin typeface="Verdana" panose="020B0604030504040204" pitchFamily="34" charset="0"/>
-                <a:ea typeface="Verdana" panose="020B0604030504040204" pitchFamily="34" charset="0"/>
-              </a:rPr>
-              <a:t>guest.setId</a:t>
-            </a:r>
-            <a:r>
-              <a:rPr lang="pt-BR" sz="1200" dirty="0">
-                <a:solidFill>
-                  <a:schemeClr val="bg1"/>
-                </a:solidFill>
-                <a:latin typeface="Verdana" panose="020B0604030504040204" pitchFamily="34" charset="0"/>
-                <a:ea typeface="Verdana" panose="020B0604030504040204" pitchFamily="34" charset="0"/>
-              </a:rPr>
-              <a:t>(</a:t>
-            </a:r>
-            <a:r>
-              <a:rPr lang="pt-BR" sz="1200" dirty="0" err="1">
-                <a:solidFill>
-                  <a:schemeClr val="bg2">
-                    <a:lumMod val="40000"/>
-                    <a:lumOff val="60000"/>
-                  </a:schemeClr>
-                </a:solidFill>
-                <a:latin typeface="Verdana" panose="020B0604030504040204" pitchFamily="34" charset="0"/>
-                <a:ea typeface="Verdana" panose="020B0604030504040204" pitchFamily="34" charset="0"/>
-              </a:rPr>
-              <a:t>rs</a:t>
-            </a:r>
-            <a:r>
-              <a:rPr lang="pt-BR" sz="1200" dirty="0" err="1">
-                <a:solidFill>
-                  <a:schemeClr val="bg1"/>
-                </a:solidFill>
-                <a:latin typeface="Verdana" panose="020B0604030504040204" pitchFamily="34" charset="0"/>
-                <a:ea typeface="Verdana" panose="020B0604030504040204" pitchFamily="34" charset="0"/>
-              </a:rPr>
-              <a:t>.getLong</a:t>
-            </a:r>
-            <a:r>
-              <a:rPr lang="pt-BR" sz="1200" dirty="0">
-                <a:solidFill>
-                  <a:schemeClr val="bg1"/>
-                </a:solidFill>
-                <a:latin typeface="Verdana" panose="020B0604030504040204" pitchFamily="34" charset="0"/>
-                <a:ea typeface="Verdana" panose="020B0604030504040204" pitchFamily="34" charset="0"/>
-              </a:rPr>
-              <a:t>("id"));</a:t>
-            </a:r>
-          </a:p>
-          <a:p>
-            <a:r>
-              <a:rPr lang="pt-BR" sz="1200" dirty="0">
-                <a:solidFill>
-                  <a:schemeClr val="bg1"/>
-                </a:solidFill>
-                <a:latin typeface="Verdana" panose="020B0604030504040204" pitchFamily="34" charset="0"/>
-                <a:ea typeface="Verdana" panose="020B0604030504040204" pitchFamily="34" charset="0"/>
-              </a:rPr>
-              <a:t>                </a:t>
-            </a:r>
-            <a:r>
-              <a:rPr lang="pt-BR" sz="1200" dirty="0" err="1">
-                <a:solidFill>
-                  <a:schemeClr val="bg1"/>
-                </a:solidFill>
-                <a:latin typeface="Verdana" panose="020B0604030504040204" pitchFamily="34" charset="0"/>
-                <a:ea typeface="Verdana" panose="020B0604030504040204" pitchFamily="34" charset="0"/>
-              </a:rPr>
-              <a:t>guest.setIdRoom</a:t>
-            </a:r>
-            <a:r>
-              <a:rPr lang="pt-BR" sz="1200" dirty="0">
-                <a:solidFill>
-                  <a:schemeClr val="bg1"/>
-                </a:solidFill>
-                <a:latin typeface="Verdana" panose="020B0604030504040204" pitchFamily="34" charset="0"/>
-                <a:ea typeface="Verdana" panose="020B0604030504040204" pitchFamily="34" charset="0"/>
-              </a:rPr>
-              <a:t>(</a:t>
-            </a:r>
-            <a:r>
-              <a:rPr lang="pt-BR" sz="1200" dirty="0" err="1">
-                <a:solidFill>
-                  <a:schemeClr val="bg2">
-                    <a:lumMod val="40000"/>
-                    <a:lumOff val="60000"/>
-                  </a:schemeClr>
-                </a:solidFill>
-                <a:latin typeface="Verdana" panose="020B0604030504040204" pitchFamily="34" charset="0"/>
-                <a:ea typeface="Verdana" panose="020B0604030504040204" pitchFamily="34" charset="0"/>
-              </a:rPr>
-              <a:t>rs</a:t>
-            </a:r>
-            <a:r>
-              <a:rPr lang="pt-BR" sz="1200" dirty="0" err="1">
-                <a:solidFill>
-                  <a:schemeClr val="bg1"/>
-                </a:solidFill>
-                <a:latin typeface="Verdana" panose="020B0604030504040204" pitchFamily="34" charset="0"/>
-                <a:ea typeface="Verdana" panose="020B0604030504040204" pitchFamily="34" charset="0"/>
-              </a:rPr>
-              <a:t>.getLong</a:t>
-            </a:r>
-            <a:r>
-              <a:rPr lang="pt-BR" sz="1200" dirty="0">
-                <a:solidFill>
-                  <a:schemeClr val="bg1"/>
-                </a:solidFill>
-                <a:latin typeface="Verdana" panose="020B0604030504040204" pitchFamily="34" charset="0"/>
-                <a:ea typeface="Verdana" panose="020B0604030504040204" pitchFamily="34" charset="0"/>
-              </a:rPr>
-              <a:t>("</a:t>
-            </a:r>
-            <a:r>
-              <a:rPr lang="pt-BR" sz="1200" dirty="0" err="1">
-                <a:solidFill>
-                  <a:schemeClr val="bg1"/>
-                </a:solidFill>
-                <a:latin typeface="Verdana" panose="020B0604030504040204" pitchFamily="34" charset="0"/>
-                <a:ea typeface="Verdana" panose="020B0604030504040204" pitchFamily="34" charset="0"/>
-              </a:rPr>
-              <a:t>id_room</a:t>
-            </a:r>
-            <a:r>
-              <a:rPr lang="pt-BR" sz="1200" dirty="0">
-                <a:solidFill>
-                  <a:schemeClr val="bg1"/>
-                </a:solidFill>
-                <a:latin typeface="Verdana" panose="020B0604030504040204" pitchFamily="34" charset="0"/>
-                <a:ea typeface="Verdana" panose="020B0604030504040204" pitchFamily="34" charset="0"/>
-              </a:rPr>
-              <a:t>"));</a:t>
-            </a:r>
-          </a:p>
-          <a:p>
-            <a:r>
-              <a:rPr lang="pt-BR" sz="1200" dirty="0">
-                <a:solidFill>
-                  <a:schemeClr val="bg1"/>
-                </a:solidFill>
-                <a:latin typeface="Verdana" panose="020B0604030504040204" pitchFamily="34" charset="0"/>
-                <a:ea typeface="Verdana" panose="020B0604030504040204" pitchFamily="34" charset="0"/>
-              </a:rPr>
-              <a:t>                </a:t>
-            </a:r>
-            <a:r>
-              <a:rPr lang="pt-BR" sz="1200" dirty="0" err="1">
-                <a:solidFill>
-                  <a:schemeClr val="bg1"/>
-                </a:solidFill>
-                <a:latin typeface="Verdana" panose="020B0604030504040204" pitchFamily="34" charset="0"/>
-                <a:ea typeface="Verdana" panose="020B0604030504040204" pitchFamily="34" charset="0"/>
-              </a:rPr>
-              <a:t>guest.setName</a:t>
-            </a:r>
-            <a:r>
-              <a:rPr lang="pt-BR" sz="1200" dirty="0">
-                <a:solidFill>
-                  <a:schemeClr val="bg1"/>
-                </a:solidFill>
-                <a:latin typeface="Verdana" panose="020B0604030504040204" pitchFamily="34" charset="0"/>
-                <a:ea typeface="Verdana" panose="020B0604030504040204" pitchFamily="34" charset="0"/>
-              </a:rPr>
-              <a:t>(</a:t>
-            </a:r>
-            <a:r>
-              <a:rPr lang="pt-BR" sz="1200" dirty="0" err="1">
-                <a:solidFill>
-                  <a:schemeClr val="bg2">
-                    <a:lumMod val="40000"/>
-                    <a:lumOff val="60000"/>
-                  </a:schemeClr>
-                </a:solidFill>
-                <a:latin typeface="Verdana" panose="020B0604030504040204" pitchFamily="34" charset="0"/>
-                <a:ea typeface="Verdana" panose="020B0604030504040204" pitchFamily="34" charset="0"/>
-              </a:rPr>
-              <a:t>rs</a:t>
-            </a:r>
-            <a:r>
-              <a:rPr lang="pt-BR" sz="1200" dirty="0" err="1">
-                <a:solidFill>
-                  <a:schemeClr val="bg1"/>
-                </a:solidFill>
-                <a:latin typeface="Verdana" panose="020B0604030504040204" pitchFamily="34" charset="0"/>
-                <a:ea typeface="Verdana" panose="020B0604030504040204" pitchFamily="34" charset="0"/>
-              </a:rPr>
-              <a:t>.getString</a:t>
-            </a:r>
-            <a:r>
-              <a:rPr lang="pt-BR" sz="1200" dirty="0">
-                <a:solidFill>
-                  <a:schemeClr val="bg1"/>
-                </a:solidFill>
-                <a:latin typeface="Verdana" panose="020B0604030504040204" pitchFamily="34" charset="0"/>
-                <a:ea typeface="Verdana" panose="020B0604030504040204" pitchFamily="34" charset="0"/>
-              </a:rPr>
-              <a:t>("_</a:t>
-            </a:r>
-            <a:r>
-              <a:rPr lang="pt-BR" sz="1200" dirty="0" err="1">
-                <a:solidFill>
-                  <a:schemeClr val="bg1"/>
-                </a:solidFill>
-                <a:latin typeface="Verdana" panose="020B0604030504040204" pitchFamily="34" charset="0"/>
-                <a:ea typeface="Verdana" panose="020B0604030504040204" pitchFamily="34" charset="0"/>
-              </a:rPr>
-              <a:t>name</a:t>
-            </a:r>
-            <a:r>
-              <a:rPr lang="pt-BR" sz="1200" dirty="0">
-                <a:solidFill>
-                  <a:schemeClr val="bg1"/>
-                </a:solidFill>
-                <a:latin typeface="Verdana" panose="020B0604030504040204" pitchFamily="34" charset="0"/>
-                <a:ea typeface="Verdana" panose="020B0604030504040204" pitchFamily="34" charset="0"/>
-              </a:rPr>
-              <a:t>"));</a:t>
-            </a:r>
-          </a:p>
-          <a:p>
-            <a:r>
-              <a:rPr lang="pt-BR" sz="1200" dirty="0">
-                <a:solidFill>
-                  <a:schemeClr val="bg1"/>
-                </a:solidFill>
-                <a:latin typeface="Verdana" panose="020B0604030504040204" pitchFamily="34" charset="0"/>
-                <a:ea typeface="Verdana" panose="020B0604030504040204" pitchFamily="34" charset="0"/>
-              </a:rPr>
-              <a:t>                </a:t>
-            </a:r>
-            <a:r>
-              <a:rPr lang="pt-BR" sz="1200" dirty="0" err="1">
-                <a:solidFill>
-                  <a:schemeClr val="bg1"/>
-                </a:solidFill>
-                <a:latin typeface="Verdana" panose="020B0604030504040204" pitchFamily="34" charset="0"/>
-                <a:ea typeface="Verdana" panose="020B0604030504040204" pitchFamily="34" charset="0"/>
-              </a:rPr>
-              <a:t>guest.setAge</a:t>
-            </a:r>
-            <a:r>
-              <a:rPr lang="pt-BR" sz="1200" dirty="0">
-                <a:solidFill>
-                  <a:schemeClr val="bg1"/>
-                </a:solidFill>
-                <a:latin typeface="Verdana" panose="020B0604030504040204" pitchFamily="34" charset="0"/>
-                <a:ea typeface="Verdana" panose="020B0604030504040204" pitchFamily="34" charset="0"/>
-              </a:rPr>
-              <a:t>(</a:t>
-            </a:r>
-            <a:r>
-              <a:rPr lang="pt-BR" sz="1200" dirty="0" err="1">
-                <a:solidFill>
-                  <a:schemeClr val="bg2">
-                    <a:lumMod val="40000"/>
-                    <a:lumOff val="60000"/>
-                  </a:schemeClr>
-                </a:solidFill>
-                <a:latin typeface="Verdana" panose="020B0604030504040204" pitchFamily="34" charset="0"/>
-                <a:ea typeface="Verdana" panose="020B0604030504040204" pitchFamily="34" charset="0"/>
-              </a:rPr>
-              <a:t>rs</a:t>
-            </a:r>
-            <a:r>
-              <a:rPr lang="pt-BR" sz="1200" dirty="0" err="1">
-                <a:solidFill>
-                  <a:schemeClr val="bg1"/>
-                </a:solidFill>
-                <a:latin typeface="Verdana" panose="020B0604030504040204" pitchFamily="34" charset="0"/>
-                <a:ea typeface="Verdana" panose="020B0604030504040204" pitchFamily="34" charset="0"/>
-              </a:rPr>
-              <a:t>.getInt</a:t>
-            </a:r>
-            <a:r>
-              <a:rPr lang="pt-BR" sz="1200" dirty="0">
-                <a:solidFill>
-                  <a:schemeClr val="bg1"/>
-                </a:solidFill>
-                <a:latin typeface="Verdana" panose="020B0604030504040204" pitchFamily="34" charset="0"/>
-                <a:ea typeface="Verdana" panose="020B0604030504040204" pitchFamily="34" charset="0"/>
-              </a:rPr>
-              <a:t>("age"));</a:t>
-            </a:r>
-          </a:p>
-          <a:p>
-            <a:r>
-              <a:rPr lang="pt-BR" sz="1200" dirty="0">
-                <a:solidFill>
-                  <a:schemeClr val="bg1"/>
-                </a:solidFill>
-                <a:latin typeface="Verdana" panose="020B0604030504040204" pitchFamily="34" charset="0"/>
-                <a:ea typeface="Verdana" panose="020B0604030504040204" pitchFamily="34" charset="0"/>
-              </a:rPr>
-              <a:t>                </a:t>
-            </a:r>
-            <a:r>
-              <a:rPr lang="pt-BR" sz="1200" dirty="0" err="1">
-                <a:solidFill>
-                  <a:schemeClr val="bg1"/>
-                </a:solidFill>
-                <a:latin typeface="Verdana" panose="020B0604030504040204" pitchFamily="34" charset="0"/>
-                <a:ea typeface="Verdana" panose="020B0604030504040204" pitchFamily="34" charset="0"/>
-              </a:rPr>
-              <a:t>guest.setCpf</a:t>
-            </a:r>
-            <a:r>
-              <a:rPr lang="pt-BR" sz="1200" dirty="0">
-                <a:solidFill>
-                  <a:schemeClr val="bg1"/>
-                </a:solidFill>
-                <a:latin typeface="Verdana" panose="020B0604030504040204" pitchFamily="34" charset="0"/>
-                <a:ea typeface="Verdana" panose="020B0604030504040204" pitchFamily="34" charset="0"/>
-              </a:rPr>
-              <a:t>(</a:t>
-            </a:r>
-            <a:r>
-              <a:rPr lang="pt-BR" sz="1200" dirty="0" err="1">
-                <a:solidFill>
-                  <a:schemeClr val="bg2">
-                    <a:lumMod val="40000"/>
-                    <a:lumOff val="60000"/>
-                  </a:schemeClr>
-                </a:solidFill>
-                <a:latin typeface="Verdana" panose="020B0604030504040204" pitchFamily="34" charset="0"/>
-                <a:ea typeface="Verdana" panose="020B0604030504040204" pitchFamily="34" charset="0"/>
-              </a:rPr>
-              <a:t>rs</a:t>
-            </a:r>
-            <a:r>
-              <a:rPr lang="pt-BR" sz="1200" dirty="0" err="1">
-                <a:solidFill>
-                  <a:schemeClr val="bg1"/>
-                </a:solidFill>
-                <a:latin typeface="Verdana" panose="020B0604030504040204" pitchFamily="34" charset="0"/>
-                <a:ea typeface="Verdana" panose="020B0604030504040204" pitchFamily="34" charset="0"/>
-              </a:rPr>
-              <a:t>.getString</a:t>
-            </a:r>
-            <a:r>
-              <a:rPr lang="pt-BR" sz="1200" dirty="0">
-                <a:solidFill>
-                  <a:schemeClr val="bg1"/>
-                </a:solidFill>
-                <a:latin typeface="Verdana" panose="020B0604030504040204" pitchFamily="34" charset="0"/>
-                <a:ea typeface="Verdana" panose="020B0604030504040204" pitchFamily="34" charset="0"/>
-              </a:rPr>
-              <a:t>("</a:t>
-            </a:r>
-            <a:r>
-              <a:rPr lang="pt-BR" sz="1200" dirty="0" err="1">
-                <a:solidFill>
-                  <a:schemeClr val="bg1"/>
-                </a:solidFill>
-                <a:latin typeface="Verdana" panose="020B0604030504040204" pitchFamily="34" charset="0"/>
-                <a:ea typeface="Verdana" panose="020B0604030504040204" pitchFamily="34" charset="0"/>
-              </a:rPr>
-              <a:t>cpf</a:t>
-            </a:r>
-            <a:r>
-              <a:rPr lang="pt-BR" sz="1200" dirty="0">
-                <a:solidFill>
-                  <a:schemeClr val="bg1"/>
-                </a:solidFill>
-                <a:latin typeface="Verdana" panose="020B0604030504040204" pitchFamily="34" charset="0"/>
-                <a:ea typeface="Verdana" panose="020B0604030504040204" pitchFamily="34" charset="0"/>
-              </a:rPr>
-              <a:t>"));</a:t>
-            </a:r>
-          </a:p>
-          <a:p>
-            <a:r>
-              <a:rPr lang="pt-BR" sz="1200" dirty="0">
-                <a:solidFill>
-                  <a:schemeClr val="bg1"/>
-                </a:solidFill>
-                <a:latin typeface="Verdana" panose="020B0604030504040204" pitchFamily="34" charset="0"/>
-                <a:ea typeface="Verdana" panose="020B0604030504040204" pitchFamily="34" charset="0"/>
-              </a:rPr>
-              <a:t>                </a:t>
-            </a:r>
-            <a:r>
-              <a:rPr lang="pt-BR" sz="1200" dirty="0" err="1">
-                <a:solidFill>
-                  <a:schemeClr val="bg1"/>
-                </a:solidFill>
-                <a:latin typeface="Verdana" panose="020B0604030504040204" pitchFamily="34" charset="0"/>
-                <a:ea typeface="Verdana" panose="020B0604030504040204" pitchFamily="34" charset="0"/>
-              </a:rPr>
-              <a:t>guest.setPhone</a:t>
-            </a:r>
-            <a:r>
-              <a:rPr lang="pt-BR" sz="1200" dirty="0">
-                <a:solidFill>
-                  <a:schemeClr val="bg1"/>
-                </a:solidFill>
-                <a:latin typeface="Verdana" panose="020B0604030504040204" pitchFamily="34" charset="0"/>
-                <a:ea typeface="Verdana" panose="020B0604030504040204" pitchFamily="34" charset="0"/>
-              </a:rPr>
-              <a:t>(</a:t>
-            </a:r>
-            <a:r>
-              <a:rPr lang="pt-BR" sz="1200" dirty="0" err="1">
-                <a:solidFill>
-                  <a:schemeClr val="bg2">
-                    <a:lumMod val="40000"/>
-                    <a:lumOff val="60000"/>
-                  </a:schemeClr>
-                </a:solidFill>
-                <a:latin typeface="Verdana" panose="020B0604030504040204" pitchFamily="34" charset="0"/>
-                <a:ea typeface="Verdana" panose="020B0604030504040204" pitchFamily="34" charset="0"/>
-              </a:rPr>
-              <a:t>rs</a:t>
-            </a:r>
-            <a:r>
-              <a:rPr lang="pt-BR" sz="1200" dirty="0" err="1">
-                <a:solidFill>
-                  <a:schemeClr val="bg1"/>
-                </a:solidFill>
-                <a:latin typeface="Verdana" panose="020B0604030504040204" pitchFamily="34" charset="0"/>
-                <a:ea typeface="Verdana" panose="020B0604030504040204" pitchFamily="34" charset="0"/>
-              </a:rPr>
-              <a:t>.getString</a:t>
-            </a:r>
-            <a:r>
-              <a:rPr lang="pt-BR" sz="1200" dirty="0">
-                <a:solidFill>
-                  <a:schemeClr val="bg1"/>
-                </a:solidFill>
-                <a:latin typeface="Verdana" panose="020B0604030504040204" pitchFamily="34" charset="0"/>
-                <a:ea typeface="Verdana" panose="020B0604030504040204" pitchFamily="34" charset="0"/>
-              </a:rPr>
-              <a:t>("</a:t>
-            </a:r>
-            <a:r>
-              <a:rPr lang="pt-BR" sz="1200" dirty="0" err="1">
-                <a:solidFill>
-                  <a:schemeClr val="bg1"/>
-                </a:solidFill>
-                <a:latin typeface="Verdana" panose="020B0604030504040204" pitchFamily="34" charset="0"/>
-                <a:ea typeface="Verdana" panose="020B0604030504040204" pitchFamily="34" charset="0"/>
-              </a:rPr>
-              <a:t>phone</a:t>
-            </a:r>
-            <a:r>
-              <a:rPr lang="pt-BR" sz="1200" dirty="0">
-                <a:solidFill>
-                  <a:schemeClr val="bg1"/>
-                </a:solidFill>
-                <a:latin typeface="Verdana" panose="020B0604030504040204" pitchFamily="34" charset="0"/>
-                <a:ea typeface="Verdana" panose="020B0604030504040204" pitchFamily="34" charset="0"/>
-              </a:rPr>
-              <a:t>"));</a:t>
-            </a:r>
-          </a:p>
-          <a:p>
-            <a:endParaRPr lang="pt-BR" sz="1200" dirty="0">
-              <a:solidFill>
-                <a:schemeClr val="bg1"/>
-              </a:solidFill>
-              <a:latin typeface="Verdana" panose="020B0604030504040204" pitchFamily="34" charset="0"/>
-              <a:ea typeface="Verdana" panose="020B0604030504040204" pitchFamily="34" charset="0"/>
-            </a:endParaRPr>
-          </a:p>
-          <a:p>
-            <a:r>
-              <a:rPr lang="pt-BR" sz="1200" dirty="0">
-                <a:solidFill>
-                  <a:schemeClr val="bg1"/>
-                </a:solidFill>
-                <a:latin typeface="Verdana" panose="020B0604030504040204" pitchFamily="34" charset="0"/>
-                <a:ea typeface="Verdana" panose="020B0604030504040204" pitchFamily="34" charset="0"/>
-              </a:rPr>
-              <a:t>                </a:t>
-            </a:r>
-            <a:r>
-              <a:rPr lang="pt-BR" sz="1200" dirty="0" err="1">
-                <a:solidFill>
-                  <a:schemeClr val="bg1"/>
-                </a:solidFill>
-                <a:latin typeface="Verdana" panose="020B0604030504040204" pitchFamily="34" charset="0"/>
-                <a:ea typeface="Verdana" panose="020B0604030504040204" pitchFamily="34" charset="0"/>
-              </a:rPr>
-              <a:t>guestList.add</a:t>
-            </a:r>
-            <a:r>
-              <a:rPr lang="pt-BR" sz="1200" dirty="0">
-                <a:solidFill>
-                  <a:schemeClr val="bg1"/>
-                </a:solidFill>
-                <a:latin typeface="Verdana" panose="020B0604030504040204" pitchFamily="34" charset="0"/>
-                <a:ea typeface="Verdana" panose="020B0604030504040204" pitchFamily="34" charset="0"/>
-              </a:rPr>
-              <a:t>(</a:t>
-            </a:r>
-            <a:r>
-              <a:rPr lang="pt-BR" sz="1200" dirty="0" err="1">
-                <a:solidFill>
-                  <a:schemeClr val="bg1"/>
-                </a:solidFill>
-                <a:latin typeface="Verdana" panose="020B0604030504040204" pitchFamily="34" charset="0"/>
-                <a:ea typeface="Verdana" panose="020B0604030504040204" pitchFamily="34" charset="0"/>
-              </a:rPr>
-              <a:t>guest</a:t>
-            </a:r>
-            <a:r>
-              <a:rPr lang="pt-BR" sz="1200" dirty="0">
-                <a:solidFill>
-                  <a:schemeClr val="bg1"/>
-                </a:solidFill>
-                <a:latin typeface="Verdana" panose="020B0604030504040204" pitchFamily="34" charset="0"/>
-                <a:ea typeface="Verdana" panose="020B0604030504040204" pitchFamily="34" charset="0"/>
-              </a:rPr>
-              <a:t>);</a:t>
-            </a:r>
-          </a:p>
-          <a:p>
-            <a:r>
-              <a:rPr lang="pt-BR" sz="1200" dirty="0">
-                <a:solidFill>
-                  <a:schemeClr val="bg1"/>
-                </a:solidFill>
-                <a:latin typeface="Verdana" panose="020B0604030504040204" pitchFamily="34" charset="0"/>
-                <a:ea typeface="Verdana" panose="020B0604030504040204" pitchFamily="34" charset="0"/>
-              </a:rPr>
-              <a:t>            }</a:t>
+                  <a:srgbClr val="D4D4D4"/>
+                </a:solidFill>
+                <a:latin typeface="Consolas" panose="020B0609020204030204" pitchFamily="49" charset="0"/>
+              </a:rPr>
+              <a:t>}</a:t>
             </a:r>
           </a:p>
         </p:txBody>
@@ -19964,13 +20283,34 @@
         <p:spPr>
           <a:xfrm>
             <a:off x="836212" y="1749913"/>
-            <a:ext cx="7850418" cy="4278094"/>
+            <a:ext cx="8054570" cy="4770537"/>
           </a:xfrm>
           <a:prstGeom prst="rect">
             <a:avLst/>
           </a:prstGeom>
-          <a:noFill/>
+          <a:solidFill>
+            <a:schemeClr val="dk1">
+              <a:alpha val="50000"/>
+            </a:schemeClr>
+          </a:solidFill>
+          <a:ln>
+            <a:noFill/>
+          </a:ln>
         </p:spPr>
+        <p:style>
+          <a:lnRef idx="0">
+            <a:scrgbClr r="0" g="0" b="0"/>
+          </a:lnRef>
+          <a:fillRef idx="0">
+            <a:scrgbClr r="0" g="0" b="0"/>
+          </a:fillRef>
+          <a:effectRef idx="0">
+            <a:scrgbClr r="0" g="0" b="0"/>
+          </a:effectRef>
+          <a:fontRef idx="minor">
+            <a:schemeClr val="lt1"/>
+          </a:fontRef>
+        </p:style>
         <p:txBody>
           <a:bodyPr wrap="square" rtlCol="0">
             <a:spAutoFit/>
@@ -19980,492 +20320,626 @@
             <a:r>
               <a:rPr lang="pt-BR" sz="1600" dirty="0">
                 <a:solidFill>
-                  <a:schemeClr val="bg1"/>
-                </a:solidFill>
-                <a:latin typeface="Verdana" panose="020B0604030504040204" pitchFamily="34" charset="0"/>
-                <a:ea typeface="Verdana" panose="020B0604030504040204" pitchFamily="34" charset="0"/>
-              </a:rPr>
-              <a:t>Connection </a:t>
+                  <a:srgbClr val="4EC9B0"/>
+                </a:solidFill>
+                <a:latin typeface="Consolas" panose="020B0609020204030204" pitchFamily="49" charset="0"/>
+              </a:rPr>
+              <a:t>Connection</a:t>
+            </a:r>
+            <a:r>
+              <a:rPr lang="pt-BR" sz="1600" dirty="0">
+                <a:solidFill>
+                  <a:srgbClr val="D4D4D4"/>
+                </a:solidFill>
+                <a:latin typeface="Consolas" panose="020B0609020204030204" pitchFamily="49" charset="0"/>
+              </a:rPr>
+              <a:t> </a:t>
             </a:r>
             <a:r>
               <a:rPr lang="pt-BR" sz="1600" dirty="0" err="1">
                 <a:solidFill>
-                  <a:schemeClr val="bg1"/>
-                </a:solidFill>
-                <a:latin typeface="Verdana" panose="020B0604030504040204" pitchFamily="34" charset="0"/>
-                <a:ea typeface="Verdana" panose="020B0604030504040204" pitchFamily="34" charset="0"/>
+                  <a:srgbClr val="9CDCFE"/>
+                </a:solidFill>
+                <a:latin typeface="Consolas" panose="020B0609020204030204" pitchFamily="49" charset="0"/>
               </a:rPr>
               <a:t>conn</a:t>
             </a:r>
             <a:r>
               <a:rPr lang="pt-BR" sz="1600" dirty="0">
                 <a:solidFill>
-                  <a:schemeClr val="bg1"/>
-                </a:solidFill>
-                <a:latin typeface="Verdana" panose="020B0604030504040204" pitchFamily="34" charset="0"/>
-                <a:ea typeface="Verdana" panose="020B0604030504040204" pitchFamily="34" charset="0"/>
+                  <a:srgbClr val="D4D4D4"/>
+                </a:solidFill>
+                <a:latin typeface="Consolas" panose="020B0609020204030204" pitchFamily="49" charset="0"/>
               </a:rPr>
               <a:t> = </a:t>
             </a:r>
             <a:r>
               <a:rPr lang="pt-BR" sz="1600" dirty="0" err="1">
                 <a:solidFill>
-                  <a:schemeClr val="bg1"/>
-                </a:solidFill>
-                <a:latin typeface="Verdana" panose="020B0604030504040204" pitchFamily="34" charset="0"/>
-                <a:ea typeface="Verdana" panose="020B0604030504040204" pitchFamily="34" charset="0"/>
+                  <a:srgbClr val="569CD6"/>
+                </a:solidFill>
+                <a:latin typeface="Consolas" panose="020B0609020204030204" pitchFamily="49" charset="0"/>
               </a:rPr>
               <a:t>null</a:t>
             </a:r>
             <a:r>
               <a:rPr lang="pt-BR" sz="1600" dirty="0">
                 <a:solidFill>
-                  <a:schemeClr val="bg1"/>
-                </a:solidFill>
-                <a:latin typeface="Verdana" panose="020B0604030504040204" pitchFamily="34" charset="0"/>
-                <a:ea typeface="Verdana" panose="020B0604030504040204" pitchFamily="34" charset="0"/>
+                  <a:srgbClr val="D4D4D4"/>
+                </a:solidFill>
+                <a:latin typeface="Consolas" panose="020B0609020204030204" pitchFamily="49" charset="0"/>
               </a:rPr>
               <a:t>;</a:t>
+            </a:r>
+          </a:p>
+          <a:p>
+            <a:br>
+              <a:rPr lang="pt-BR" sz="1600" dirty="0">
+                <a:solidFill>
+                  <a:srgbClr val="D4D4D4"/>
+                </a:solidFill>
+                <a:latin typeface="Consolas" panose="020B0609020204030204" pitchFamily="49" charset="0"/>
+              </a:rPr>
+            </a:br>
+            <a:r>
+              <a:rPr lang="pt-BR" sz="1600" dirty="0" err="1">
+                <a:solidFill>
+                  <a:srgbClr val="C586C0"/>
+                </a:solidFill>
+                <a:latin typeface="Consolas" panose="020B0609020204030204" pitchFamily="49" charset="0"/>
+              </a:rPr>
+              <a:t>try</a:t>
+            </a:r>
+            <a:r>
+              <a:rPr lang="pt-BR" sz="1600" dirty="0">
+                <a:solidFill>
+                  <a:srgbClr val="D4D4D4"/>
+                </a:solidFill>
+                <a:latin typeface="Consolas" panose="020B0609020204030204" pitchFamily="49" charset="0"/>
+              </a:rPr>
+              <a:t> {</a:t>
             </a:r>
           </a:p>
           <a:p>
             <a:endParaRPr lang="pt-BR" sz="1600" dirty="0">
               <a:solidFill>
-                <a:schemeClr val="bg1"/>
+                <a:srgbClr val="D4D4D4"/>
               </a:solidFill>
-              <a:latin typeface="Verdana" panose="020B0604030504040204" pitchFamily="34" charset="0"/>
-              <a:ea typeface="Verdana" panose="020B0604030504040204" pitchFamily="34" charset="0"/>
+              <a:latin typeface="Consolas" panose="020B0609020204030204" pitchFamily="49" charset="0"/>
             </a:endParaRPr>
           </a:p>
           <a:p>
             <a:r>
+              <a:rPr lang="pt-BR" sz="1600" dirty="0">
+                <a:solidFill>
+                  <a:srgbClr val="D4D4D4"/>
+                </a:solidFill>
+                <a:latin typeface="Consolas" panose="020B0609020204030204" pitchFamily="49" charset="0"/>
+              </a:rPr>
+              <a:t>   </a:t>
+            </a:r>
+            <a:r>
               <a:rPr lang="pt-BR" sz="1600" dirty="0" err="1">
                 <a:solidFill>
-                  <a:schemeClr val="bg1"/>
-                </a:solidFill>
-                <a:latin typeface="Verdana" panose="020B0604030504040204" pitchFamily="34" charset="0"/>
-                <a:ea typeface="Verdana" panose="020B0604030504040204" pitchFamily="34" charset="0"/>
-              </a:rPr>
-              <a:t>try</a:t>
+                  <a:srgbClr val="D4D4D4"/>
+                </a:solidFill>
+                <a:latin typeface="Consolas" panose="020B0609020204030204" pitchFamily="49" charset="0"/>
+              </a:rPr>
+              <a:t>conn</a:t>
             </a:r>
             <a:r>
               <a:rPr lang="pt-BR" sz="1600" dirty="0">
                 <a:solidFill>
-                  <a:schemeClr val="bg1"/>
-                </a:solidFill>
-                <a:latin typeface="Verdana" panose="020B0604030504040204" pitchFamily="34" charset="0"/>
-                <a:ea typeface="Verdana" panose="020B0604030504040204" pitchFamily="34" charset="0"/>
-              </a:rPr>
-              <a:t> {</a:t>
+                  <a:srgbClr val="D4D4D4"/>
+                </a:solidFill>
+                <a:latin typeface="Consolas" panose="020B0609020204030204" pitchFamily="49" charset="0"/>
+              </a:rPr>
+              <a:t> = </a:t>
+            </a:r>
+            <a:r>
+              <a:rPr lang="pt-BR" sz="1600" dirty="0" err="1">
+                <a:solidFill>
+                  <a:srgbClr val="9CDCFE"/>
+                </a:solidFill>
+                <a:latin typeface="Consolas" panose="020B0609020204030204" pitchFamily="49" charset="0"/>
+              </a:rPr>
+              <a:t>DriverManager</a:t>
+            </a:r>
+            <a:r>
+              <a:rPr lang="pt-BR" sz="1600" dirty="0" err="1">
+                <a:solidFill>
+                  <a:srgbClr val="D4D4D4"/>
+                </a:solidFill>
+                <a:latin typeface="Consolas" panose="020B0609020204030204" pitchFamily="49" charset="0"/>
+              </a:rPr>
+              <a:t>.</a:t>
+            </a:r>
+            <a:r>
+              <a:rPr lang="pt-BR" sz="1600" dirty="0" err="1">
+                <a:solidFill>
+                  <a:srgbClr val="DCDCAA"/>
+                </a:solidFill>
+                <a:latin typeface="Consolas" panose="020B0609020204030204" pitchFamily="49" charset="0"/>
+              </a:rPr>
+              <a:t>getConnection</a:t>
+            </a:r>
+            <a:r>
+              <a:rPr lang="pt-BR" sz="1600" dirty="0">
+                <a:solidFill>
+                  <a:srgbClr val="D4D4D4"/>
+                </a:solidFill>
+                <a:latin typeface="Consolas" panose="020B0609020204030204" pitchFamily="49" charset="0"/>
+              </a:rPr>
+              <a:t>(</a:t>
+            </a:r>
+          </a:p>
+          <a:p>
+            <a:r>
+              <a:rPr lang="pt-BR" sz="1600" dirty="0">
+                <a:solidFill>
+                  <a:srgbClr val="CE9178"/>
+                </a:solidFill>
+                <a:latin typeface="Consolas" panose="020B0609020204030204" pitchFamily="49" charset="0"/>
+              </a:rPr>
+              <a:t>   "</a:t>
+            </a:r>
+            <a:r>
+              <a:rPr lang="pt-BR" sz="1600" dirty="0" err="1">
+                <a:solidFill>
+                  <a:srgbClr val="CE9178"/>
+                </a:solidFill>
+                <a:latin typeface="Consolas" panose="020B0609020204030204" pitchFamily="49" charset="0"/>
+              </a:rPr>
+              <a:t>jdbc:postgresql</a:t>
+            </a:r>
+            <a:r>
+              <a:rPr lang="pt-BR" sz="1600" dirty="0">
+                <a:solidFill>
+                  <a:srgbClr val="CE9178"/>
+                </a:solidFill>
+                <a:latin typeface="Consolas" panose="020B0609020204030204" pitchFamily="49" charset="0"/>
+              </a:rPr>
+              <a:t>://localhost:5432/</a:t>
+            </a:r>
+            <a:r>
+              <a:rPr lang="pt-BR" sz="1600" dirty="0" err="1">
+                <a:solidFill>
+                  <a:srgbClr val="CE9178"/>
+                </a:solidFill>
+                <a:latin typeface="Consolas" panose="020B0609020204030204" pitchFamily="49" charset="0"/>
+              </a:rPr>
+              <a:t>sgh</a:t>
+            </a:r>
+            <a:r>
+              <a:rPr lang="pt-BR" sz="1600" dirty="0">
+                <a:solidFill>
+                  <a:srgbClr val="CE9178"/>
+                </a:solidFill>
+                <a:latin typeface="Consolas" panose="020B0609020204030204" pitchFamily="49" charset="0"/>
+              </a:rPr>
+              <a:t>"</a:t>
+            </a:r>
+            <a:r>
+              <a:rPr lang="pt-BR" sz="1600" dirty="0">
+                <a:solidFill>
+                  <a:srgbClr val="D4D4D4"/>
+                </a:solidFill>
+                <a:latin typeface="Consolas" panose="020B0609020204030204" pitchFamily="49" charset="0"/>
+              </a:rPr>
+              <a:t>,</a:t>
+            </a:r>
+            <a:r>
+              <a:rPr lang="pt-BR" sz="1600" dirty="0">
+                <a:solidFill>
+                  <a:srgbClr val="CE9178"/>
+                </a:solidFill>
+                <a:latin typeface="Consolas" panose="020B0609020204030204" pitchFamily="49" charset="0"/>
+              </a:rPr>
+              <a:t>"</a:t>
+            </a:r>
+            <a:r>
+              <a:rPr lang="pt-BR" sz="1600" dirty="0" err="1">
+                <a:solidFill>
+                  <a:srgbClr val="CE9178"/>
+                </a:solidFill>
+                <a:latin typeface="Consolas" panose="020B0609020204030204" pitchFamily="49" charset="0"/>
+              </a:rPr>
+              <a:t>postgres</a:t>
+            </a:r>
+            <a:r>
+              <a:rPr lang="pt-BR" sz="1600" dirty="0">
+                <a:solidFill>
+                  <a:srgbClr val="CE9178"/>
+                </a:solidFill>
+                <a:latin typeface="Consolas" panose="020B0609020204030204" pitchFamily="49" charset="0"/>
+              </a:rPr>
+              <a:t>"</a:t>
+            </a:r>
+            <a:r>
+              <a:rPr lang="pt-BR" sz="1600" dirty="0">
+                <a:solidFill>
+                  <a:srgbClr val="D4D4D4"/>
+                </a:solidFill>
+                <a:latin typeface="Consolas" panose="020B0609020204030204" pitchFamily="49" charset="0"/>
+              </a:rPr>
+              <a:t>,</a:t>
+            </a:r>
+            <a:r>
+              <a:rPr lang="pt-BR" sz="1600" dirty="0">
+                <a:solidFill>
+                  <a:srgbClr val="CE9178"/>
+                </a:solidFill>
+                <a:latin typeface="Consolas" panose="020B0609020204030204" pitchFamily="49" charset="0"/>
+              </a:rPr>
+              <a:t>"</a:t>
+            </a:r>
+            <a:r>
+              <a:rPr lang="pt-BR" sz="1600" dirty="0" err="1">
+                <a:solidFill>
+                  <a:srgbClr val="CE9178"/>
+                </a:solidFill>
+                <a:latin typeface="Consolas" panose="020B0609020204030204" pitchFamily="49" charset="0"/>
+              </a:rPr>
+              <a:t>postgres</a:t>
+            </a:r>
+            <a:r>
+              <a:rPr lang="pt-BR" sz="1600" dirty="0">
+                <a:solidFill>
+                  <a:srgbClr val="CE9178"/>
+                </a:solidFill>
+                <a:latin typeface="Consolas" panose="020B0609020204030204" pitchFamily="49" charset="0"/>
+              </a:rPr>
+              <a:t>"</a:t>
+            </a:r>
+            <a:r>
+              <a:rPr lang="pt-BR" sz="1600" dirty="0">
+                <a:solidFill>
+                  <a:srgbClr val="D4D4D4"/>
+                </a:solidFill>
+                <a:latin typeface="Consolas" panose="020B0609020204030204" pitchFamily="49" charset="0"/>
+              </a:rPr>
+              <a:t>);</a:t>
             </a:r>
           </a:p>
           <a:p>
             <a:endParaRPr lang="pt-BR" sz="1600" dirty="0">
               <a:solidFill>
-                <a:schemeClr val="bg1"/>
+                <a:srgbClr val="D4D4D4"/>
               </a:solidFill>
-              <a:latin typeface="Verdana" panose="020B0604030504040204" pitchFamily="34" charset="0"/>
-              <a:ea typeface="Verdana" panose="020B0604030504040204" pitchFamily="34" charset="0"/>
+              <a:latin typeface="Consolas" panose="020B0609020204030204" pitchFamily="49" charset="0"/>
             </a:endParaRPr>
           </a:p>
           <a:p>
             <a:r>
               <a:rPr lang="pt-BR" sz="1600" dirty="0">
                 <a:solidFill>
-                  <a:schemeClr val="bg1"/>
-                </a:solidFill>
-                <a:latin typeface="Verdana" panose="020B0604030504040204" pitchFamily="34" charset="0"/>
-                <a:ea typeface="Verdana" panose="020B0604030504040204" pitchFamily="34" charset="0"/>
-              </a:rPr>
-              <a:t>   </a:t>
+                  <a:srgbClr val="D4D4D4"/>
+                </a:solidFill>
+                <a:latin typeface="Consolas" panose="020B0609020204030204" pitchFamily="49" charset="0"/>
+              </a:rPr>
+              <a:t>} </a:t>
+            </a:r>
+            <a:r>
+              <a:rPr lang="pt-BR" sz="1600" dirty="0">
+                <a:solidFill>
+                  <a:srgbClr val="C586C0"/>
+                </a:solidFill>
+                <a:latin typeface="Consolas" panose="020B0609020204030204" pitchFamily="49" charset="0"/>
+              </a:rPr>
+              <a:t>catch</a:t>
+            </a:r>
+            <a:r>
+              <a:rPr lang="pt-BR" sz="1600" dirty="0">
+                <a:solidFill>
+                  <a:srgbClr val="D4D4D4"/>
+                </a:solidFill>
+                <a:latin typeface="Consolas" panose="020B0609020204030204" pitchFamily="49" charset="0"/>
+              </a:rPr>
+              <a:t> (</a:t>
             </a:r>
             <a:r>
               <a:rPr lang="pt-BR" sz="1600" dirty="0" err="1">
                 <a:solidFill>
-                  <a:schemeClr val="bg1"/>
-                </a:solidFill>
-                <a:latin typeface="Verdana" panose="020B0604030504040204" pitchFamily="34" charset="0"/>
-                <a:ea typeface="Verdana" panose="020B0604030504040204" pitchFamily="34" charset="0"/>
-              </a:rPr>
-              <a:t>conn</a:t>
+                  <a:srgbClr val="4EC9B0"/>
+                </a:solidFill>
+                <a:latin typeface="Consolas" panose="020B0609020204030204" pitchFamily="49" charset="0"/>
+              </a:rPr>
+              <a:t>SQLException</a:t>
             </a:r>
             <a:r>
               <a:rPr lang="pt-BR" sz="1600" dirty="0">
                 <a:solidFill>
-                  <a:schemeClr val="bg1"/>
-                </a:solidFill>
-                <a:latin typeface="Verdana" panose="020B0604030504040204" pitchFamily="34" charset="0"/>
-                <a:ea typeface="Verdana" panose="020B0604030504040204" pitchFamily="34" charset="0"/>
-              </a:rPr>
-              <a:t> = </a:t>
-            </a:r>
-            <a:r>
-              <a:rPr lang="pt-BR" sz="1600" dirty="0" err="1">
-                <a:solidFill>
-                  <a:schemeClr val="accent1">
-                    <a:lumMod val="60000"/>
-                    <a:lumOff val="40000"/>
-                  </a:schemeClr>
-                </a:solidFill>
-                <a:latin typeface="Verdana" panose="020B0604030504040204" pitchFamily="34" charset="0"/>
-                <a:ea typeface="Verdana" panose="020B0604030504040204" pitchFamily="34" charset="0"/>
-              </a:rPr>
-              <a:t>DriverManager</a:t>
-            </a:r>
-            <a:r>
-              <a:rPr lang="pt-BR" sz="1600" dirty="0" err="1">
-                <a:solidFill>
-                  <a:schemeClr val="bg1"/>
-                </a:solidFill>
-                <a:latin typeface="Verdana" panose="020B0604030504040204" pitchFamily="34" charset="0"/>
-                <a:ea typeface="Verdana" panose="020B0604030504040204" pitchFamily="34" charset="0"/>
-              </a:rPr>
-              <a:t>.getConnection</a:t>
+                  <a:srgbClr val="D4D4D4"/>
+                </a:solidFill>
+                <a:latin typeface="Consolas" panose="020B0609020204030204" pitchFamily="49" charset="0"/>
+              </a:rPr>
+              <a:t> </a:t>
             </a:r>
             <a:r>
               <a:rPr lang="pt-BR" sz="1600" dirty="0">
                 <a:solidFill>
-                  <a:schemeClr val="bg1"/>
-                </a:solidFill>
-                <a:latin typeface="Verdana" panose="020B0604030504040204" pitchFamily="34" charset="0"/>
-                <a:ea typeface="Verdana" panose="020B0604030504040204" pitchFamily="34" charset="0"/>
-              </a:rPr>
-              <a:t>(</a:t>
+                  <a:srgbClr val="9CDCFE"/>
+                </a:solidFill>
+                <a:latin typeface="Consolas" panose="020B0609020204030204" pitchFamily="49" charset="0"/>
+              </a:rPr>
+              <a:t>e</a:t>
+            </a:r>
+            <a:r>
+              <a:rPr lang="pt-BR" sz="1600" dirty="0">
+                <a:solidFill>
+                  <a:srgbClr val="D4D4D4"/>
+                </a:solidFill>
+                <a:latin typeface="Consolas" panose="020B0609020204030204" pitchFamily="49" charset="0"/>
+              </a:rPr>
+              <a:t>) {</a:t>
             </a:r>
           </a:p>
           <a:p>
-            <a:r>
+            <a:br>
               <a:rPr lang="pt-BR" sz="1600" dirty="0">
                 <a:solidFill>
-                  <a:schemeClr val="bg1"/>
-                </a:solidFill>
-                <a:latin typeface="Verdana" panose="020B0604030504040204" pitchFamily="34" charset="0"/>
-                <a:ea typeface="Verdana" panose="020B0604030504040204" pitchFamily="34" charset="0"/>
-              </a:rPr>
-              <a:t>              "</a:t>
+                  <a:srgbClr val="D4D4D4"/>
+                </a:solidFill>
+                <a:latin typeface="Consolas" panose="020B0609020204030204" pitchFamily="49" charset="0"/>
+              </a:rPr>
+            </a:br>
+            <a:r>
+              <a:rPr lang="pt-BR" sz="1600" dirty="0">
+                <a:solidFill>
+                  <a:srgbClr val="D4D4D4"/>
+                </a:solidFill>
+                <a:latin typeface="Consolas" panose="020B0609020204030204" pitchFamily="49" charset="0"/>
+              </a:rPr>
+              <a:t>   </a:t>
             </a:r>
             <a:r>
               <a:rPr lang="pt-BR" sz="1600" dirty="0" err="1">
                 <a:solidFill>
-                  <a:schemeClr val="bg1"/>
-                </a:solidFill>
-                <a:latin typeface="Verdana" panose="020B0604030504040204" pitchFamily="34" charset="0"/>
-                <a:ea typeface="Verdana" panose="020B0604030504040204" pitchFamily="34" charset="0"/>
-              </a:rPr>
-              <a:t>jdbc:postgresql</a:t>
+                  <a:srgbClr val="9CDCFE"/>
+                </a:solidFill>
+                <a:latin typeface="Consolas" panose="020B0609020204030204" pitchFamily="49" charset="0"/>
+              </a:rPr>
+              <a:t>System</a:t>
+            </a:r>
+            <a:r>
+              <a:rPr lang="pt-BR" sz="1600" dirty="0" err="1">
+                <a:solidFill>
+                  <a:srgbClr val="D4D4D4"/>
+                </a:solidFill>
+                <a:latin typeface="Consolas" panose="020B0609020204030204" pitchFamily="49" charset="0"/>
+              </a:rPr>
+              <a:t>.</a:t>
+            </a:r>
+            <a:r>
+              <a:rPr lang="pt-BR" sz="1600" dirty="0" err="1">
+                <a:solidFill>
+                  <a:srgbClr val="9CDCFE"/>
+                </a:solidFill>
+                <a:latin typeface="Consolas" panose="020B0609020204030204" pitchFamily="49" charset="0"/>
+              </a:rPr>
+              <a:t>out</a:t>
+            </a:r>
+            <a:r>
+              <a:rPr lang="pt-BR" sz="1600" dirty="0" err="1">
+                <a:solidFill>
+                  <a:srgbClr val="D4D4D4"/>
+                </a:solidFill>
+                <a:latin typeface="Consolas" panose="020B0609020204030204" pitchFamily="49" charset="0"/>
+              </a:rPr>
+              <a:t>.</a:t>
+            </a:r>
+            <a:r>
+              <a:rPr lang="pt-BR" sz="1600" dirty="0" err="1">
+                <a:solidFill>
+                  <a:srgbClr val="DCDCAA"/>
+                </a:solidFill>
+                <a:latin typeface="Consolas" panose="020B0609020204030204" pitchFamily="49" charset="0"/>
+              </a:rPr>
+              <a:t>println</a:t>
             </a:r>
             <a:r>
               <a:rPr lang="pt-BR" sz="1600" dirty="0">
                 <a:solidFill>
-                  <a:schemeClr val="bg1"/>
-                </a:solidFill>
-                <a:latin typeface="Verdana" panose="020B0604030504040204" pitchFamily="34" charset="0"/>
-                <a:ea typeface="Verdana" panose="020B0604030504040204" pitchFamily="34" charset="0"/>
-              </a:rPr>
-              <a:t>://localhost:5432/</a:t>
-            </a:r>
-            <a:r>
-              <a:rPr lang="pt-BR" sz="1600" dirty="0" err="1">
-                <a:solidFill>
-                  <a:schemeClr val="bg1"/>
-                </a:solidFill>
-                <a:latin typeface="Verdana" panose="020B0604030504040204" pitchFamily="34" charset="0"/>
-                <a:ea typeface="Verdana" panose="020B0604030504040204" pitchFamily="34" charset="0"/>
-              </a:rPr>
-              <a:t>sgh</a:t>
-            </a:r>
-            <a:r>
-              <a:rPr lang="pt-BR" sz="1600" dirty="0">
-                <a:solidFill>
-                  <a:schemeClr val="bg1"/>
-                </a:solidFill>
-                <a:latin typeface="Verdana" panose="020B0604030504040204" pitchFamily="34" charset="0"/>
-                <a:ea typeface="Verdana" panose="020B0604030504040204" pitchFamily="34" charset="0"/>
-              </a:rPr>
-              <a:t>", "</a:t>
-            </a:r>
-            <a:r>
-              <a:rPr lang="pt-BR" sz="1600" dirty="0" err="1">
-                <a:solidFill>
-                  <a:schemeClr val="bg1"/>
-                </a:solidFill>
-                <a:latin typeface="Verdana" panose="020B0604030504040204" pitchFamily="34" charset="0"/>
-                <a:ea typeface="Verdana" panose="020B0604030504040204" pitchFamily="34" charset="0"/>
-              </a:rPr>
-              <a:t>postgres</a:t>
-            </a:r>
-            <a:r>
-              <a:rPr lang="pt-BR" sz="1600" dirty="0">
-                <a:solidFill>
-                  <a:schemeClr val="bg1"/>
-                </a:solidFill>
-                <a:latin typeface="Verdana" panose="020B0604030504040204" pitchFamily="34" charset="0"/>
-                <a:ea typeface="Verdana" panose="020B0604030504040204" pitchFamily="34" charset="0"/>
-              </a:rPr>
-              <a:t>", "</a:t>
-            </a:r>
-            <a:r>
-              <a:rPr lang="pt-BR" sz="1600" dirty="0" err="1">
-                <a:solidFill>
-                  <a:schemeClr val="bg1"/>
-                </a:solidFill>
-                <a:latin typeface="Verdana" panose="020B0604030504040204" pitchFamily="34" charset="0"/>
-                <a:ea typeface="Verdana" panose="020B0604030504040204" pitchFamily="34" charset="0"/>
-              </a:rPr>
-              <a:t>postgres</a:t>
-            </a:r>
-            <a:r>
-              <a:rPr lang="pt-BR" sz="1600" dirty="0">
-                <a:solidFill>
-                  <a:schemeClr val="bg1"/>
-                </a:solidFill>
-                <a:latin typeface="Verdana" panose="020B0604030504040204" pitchFamily="34" charset="0"/>
-                <a:ea typeface="Verdana" panose="020B0604030504040204" pitchFamily="34" charset="0"/>
-              </a:rPr>
-              <a:t>");</a:t>
-            </a:r>
-          </a:p>
-          <a:p>
-            <a:r>
-              <a:rPr lang="pt-BR" sz="1600" dirty="0">
-                <a:solidFill>
-                  <a:schemeClr val="bg1"/>
-                </a:solidFill>
-                <a:latin typeface="Verdana" panose="020B0604030504040204" pitchFamily="34" charset="0"/>
-                <a:ea typeface="Verdana" panose="020B0604030504040204" pitchFamily="34" charset="0"/>
-              </a:rPr>
-              <a:t>            </a:t>
-            </a:r>
-          </a:p>
-          <a:p>
-            <a:r>
-              <a:rPr lang="pt-BR" sz="1600" dirty="0">
-                <a:solidFill>
-                  <a:schemeClr val="bg1"/>
-                </a:solidFill>
-                <a:latin typeface="Verdana" panose="020B0604030504040204" pitchFamily="34" charset="0"/>
-                <a:ea typeface="Verdana" panose="020B0604030504040204" pitchFamily="34" charset="0"/>
-              </a:rPr>
-              <a:t>     } catch (</a:t>
-            </a:r>
-            <a:r>
-              <a:rPr lang="pt-BR" sz="1600" dirty="0" err="1">
-                <a:solidFill>
-                  <a:schemeClr val="bg1"/>
-                </a:solidFill>
-                <a:latin typeface="Verdana" panose="020B0604030504040204" pitchFamily="34" charset="0"/>
-                <a:ea typeface="Verdana" panose="020B0604030504040204" pitchFamily="34" charset="0"/>
-              </a:rPr>
-              <a:t>SQLException</a:t>
-            </a:r>
-            <a:r>
-              <a:rPr lang="pt-BR" sz="1600" dirty="0">
-                <a:solidFill>
-                  <a:schemeClr val="bg1"/>
-                </a:solidFill>
-                <a:latin typeface="Verdana" panose="020B0604030504040204" pitchFamily="34" charset="0"/>
-                <a:ea typeface="Verdana" panose="020B0604030504040204" pitchFamily="34" charset="0"/>
-              </a:rPr>
-              <a:t> e) {</a:t>
+                  <a:srgbClr val="D4D4D4"/>
+                </a:solidFill>
+                <a:latin typeface="Consolas" panose="020B0609020204030204" pitchFamily="49" charset="0"/>
+              </a:rPr>
+              <a:t>(e);</a:t>
             </a:r>
           </a:p>
           <a:p>
             <a:endParaRPr lang="pt-BR" sz="1600" dirty="0">
               <a:solidFill>
-                <a:schemeClr val="bg1"/>
+                <a:srgbClr val="D4D4D4"/>
               </a:solidFill>
-              <a:latin typeface="Verdana" panose="020B0604030504040204" pitchFamily="34" charset="0"/>
-              <a:ea typeface="Verdana" panose="020B0604030504040204" pitchFamily="34" charset="0"/>
+              <a:latin typeface="Consolas" panose="020B0609020204030204" pitchFamily="49" charset="0"/>
             </a:endParaRPr>
           </a:p>
           <a:p>
             <a:r>
               <a:rPr lang="pt-BR" sz="1600" dirty="0">
                 <a:solidFill>
-                  <a:schemeClr val="bg1"/>
-                </a:solidFill>
-                <a:latin typeface="Verdana" panose="020B0604030504040204" pitchFamily="34" charset="0"/>
-                <a:ea typeface="Verdana" panose="020B0604030504040204" pitchFamily="34" charset="0"/>
-              </a:rPr>
-              <a:t>        </a:t>
+                  <a:srgbClr val="D4D4D4"/>
+                </a:solidFill>
+                <a:latin typeface="Consolas" panose="020B0609020204030204" pitchFamily="49" charset="0"/>
+              </a:rPr>
+              <a:t>} </a:t>
             </a:r>
             <a:r>
               <a:rPr lang="pt-BR" sz="1600" dirty="0" err="1">
                 <a:solidFill>
-                  <a:schemeClr val="bg1"/>
-                </a:solidFill>
-                <a:latin typeface="Verdana" panose="020B0604030504040204" pitchFamily="34" charset="0"/>
-                <a:ea typeface="Verdana" panose="020B0604030504040204" pitchFamily="34" charset="0"/>
-              </a:rPr>
-              <a:t>System.out.println</a:t>
+                  <a:srgbClr val="C586C0"/>
+                </a:solidFill>
+                <a:latin typeface="Consolas" panose="020B0609020204030204" pitchFamily="49" charset="0"/>
+              </a:rPr>
+              <a:t>finally</a:t>
             </a:r>
             <a:r>
               <a:rPr lang="pt-BR" sz="1600" dirty="0">
                 <a:solidFill>
-                  <a:schemeClr val="bg1"/>
-                </a:solidFill>
-                <a:latin typeface="Verdana" panose="020B0604030504040204" pitchFamily="34" charset="0"/>
-                <a:ea typeface="Verdana" panose="020B0604030504040204" pitchFamily="34" charset="0"/>
-              </a:rPr>
-              <a:t>(e);</a:t>
+                  <a:srgbClr val="D4D4D4"/>
+                </a:solidFill>
+                <a:latin typeface="Consolas" panose="020B0609020204030204" pitchFamily="49" charset="0"/>
+              </a:rPr>
+              <a:t> {</a:t>
             </a:r>
           </a:p>
           <a:p>
-            <a:r>
+            <a:br>
               <a:rPr lang="pt-BR" sz="1600" dirty="0">
                 <a:solidFill>
-                  <a:schemeClr val="bg1"/>
-                </a:solidFill>
-                <a:latin typeface="Verdana" panose="020B0604030504040204" pitchFamily="34" charset="0"/>
-                <a:ea typeface="Verdana" panose="020B0604030504040204" pitchFamily="34" charset="0"/>
-              </a:rPr>
-              <a:t>     } </a:t>
+                  <a:srgbClr val="D4D4D4"/>
+                </a:solidFill>
+                <a:latin typeface="Consolas" panose="020B0609020204030204" pitchFamily="49" charset="0"/>
+              </a:rPr>
+            </a:br>
+            <a:r>
+              <a:rPr lang="pt-BR" sz="1600" dirty="0">
+                <a:solidFill>
+                  <a:srgbClr val="D4D4D4"/>
+                </a:solidFill>
+                <a:latin typeface="Consolas" panose="020B0609020204030204" pitchFamily="49" charset="0"/>
+              </a:rPr>
+              <a:t>   </a:t>
             </a:r>
             <a:r>
               <a:rPr lang="pt-BR" sz="1600" dirty="0" err="1">
                 <a:solidFill>
-                  <a:schemeClr val="bg1"/>
-                </a:solidFill>
-                <a:latin typeface="Verdana" panose="020B0604030504040204" pitchFamily="34" charset="0"/>
-                <a:ea typeface="Verdana" panose="020B0604030504040204" pitchFamily="34" charset="0"/>
-              </a:rPr>
-              <a:t>finally</a:t>
+                  <a:srgbClr val="C586C0"/>
+                </a:solidFill>
+                <a:latin typeface="Consolas" panose="020B0609020204030204" pitchFamily="49" charset="0"/>
+              </a:rPr>
+              <a:t>if</a:t>
             </a:r>
             <a:r>
               <a:rPr lang="pt-BR" sz="1600" dirty="0">
                 <a:solidFill>
-                  <a:schemeClr val="bg1"/>
-                </a:solidFill>
-                <a:latin typeface="Verdana" panose="020B0604030504040204" pitchFamily="34" charset="0"/>
-                <a:ea typeface="Verdana" panose="020B0604030504040204" pitchFamily="34" charset="0"/>
-              </a:rPr>
-              <a:t> {</a:t>
+                  <a:srgbClr val="D4D4D4"/>
+                </a:solidFill>
+                <a:latin typeface="Consolas" panose="020B0609020204030204" pitchFamily="49" charset="0"/>
+              </a:rPr>
+              <a:t> (!</a:t>
+            </a:r>
+            <a:r>
+              <a:rPr lang="pt-BR" sz="1600" dirty="0" err="1">
+                <a:solidFill>
+                  <a:srgbClr val="9CDCFE"/>
+                </a:solidFill>
+                <a:latin typeface="Consolas" panose="020B0609020204030204" pitchFamily="49" charset="0"/>
+              </a:rPr>
+              <a:t>conn</a:t>
+            </a:r>
+            <a:r>
+              <a:rPr lang="pt-BR" sz="1600" dirty="0" err="1">
+                <a:solidFill>
+                  <a:srgbClr val="D4D4D4"/>
+                </a:solidFill>
+                <a:latin typeface="Consolas" panose="020B0609020204030204" pitchFamily="49" charset="0"/>
+              </a:rPr>
+              <a:t>.</a:t>
+            </a:r>
+            <a:r>
+              <a:rPr lang="pt-BR" sz="1600" dirty="0" err="1">
+                <a:solidFill>
+                  <a:srgbClr val="DCDCAA"/>
+                </a:solidFill>
+                <a:latin typeface="Consolas" panose="020B0609020204030204" pitchFamily="49" charset="0"/>
+              </a:rPr>
+              <a:t>isClosed</a:t>
+            </a:r>
+            <a:r>
+              <a:rPr lang="pt-BR" sz="1600" dirty="0">
+                <a:solidFill>
+                  <a:srgbClr val="D4D4D4"/>
+                </a:solidFill>
+                <a:latin typeface="Consolas" panose="020B0609020204030204" pitchFamily="49" charset="0"/>
+              </a:rPr>
+              <a:t>()) {</a:t>
+            </a:r>
+          </a:p>
+          <a:p>
+            <a:br>
+              <a:rPr lang="pt-BR" sz="1600" dirty="0">
+                <a:solidFill>
+                  <a:srgbClr val="D4D4D4"/>
+                </a:solidFill>
+                <a:latin typeface="Consolas" panose="020B0609020204030204" pitchFamily="49" charset="0"/>
+              </a:rPr>
+            </a:br>
+            <a:r>
+              <a:rPr lang="pt-BR" sz="1600" dirty="0">
+                <a:solidFill>
+                  <a:srgbClr val="D4D4D4"/>
+                </a:solidFill>
+                <a:latin typeface="Consolas" panose="020B0609020204030204" pitchFamily="49" charset="0"/>
+              </a:rPr>
+              <a:t>      </a:t>
+            </a:r>
+            <a:r>
+              <a:rPr lang="pt-BR" sz="1600" dirty="0" err="1">
+                <a:solidFill>
+                  <a:srgbClr val="9CDCFE"/>
+                </a:solidFill>
+                <a:latin typeface="Consolas" panose="020B0609020204030204" pitchFamily="49" charset="0"/>
+              </a:rPr>
+              <a:t>conn</a:t>
+            </a:r>
+            <a:r>
+              <a:rPr lang="pt-BR" sz="1600" dirty="0" err="1">
+                <a:solidFill>
+                  <a:srgbClr val="D4D4D4"/>
+                </a:solidFill>
+                <a:latin typeface="Consolas" panose="020B0609020204030204" pitchFamily="49" charset="0"/>
+              </a:rPr>
+              <a:t>.</a:t>
+            </a:r>
+            <a:r>
+              <a:rPr lang="pt-BR" sz="1600" dirty="0" err="1">
+                <a:solidFill>
+                  <a:srgbClr val="DCDCAA"/>
+                </a:solidFill>
+                <a:latin typeface="Consolas" panose="020B0609020204030204" pitchFamily="49" charset="0"/>
+              </a:rPr>
+              <a:t>close</a:t>
+            </a:r>
+            <a:r>
+              <a:rPr lang="pt-BR" sz="1600" dirty="0">
+                <a:solidFill>
+                  <a:srgbClr val="D4D4D4"/>
+                </a:solidFill>
+                <a:latin typeface="Consolas" panose="020B0609020204030204" pitchFamily="49" charset="0"/>
+              </a:rPr>
+              <a:t>();</a:t>
+            </a:r>
+          </a:p>
+          <a:p>
+            <a:r>
+              <a:rPr lang="pt-BR" sz="1600" dirty="0">
+                <a:solidFill>
+                  <a:srgbClr val="D4D4D4"/>
+                </a:solidFill>
+                <a:latin typeface="Consolas" panose="020B0609020204030204" pitchFamily="49" charset="0"/>
+              </a:rPr>
+              <a:t>   }</a:t>
             </a:r>
           </a:p>
           <a:p>
             <a:endParaRPr lang="pt-BR" sz="1600" dirty="0">
               <a:solidFill>
-                <a:schemeClr val="bg1"/>
+                <a:srgbClr val="D4D4D4"/>
               </a:solidFill>
-              <a:latin typeface="Verdana" panose="020B0604030504040204" pitchFamily="34" charset="0"/>
-              <a:ea typeface="Verdana" panose="020B0604030504040204" pitchFamily="34" charset="0"/>
+              <a:latin typeface="Consolas" panose="020B0609020204030204" pitchFamily="49" charset="0"/>
             </a:endParaRPr>
           </a:p>
           <a:p>
             <a:r>
               <a:rPr lang="pt-BR" sz="1600" dirty="0">
                 <a:solidFill>
-                  <a:schemeClr val="bg1"/>
-                </a:solidFill>
-                <a:latin typeface="Verdana" panose="020B0604030504040204" pitchFamily="34" charset="0"/>
-                <a:ea typeface="Verdana" panose="020B0604030504040204" pitchFamily="34" charset="0"/>
-              </a:rPr>
-              <a:t>        </a:t>
-            </a:r>
-            <a:r>
-              <a:rPr lang="pt-BR" sz="1600" dirty="0" err="1">
-                <a:solidFill>
-                  <a:schemeClr val="bg1"/>
-                </a:solidFill>
-                <a:latin typeface="Verdana" panose="020B0604030504040204" pitchFamily="34" charset="0"/>
-                <a:ea typeface="Verdana" panose="020B0604030504040204" pitchFamily="34" charset="0"/>
-              </a:rPr>
-              <a:t>if</a:t>
-            </a:r>
-            <a:r>
-              <a:rPr lang="pt-BR" sz="1600" dirty="0">
-                <a:solidFill>
-                  <a:schemeClr val="bg1"/>
-                </a:solidFill>
-                <a:latin typeface="Verdana" panose="020B0604030504040204" pitchFamily="34" charset="0"/>
-                <a:ea typeface="Verdana" panose="020B0604030504040204" pitchFamily="34" charset="0"/>
-              </a:rPr>
-              <a:t> (!</a:t>
-            </a:r>
-            <a:r>
-              <a:rPr lang="pt-BR" sz="1600" dirty="0" err="1">
-                <a:solidFill>
-                  <a:schemeClr val="bg1"/>
-                </a:solidFill>
-                <a:latin typeface="Verdana" panose="020B0604030504040204" pitchFamily="34" charset="0"/>
-                <a:ea typeface="Verdana" panose="020B0604030504040204" pitchFamily="34" charset="0"/>
-              </a:rPr>
-              <a:t>conn.isClosed</a:t>
-            </a:r>
-            <a:r>
-              <a:rPr lang="pt-BR" sz="1600" dirty="0">
-                <a:solidFill>
-                  <a:schemeClr val="bg1"/>
-                </a:solidFill>
-                <a:latin typeface="Verdana" panose="020B0604030504040204" pitchFamily="34" charset="0"/>
-                <a:ea typeface="Verdana" panose="020B0604030504040204" pitchFamily="34" charset="0"/>
-              </a:rPr>
-              <a:t>()) {</a:t>
-            </a:r>
-          </a:p>
-          <a:p>
-            <a:endParaRPr lang="pt-BR" sz="1600" dirty="0">
-              <a:solidFill>
-                <a:schemeClr val="bg1"/>
-              </a:solidFill>
-              <a:latin typeface="Verdana" panose="020B0604030504040204" pitchFamily="34" charset="0"/>
-              <a:ea typeface="Verdana" panose="020B0604030504040204" pitchFamily="34" charset="0"/>
-            </a:endParaRPr>
-          </a:p>
-          <a:p>
-            <a:r>
-              <a:rPr lang="pt-BR" sz="1600" dirty="0">
-                <a:solidFill>
-                  <a:schemeClr val="bg1"/>
-                </a:solidFill>
-                <a:latin typeface="Verdana" panose="020B0604030504040204" pitchFamily="34" charset="0"/>
-                <a:ea typeface="Verdana" panose="020B0604030504040204" pitchFamily="34" charset="0"/>
-              </a:rPr>
-              <a:t>           </a:t>
-            </a:r>
-            <a:r>
-              <a:rPr lang="pt-BR" sz="1600" dirty="0" err="1">
-                <a:solidFill>
-                  <a:schemeClr val="bg1"/>
-                </a:solidFill>
-                <a:latin typeface="Verdana" panose="020B0604030504040204" pitchFamily="34" charset="0"/>
-                <a:ea typeface="Verdana" panose="020B0604030504040204" pitchFamily="34" charset="0"/>
-              </a:rPr>
-              <a:t>conn.close</a:t>
-            </a:r>
-            <a:r>
-              <a:rPr lang="pt-BR" sz="1600" dirty="0">
-                <a:solidFill>
-                  <a:schemeClr val="bg1"/>
-                </a:solidFill>
-                <a:latin typeface="Verdana" panose="020B0604030504040204" pitchFamily="34" charset="0"/>
-                <a:ea typeface="Verdana" panose="020B0604030504040204" pitchFamily="34" charset="0"/>
-              </a:rPr>
-              <a:t>();</a:t>
-            </a:r>
-          </a:p>
-          <a:p>
-            <a:r>
-              <a:rPr lang="pt-BR" sz="1600" dirty="0">
-                <a:solidFill>
-                  <a:schemeClr val="bg1"/>
-                </a:solidFill>
-                <a:latin typeface="Verdana" panose="020B0604030504040204" pitchFamily="34" charset="0"/>
-                <a:ea typeface="Verdana" panose="020B0604030504040204" pitchFamily="34" charset="0"/>
-              </a:rPr>
-              <a:t>        }</a:t>
-            </a:r>
-          </a:p>
-          <a:p>
-            <a:r>
-              <a:rPr lang="pt-BR" sz="1600" dirty="0">
-                <a:solidFill>
-                  <a:schemeClr val="bg1"/>
-                </a:solidFill>
-                <a:latin typeface="Verdana" panose="020B0604030504040204" pitchFamily="34" charset="0"/>
-                <a:ea typeface="Verdana" panose="020B0604030504040204" pitchFamily="34" charset="0"/>
-              </a:rPr>
-              <a:t>     }</a:t>
+                  <a:srgbClr val="D4D4D4"/>
+                </a:solidFill>
+                <a:latin typeface="Consolas" panose="020B0609020204030204" pitchFamily="49" charset="0"/>
+              </a:rPr>
+              <a:t>}</a:t>
             </a:r>
           </a:p>
         </p:txBody>
@@ -21123,13 +21597,34 @@
         <p:spPr>
           <a:xfrm>
             <a:off x="836212" y="1700640"/>
-            <a:ext cx="5286290" cy="4524315"/>
+            <a:ext cx="5420194" cy="4770537"/>
           </a:xfrm>
           <a:prstGeom prst="rect">
             <a:avLst/>
           </a:prstGeom>
-          <a:noFill/>
+          <a:solidFill>
+            <a:schemeClr val="dk1">
+              <a:alpha val="50000"/>
+            </a:schemeClr>
+          </a:solidFill>
+          <a:ln>
+            <a:noFill/>
+          </a:ln>
         </p:spPr>
+        <p:style>
+          <a:lnRef idx="0">
+            <a:scrgbClr r="0" g="0" b="0"/>
+          </a:lnRef>
+          <a:fillRef idx="0">
+            <a:scrgbClr r="0" g="0" b="0"/>
+          </a:fillRef>
+          <a:effectRef idx="0">
+            <a:scrgbClr r="0" g="0" b="0"/>
+          </a:effectRef>
+          <a:fontRef idx="minor">
+            <a:schemeClr val="lt1"/>
+          </a:fontRef>
+        </p:style>
         <p:txBody>
           <a:bodyPr wrap="square" rtlCol="0">
             <a:spAutoFit/>
@@ -21139,542 +21634,623 @@
             <a:r>
               <a:rPr lang="pt-BR" sz="1600" dirty="0">
                 <a:solidFill>
-                  <a:schemeClr val="accent1">
-                    <a:lumMod val="60000"/>
-                    <a:lumOff val="40000"/>
-                  </a:schemeClr>
-                </a:solidFill>
-                <a:latin typeface="Verdana" panose="020B0604030504040204" pitchFamily="34" charset="0"/>
-                <a:ea typeface="Verdana" panose="020B0604030504040204" pitchFamily="34" charset="0"/>
-              </a:rPr>
-              <a:t>Connection </a:t>
+                  <a:srgbClr val="4EC9B0"/>
+                </a:solidFill>
+                <a:latin typeface="Consolas" panose="020B0609020204030204" pitchFamily="49" charset="0"/>
+              </a:rPr>
+              <a:t>Connection</a:t>
+            </a:r>
+            <a:r>
+              <a:rPr lang="pt-BR" sz="1600" dirty="0">
+                <a:solidFill>
+                  <a:srgbClr val="D4D4D4"/>
+                </a:solidFill>
+                <a:latin typeface="Consolas" panose="020B0609020204030204" pitchFamily="49" charset="0"/>
+              </a:rPr>
+              <a:t> </a:t>
             </a:r>
             <a:r>
               <a:rPr lang="pt-BR" sz="1600" dirty="0" err="1">
                 <a:solidFill>
-                  <a:schemeClr val="accent1">
-                    <a:lumMod val="60000"/>
-                    <a:lumOff val="40000"/>
-                  </a:schemeClr>
-                </a:solidFill>
-                <a:latin typeface="Verdana" panose="020B0604030504040204" pitchFamily="34" charset="0"/>
-                <a:ea typeface="Verdana" panose="020B0604030504040204" pitchFamily="34" charset="0"/>
+                  <a:srgbClr val="9CDCFE"/>
+                </a:solidFill>
+                <a:latin typeface="Consolas" panose="020B0609020204030204" pitchFamily="49" charset="0"/>
               </a:rPr>
               <a:t>conn</a:t>
             </a:r>
             <a:r>
               <a:rPr lang="pt-BR" sz="1600" dirty="0">
                 <a:solidFill>
-                  <a:schemeClr val="accent1">
-                    <a:lumMod val="60000"/>
-                    <a:lumOff val="40000"/>
-                  </a:schemeClr>
-                </a:solidFill>
-                <a:latin typeface="Verdana" panose="020B0604030504040204" pitchFamily="34" charset="0"/>
-                <a:ea typeface="Verdana" panose="020B0604030504040204" pitchFamily="34" charset="0"/>
-              </a:rPr>
-              <a:t> </a:t>
+                  <a:srgbClr val="D4D4D4"/>
+                </a:solidFill>
+                <a:latin typeface="Consolas" panose="020B0609020204030204" pitchFamily="49" charset="0"/>
+              </a:rPr>
+              <a:t> = </a:t>
+            </a:r>
+            <a:r>
+              <a:rPr lang="pt-BR" sz="1600" dirty="0" err="1">
+                <a:solidFill>
+                  <a:srgbClr val="569CD6"/>
+                </a:solidFill>
+                <a:latin typeface="Consolas" panose="020B0609020204030204" pitchFamily="49" charset="0"/>
+              </a:rPr>
+              <a:t>null</a:t>
             </a:r>
             <a:r>
               <a:rPr lang="pt-BR" sz="1600" dirty="0">
                 <a:solidFill>
-                  <a:schemeClr val="bg1"/>
-                </a:solidFill>
-                <a:latin typeface="Verdana" panose="020B0604030504040204" pitchFamily="34" charset="0"/>
-                <a:ea typeface="Verdana" panose="020B0604030504040204" pitchFamily="34" charset="0"/>
-              </a:rPr>
-              <a:t>= </a:t>
-            </a:r>
+                  <a:srgbClr val="D4D4D4"/>
+                </a:solidFill>
+                <a:latin typeface="Consolas" panose="020B0609020204030204" pitchFamily="49" charset="0"/>
+              </a:rPr>
+              <a:t>;</a:t>
+            </a:r>
+          </a:p>
+          <a:p>
+            <a:br>
+              <a:rPr lang="pt-BR" sz="1600" dirty="0">
+                <a:solidFill>
+                  <a:srgbClr val="D4D4D4"/>
+                </a:solidFill>
+                <a:latin typeface="Consolas" panose="020B0609020204030204" pitchFamily="49" charset="0"/>
+              </a:rPr>
+            </a:br>
             <a:r>
               <a:rPr lang="pt-BR" sz="1600" dirty="0" err="1">
                 <a:solidFill>
-                  <a:schemeClr val="bg1"/>
-                </a:solidFill>
-                <a:latin typeface="Verdana" panose="020B0604030504040204" pitchFamily="34" charset="0"/>
-                <a:ea typeface="Verdana" panose="020B0604030504040204" pitchFamily="34" charset="0"/>
-              </a:rPr>
-              <a:t>null</a:t>
+                  <a:srgbClr val="C586C0"/>
+                </a:solidFill>
+                <a:latin typeface="Consolas" panose="020B0609020204030204" pitchFamily="49" charset="0"/>
+              </a:rPr>
+              <a:t>try</a:t>
             </a:r>
             <a:r>
               <a:rPr lang="pt-BR" sz="1600" dirty="0">
                 <a:solidFill>
-                  <a:schemeClr val="bg1"/>
-                </a:solidFill>
-                <a:latin typeface="Verdana" panose="020B0604030504040204" pitchFamily="34" charset="0"/>
-                <a:ea typeface="Verdana" panose="020B0604030504040204" pitchFamily="34" charset="0"/>
-              </a:rPr>
-              <a:t>;</a:t>
+                  <a:srgbClr val="D4D4D4"/>
+                </a:solidFill>
+                <a:latin typeface="Consolas" panose="020B0609020204030204" pitchFamily="49" charset="0"/>
+              </a:rPr>
+              <a:t> {</a:t>
+            </a:r>
+          </a:p>
+          <a:p>
+            <a:br>
+              <a:rPr lang="pt-BR" sz="1600" dirty="0">
+                <a:solidFill>
+                  <a:srgbClr val="D4D4D4"/>
+                </a:solidFill>
+                <a:latin typeface="Consolas" panose="020B0609020204030204" pitchFamily="49" charset="0"/>
+              </a:rPr>
+            </a:br>
+            <a:r>
+              <a:rPr lang="pt-BR" sz="1600" dirty="0">
+                <a:solidFill>
+                  <a:srgbClr val="D4D4D4"/>
+                </a:solidFill>
+                <a:latin typeface="Consolas" panose="020B0609020204030204" pitchFamily="49" charset="0"/>
+              </a:rPr>
+              <a:t>   </a:t>
+            </a:r>
+            <a:r>
+              <a:rPr lang="pt-BR" sz="1600" dirty="0" err="1">
+                <a:solidFill>
+                  <a:srgbClr val="D4D4D4"/>
+                </a:solidFill>
+                <a:latin typeface="Consolas" panose="020B0609020204030204" pitchFamily="49" charset="0"/>
+              </a:rPr>
+              <a:t>conn</a:t>
+            </a:r>
+            <a:r>
+              <a:rPr lang="pt-BR" sz="1600" dirty="0">
+                <a:solidFill>
+                  <a:srgbClr val="D4D4D4"/>
+                </a:solidFill>
+                <a:latin typeface="Consolas" panose="020B0609020204030204" pitchFamily="49" charset="0"/>
+              </a:rPr>
+              <a:t> = </a:t>
+            </a:r>
+            <a:r>
+              <a:rPr lang="pt-BR" sz="1600" dirty="0" err="1">
+                <a:solidFill>
+                  <a:srgbClr val="9CDCFE"/>
+                </a:solidFill>
+                <a:latin typeface="Consolas" panose="020B0609020204030204" pitchFamily="49" charset="0"/>
+              </a:rPr>
+              <a:t>DriverManager</a:t>
+            </a:r>
+            <a:r>
+              <a:rPr lang="pt-BR" sz="1600" dirty="0" err="1">
+                <a:solidFill>
+                  <a:srgbClr val="D4D4D4"/>
+                </a:solidFill>
+                <a:latin typeface="Consolas" panose="020B0609020204030204" pitchFamily="49" charset="0"/>
+              </a:rPr>
+              <a:t>.</a:t>
+            </a:r>
+            <a:r>
+              <a:rPr lang="pt-BR" sz="1600" dirty="0" err="1">
+                <a:solidFill>
+                  <a:srgbClr val="DCDCAA"/>
+                </a:solidFill>
+                <a:latin typeface="Consolas" panose="020B0609020204030204" pitchFamily="49" charset="0"/>
+              </a:rPr>
+              <a:t>getConnection</a:t>
+            </a:r>
+            <a:r>
+              <a:rPr lang="pt-BR" sz="1600" dirty="0">
+                <a:solidFill>
+                  <a:srgbClr val="D4D4D4"/>
+                </a:solidFill>
+                <a:latin typeface="Consolas" panose="020B0609020204030204" pitchFamily="49" charset="0"/>
+              </a:rPr>
+              <a:t>(</a:t>
+            </a:r>
+          </a:p>
+          <a:p>
+            <a:r>
+              <a:rPr lang="pt-BR" sz="1600" dirty="0">
+                <a:solidFill>
+                  <a:srgbClr val="CE9178"/>
+                </a:solidFill>
+                <a:latin typeface="Consolas" panose="020B0609020204030204" pitchFamily="49" charset="0"/>
+              </a:rPr>
+              <a:t>   "</a:t>
+            </a:r>
+            <a:r>
+              <a:rPr lang="pt-BR" sz="1600" dirty="0" err="1">
+                <a:solidFill>
+                  <a:srgbClr val="CE9178"/>
+                </a:solidFill>
+                <a:latin typeface="Consolas" panose="020B0609020204030204" pitchFamily="49" charset="0"/>
+              </a:rPr>
+              <a:t>jdbc:postgresql</a:t>
+            </a:r>
+            <a:r>
+              <a:rPr lang="pt-BR" sz="1600" dirty="0">
+                <a:solidFill>
+                  <a:srgbClr val="CE9178"/>
+                </a:solidFill>
+                <a:latin typeface="Consolas" panose="020B0609020204030204" pitchFamily="49" charset="0"/>
+              </a:rPr>
+              <a:t>://localhost:5432/</a:t>
+            </a:r>
+            <a:r>
+              <a:rPr lang="pt-BR" sz="1600" dirty="0" err="1">
+                <a:solidFill>
+                  <a:srgbClr val="CE9178"/>
+                </a:solidFill>
+                <a:latin typeface="Consolas" panose="020B0609020204030204" pitchFamily="49" charset="0"/>
+              </a:rPr>
+              <a:t>sgh</a:t>
+            </a:r>
+            <a:r>
+              <a:rPr lang="pt-BR" sz="1600" dirty="0">
+                <a:solidFill>
+                  <a:srgbClr val="CE9178"/>
+                </a:solidFill>
+                <a:latin typeface="Consolas" panose="020B0609020204030204" pitchFamily="49" charset="0"/>
+              </a:rPr>
+              <a:t>"</a:t>
+            </a:r>
+            <a:r>
+              <a:rPr lang="pt-BR" sz="1600" dirty="0">
+                <a:solidFill>
+                  <a:srgbClr val="D4D4D4"/>
+                </a:solidFill>
+                <a:latin typeface="Consolas" panose="020B0609020204030204" pitchFamily="49" charset="0"/>
+              </a:rPr>
+              <a:t>, </a:t>
+            </a:r>
+          </a:p>
+          <a:p>
+            <a:r>
+              <a:rPr lang="pt-BR" sz="1600" dirty="0">
+                <a:solidFill>
+                  <a:srgbClr val="CE9178"/>
+                </a:solidFill>
+                <a:latin typeface="Consolas" panose="020B0609020204030204" pitchFamily="49" charset="0"/>
+              </a:rPr>
+              <a:t>   "</a:t>
+            </a:r>
+            <a:r>
+              <a:rPr lang="pt-BR" sz="1600" dirty="0" err="1">
+                <a:solidFill>
+                  <a:srgbClr val="CE9178"/>
+                </a:solidFill>
+                <a:latin typeface="Consolas" panose="020B0609020204030204" pitchFamily="49" charset="0"/>
+              </a:rPr>
+              <a:t>postgres</a:t>
+            </a:r>
+            <a:r>
+              <a:rPr lang="pt-BR" sz="1600" dirty="0">
+                <a:solidFill>
+                  <a:srgbClr val="CE9178"/>
+                </a:solidFill>
+                <a:latin typeface="Consolas" panose="020B0609020204030204" pitchFamily="49" charset="0"/>
+              </a:rPr>
+              <a:t>"</a:t>
+            </a:r>
+            <a:r>
+              <a:rPr lang="pt-BR" sz="1600" dirty="0">
+                <a:solidFill>
+                  <a:srgbClr val="D4D4D4"/>
+                </a:solidFill>
+                <a:latin typeface="Consolas" panose="020B0609020204030204" pitchFamily="49" charset="0"/>
+              </a:rPr>
+              <a:t>, </a:t>
+            </a:r>
+            <a:r>
+              <a:rPr lang="pt-BR" sz="1600" dirty="0">
+                <a:solidFill>
+                  <a:srgbClr val="CE9178"/>
+                </a:solidFill>
+                <a:latin typeface="Consolas" panose="020B0609020204030204" pitchFamily="49" charset="0"/>
+              </a:rPr>
+              <a:t>"</a:t>
+            </a:r>
+            <a:r>
+              <a:rPr lang="pt-BR" sz="1600" dirty="0" err="1">
+                <a:solidFill>
+                  <a:srgbClr val="CE9178"/>
+                </a:solidFill>
+                <a:latin typeface="Consolas" panose="020B0609020204030204" pitchFamily="49" charset="0"/>
+              </a:rPr>
+              <a:t>postgres</a:t>
+            </a:r>
+            <a:r>
+              <a:rPr lang="pt-BR" sz="1600" dirty="0">
+                <a:solidFill>
+                  <a:srgbClr val="CE9178"/>
+                </a:solidFill>
+                <a:latin typeface="Consolas" panose="020B0609020204030204" pitchFamily="49" charset="0"/>
+              </a:rPr>
+              <a:t>"</a:t>
+            </a:r>
+            <a:r>
+              <a:rPr lang="pt-BR" sz="1600" dirty="0">
+                <a:solidFill>
+                  <a:srgbClr val="D4D4D4"/>
+                </a:solidFill>
+                <a:latin typeface="Consolas" panose="020B0609020204030204" pitchFamily="49" charset="0"/>
+              </a:rPr>
+              <a:t>);</a:t>
             </a:r>
           </a:p>
           <a:p>
             <a:endParaRPr lang="pt-BR" sz="1600" dirty="0">
               <a:solidFill>
-                <a:schemeClr val="bg1"/>
+                <a:srgbClr val="D4D4D4"/>
               </a:solidFill>
-              <a:latin typeface="Verdana" panose="020B0604030504040204" pitchFamily="34" charset="0"/>
-              <a:ea typeface="Verdana" panose="020B0604030504040204" pitchFamily="34" charset="0"/>
+              <a:latin typeface="Consolas" panose="020B0609020204030204" pitchFamily="49" charset="0"/>
             </a:endParaRPr>
           </a:p>
           <a:p>
             <a:r>
+              <a:rPr lang="pt-BR" sz="1600" dirty="0">
+                <a:solidFill>
+                  <a:srgbClr val="D4D4D4"/>
+                </a:solidFill>
+                <a:latin typeface="Consolas" panose="020B0609020204030204" pitchFamily="49" charset="0"/>
+              </a:rPr>
+              <a:t>} </a:t>
+            </a:r>
+            <a:r>
+              <a:rPr lang="pt-BR" sz="1600" dirty="0">
+                <a:solidFill>
+                  <a:srgbClr val="C586C0"/>
+                </a:solidFill>
+                <a:latin typeface="Consolas" panose="020B0609020204030204" pitchFamily="49" charset="0"/>
+              </a:rPr>
+              <a:t>catch</a:t>
+            </a:r>
+            <a:r>
+              <a:rPr lang="pt-BR" sz="1600" dirty="0">
+                <a:solidFill>
+                  <a:srgbClr val="D4D4D4"/>
+                </a:solidFill>
+                <a:latin typeface="Consolas" panose="020B0609020204030204" pitchFamily="49" charset="0"/>
+              </a:rPr>
+              <a:t> (</a:t>
+            </a:r>
+            <a:r>
               <a:rPr lang="pt-BR" sz="1600" dirty="0" err="1">
                 <a:solidFill>
-                  <a:schemeClr val="bg1"/>
-                </a:solidFill>
-                <a:latin typeface="Verdana" panose="020B0604030504040204" pitchFamily="34" charset="0"/>
-                <a:ea typeface="Verdana" panose="020B0604030504040204" pitchFamily="34" charset="0"/>
-              </a:rPr>
-              <a:t>try</a:t>
+                  <a:srgbClr val="4EC9B0"/>
+                </a:solidFill>
+                <a:latin typeface="Consolas" panose="020B0609020204030204" pitchFamily="49" charset="0"/>
+              </a:rPr>
+              <a:t>SQLException</a:t>
             </a:r>
             <a:r>
               <a:rPr lang="pt-BR" sz="1600" dirty="0">
                 <a:solidFill>
-                  <a:schemeClr val="bg1"/>
-                </a:solidFill>
-                <a:latin typeface="Verdana" panose="020B0604030504040204" pitchFamily="34" charset="0"/>
-                <a:ea typeface="Verdana" panose="020B0604030504040204" pitchFamily="34" charset="0"/>
-              </a:rPr>
-              <a:t> {</a:t>
+                  <a:srgbClr val="D4D4D4"/>
+                </a:solidFill>
+                <a:latin typeface="Consolas" panose="020B0609020204030204" pitchFamily="49" charset="0"/>
+              </a:rPr>
+              <a:t> </a:t>
+            </a:r>
+            <a:r>
+              <a:rPr lang="pt-BR" sz="1600" dirty="0">
+                <a:solidFill>
+                  <a:srgbClr val="9CDCFE"/>
+                </a:solidFill>
+                <a:latin typeface="Consolas" panose="020B0609020204030204" pitchFamily="49" charset="0"/>
+              </a:rPr>
+              <a:t>e</a:t>
+            </a:r>
+            <a:r>
+              <a:rPr lang="pt-BR" sz="1600" dirty="0">
+                <a:solidFill>
+                  <a:srgbClr val="D4D4D4"/>
+                </a:solidFill>
+                <a:latin typeface="Consolas" panose="020B0609020204030204" pitchFamily="49" charset="0"/>
+              </a:rPr>
+              <a:t>) {</a:t>
+            </a:r>
+          </a:p>
+          <a:p>
+            <a:br>
+              <a:rPr lang="pt-BR" sz="1600" dirty="0">
+                <a:solidFill>
+                  <a:srgbClr val="D4D4D4"/>
+                </a:solidFill>
+                <a:latin typeface="Consolas" panose="020B0609020204030204" pitchFamily="49" charset="0"/>
+              </a:rPr>
+            </a:br>
+            <a:r>
+              <a:rPr lang="pt-BR" sz="1600" dirty="0">
+                <a:solidFill>
+                  <a:srgbClr val="D4D4D4"/>
+                </a:solidFill>
+                <a:latin typeface="Consolas" panose="020B0609020204030204" pitchFamily="49" charset="0"/>
+              </a:rPr>
+              <a:t>   </a:t>
+            </a:r>
+            <a:r>
+              <a:rPr lang="pt-BR" sz="1600" dirty="0" err="1">
+                <a:solidFill>
+                  <a:srgbClr val="9CDCFE"/>
+                </a:solidFill>
+                <a:latin typeface="Consolas" panose="020B0609020204030204" pitchFamily="49" charset="0"/>
+              </a:rPr>
+              <a:t>System</a:t>
+            </a:r>
+            <a:r>
+              <a:rPr lang="pt-BR" sz="1600" dirty="0" err="1">
+                <a:solidFill>
+                  <a:srgbClr val="D4D4D4"/>
+                </a:solidFill>
+                <a:latin typeface="Consolas" panose="020B0609020204030204" pitchFamily="49" charset="0"/>
+              </a:rPr>
+              <a:t>.</a:t>
+            </a:r>
+            <a:r>
+              <a:rPr lang="pt-BR" sz="1600" dirty="0" err="1">
+                <a:solidFill>
+                  <a:srgbClr val="9CDCFE"/>
+                </a:solidFill>
+                <a:latin typeface="Consolas" panose="020B0609020204030204" pitchFamily="49" charset="0"/>
+              </a:rPr>
+              <a:t>out</a:t>
+            </a:r>
+            <a:r>
+              <a:rPr lang="pt-BR" sz="1600" dirty="0" err="1">
+                <a:solidFill>
+                  <a:srgbClr val="D4D4D4"/>
+                </a:solidFill>
+                <a:latin typeface="Consolas" panose="020B0609020204030204" pitchFamily="49" charset="0"/>
+              </a:rPr>
+              <a:t>.</a:t>
+            </a:r>
+            <a:r>
+              <a:rPr lang="pt-BR" sz="1600" dirty="0" err="1">
+                <a:solidFill>
+                  <a:srgbClr val="DCDCAA"/>
+                </a:solidFill>
+                <a:latin typeface="Consolas" panose="020B0609020204030204" pitchFamily="49" charset="0"/>
+              </a:rPr>
+              <a:t>println</a:t>
+            </a:r>
+            <a:r>
+              <a:rPr lang="pt-BR" sz="1600" dirty="0">
+                <a:solidFill>
+                  <a:srgbClr val="D4D4D4"/>
+                </a:solidFill>
+                <a:latin typeface="Consolas" panose="020B0609020204030204" pitchFamily="49" charset="0"/>
+              </a:rPr>
+              <a:t>(e);</a:t>
             </a:r>
           </a:p>
           <a:p>
             <a:endParaRPr lang="pt-BR" sz="1600" dirty="0">
               <a:solidFill>
-                <a:schemeClr val="bg1"/>
+                <a:srgbClr val="D4D4D4"/>
               </a:solidFill>
-              <a:latin typeface="Verdana" panose="020B0604030504040204" pitchFamily="34" charset="0"/>
-              <a:ea typeface="Verdana" panose="020B0604030504040204" pitchFamily="34" charset="0"/>
+              <a:latin typeface="Consolas" panose="020B0609020204030204" pitchFamily="49" charset="0"/>
             </a:endParaRPr>
           </a:p>
           <a:p>
             <a:r>
               <a:rPr lang="pt-BR" sz="1600" dirty="0">
                 <a:solidFill>
-                  <a:schemeClr val="bg1"/>
-                </a:solidFill>
-                <a:latin typeface="Verdana" panose="020B0604030504040204" pitchFamily="34" charset="0"/>
-                <a:ea typeface="Verdana" panose="020B0604030504040204" pitchFamily="34" charset="0"/>
-              </a:rPr>
-              <a:t>   </a:t>
+                  <a:srgbClr val="D4D4D4"/>
+                </a:solidFill>
+                <a:latin typeface="Consolas" panose="020B0609020204030204" pitchFamily="49" charset="0"/>
+              </a:rPr>
+              <a:t>} </a:t>
             </a:r>
             <a:r>
               <a:rPr lang="pt-BR" sz="1600" dirty="0" err="1">
                 <a:solidFill>
-                  <a:schemeClr val="accent1">
-                    <a:lumMod val="60000"/>
-                    <a:lumOff val="40000"/>
-                  </a:schemeClr>
-                </a:solidFill>
-                <a:latin typeface="Verdana" panose="020B0604030504040204" pitchFamily="34" charset="0"/>
-                <a:ea typeface="Verdana" panose="020B0604030504040204" pitchFamily="34" charset="0"/>
-              </a:rPr>
-              <a:t>conn</a:t>
+                  <a:srgbClr val="C586C0"/>
+                </a:solidFill>
+                <a:latin typeface="Consolas" panose="020B0609020204030204" pitchFamily="49" charset="0"/>
+              </a:rPr>
+              <a:t>finally</a:t>
             </a:r>
             <a:r>
               <a:rPr lang="pt-BR" sz="1600" dirty="0">
                 <a:solidFill>
-                  <a:schemeClr val="bg1"/>
-                </a:solidFill>
-                <a:latin typeface="Verdana" panose="020B0604030504040204" pitchFamily="34" charset="0"/>
-                <a:ea typeface="Verdana" panose="020B0604030504040204" pitchFamily="34" charset="0"/>
-              </a:rPr>
-              <a:t> = </a:t>
-            </a:r>
-            <a:r>
-              <a:rPr lang="pt-BR" sz="1600" dirty="0" err="1">
-                <a:solidFill>
-                  <a:schemeClr val="bg1"/>
-                </a:solidFill>
-                <a:latin typeface="Verdana" panose="020B0604030504040204" pitchFamily="34" charset="0"/>
-                <a:ea typeface="Verdana" panose="020B0604030504040204" pitchFamily="34" charset="0"/>
-              </a:rPr>
-              <a:t>DriverManager.getConnection</a:t>
-            </a:r>
-            <a:r>
-              <a:rPr lang="pt-BR" sz="1600" dirty="0">
-                <a:solidFill>
-                  <a:schemeClr val="bg1"/>
-                </a:solidFill>
-                <a:latin typeface="Verdana" panose="020B0604030504040204" pitchFamily="34" charset="0"/>
-                <a:ea typeface="Verdana" panose="020B0604030504040204" pitchFamily="34" charset="0"/>
-              </a:rPr>
-              <a:t>(</a:t>
+                  <a:srgbClr val="D4D4D4"/>
+                </a:solidFill>
+                <a:latin typeface="Consolas" panose="020B0609020204030204" pitchFamily="49" charset="0"/>
+              </a:rPr>
+              <a:t> {</a:t>
             </a:r>
           </a:p>
           <a:p>
-            <a:r>
+            <a:br>
               <a:rPr lang="pt-BR" sz="1600" dirty="0">
                 <a:solidFill>
-                  <a:schemeClr val="bg1"/>
-                </a:solidFill>
-                <a:latin typeface="Verdana" panose="020B0604030504040204" pitchFamily="34" charset="0"/>
-                <a:ea typeface="Verdana" panose="020B0604030504040204" pitchFamily="34" charset="0"/>
-              </a:rPr>
-              <a:t>              "</a:t>
+                  <a:srgbClr val="D4D4D4"/>
+                </a:solidFill>
+                <a:latin typeface="Consolas" panose="020B0609020204030204" pitchFamily="49" charset="0"/>
+              </a:rPr>
+            </a:br>
+            <a:r>
+              <a:rPr lang="pt-BR" sz="1600" dirty="0">
+                <a:solidFill>
+                  <a:srgbClr val="D4D4D4"/>
+                </a:solidFill>
+                <a:latin typeface="Consolas" panose="020B0609020204030204" pitchFamily="49" charset="0"/>
+              </a:rPr>
+              <a:t>   </a:t>
             </a:r>
             <a:r>
               <a:rPr lang="pt-BR" sz="1600" dirty="0" err="1">
                 <a:solidFill>
-                  <a:schemeClr val="bg1"/>
-                </a:solidFill>
-                <a:latin typeface="Verdana" panose="020B0604030504040204" pitchFamily="34" charset="0"/>
-                <a:ea typeface="Verdana" panose="020B0604030504040204" pitchFamily="34" charset="0"/>
-              </a:rPr>
-              <a:t>jdbc:postgresql</a:t>
+                  <a:srgbClr val="C586C0"/>
+                </a:solidFill>
+                <a:latin typeface="Consolas" panose="020B0609020204030204" pitchFamily="49" charset="0"/>
+              </a:rPr>
+              <a:t>if</a:t>
             </a:r>
             <a:r>
               <a:rPr lang="pt-BR" sz="1600" dirty="0">
                 <a:solidFill>
-                  <a:schemeClr val="bg1"/>
-                </a:solidFill>
-                <a:latin typeface="Verdana" panose="020B0604030504040204" pitchFamily="34" charset="0"/>
-                <a:ea typeface="Verdana" panose="020B0604030504040204" pitchFamily="34" charset="0"/>
-              </a:rPr>
-              <a:t>://localhost:5432/</a:t>
+                  <a:srgbClr val="D4D4D4"/>
+                </a:solidFill>
+                <a:latin typeface="Consolas" panose="020B0609020204030204" pitchFamily="49" charset="0"/>
+              </a:rPr>
+              <a:t> (!</a:t>
             </a:r>
             <a:r>
               <a:rPr lang="pt-BR" sz="1600" dirty="0" err="1">
                 <a:solidFill>
-                  <a:schemeClr val="bg1"/>
-                </a:solidFill>
-                <a:latin typeface="Verdana" panose="020B0604030504040204" pitchFamily="34" charset="0"/>
-                <a:ea typeface="Verdana" panose="020B0604030504040204" pitchFamily="34" charset="0"/>
-              </a:rPr>
-              <a:t>sgh</a:t>
+                  <a:srgbClr val="9CDCFE"/>
+                </a:solidFill>
+                <a:latin typeface="Consolas" panose="020B0609020204030204" pitchFamily="49" charset="0"/>
+              </a:rPr>
+              <a:t>conn</a:t>
+            </a:r>
+            <a:r>
+              <a:rPr lang="pt-BR" sz="1600" dirty="0" err="1">
+                <a:solidFill>
+                  <a:srgbClr val="D4D4D4"/>
+                </a:solidFill>
+                <a:latin typeface="Consolas" panose="020B0609020204030204" pitchFamily="49" charset="0"/>
+              </a:rPr>
+              <a:t>.</a:t>
+            </a:r>
+            <a:r>
+              <a:rPr lang="pt-BR" sz="1600" dirty="0" err="1">
+                <a:solidFill>
+                  <a:srgbClr val="DCDCAA"/>
+                </a:solidFill>
+                <a:latin typeface="Consolas" panose="020B0609020204030204" pitchFamily="49" charset="0"/>
+              </a:rPr>
+              <a:t>isClosed</a:t>
             </a:r>
             <a:r>
               <a:rPr lang="pt-BR" sz="1600" dirty="0">
                 <a:solidFill>
-                  <a:schemeClr val="bg1"/>
-                </a:solidFill>
-                <a:latin typeface="Verdana" panose="020B0604030504040204" pitchFamily="34" charset="0"/>
-                <a:ea typeface="Verdana" panose="020B0604030504040204" pitchFamily="34" charset="0"/>
-              </a:rPr>
-              <a:t>", </a:t>
+                  <a:srgbClr val="D4D4D4"/>
+                </a:solidFill>
+                <a:latin typeface="Consolas" panose="020B0609020204030204" pitchFamily="49" charset="0"/>
+              </a:rPr>
+              <a:t>()) {</a:t>
             </a:r>
           </a:p>
           <a:p>
             <a:r>
               <a:rPr lang="pt-BR" sz="1600" dirty="0">
                 <a:solidFill>
-                  <a:schemeClr val="bg1"/>
-                </a:solidFill>
-                <a:latin typeface="Verdana" panose="020B0604030504040204" pitchFamily="34" charset="0"/>
-                <a:ea typeface="Verdana" panose="020B0604030504040204" pitchFamily="34" charset="0"/>
-              </a:rPr>
-              <a:t>              "</a:t>
-            </a:r>
-            <a:r>
-              <a:rPr lang="pt-BR" sz="1600" dirty="0" err="1">
-                <a:solidFill>
-                  <a:schemeClr val="bg1"/>
-                </a:solidFill>
-                <a:latin typeface="Verdana" panose="020B0604030504040204" pitchFamily="34" charset="0"/>
-                <a:ea typeface="Verdana" panose="020B0604030504040204" pitchFamily="34" charset="0"/>
-              </a:rPr>
-              <a:t>postgres</a:t>
-            </a:r>
-            <a:r>
-              <a:rPr lang="pt-BR" sz="1600" dirty="0">
-                <a:solidFill>
-                  <a:schemeClr val="bg1"/>
-                </a:solidFill>
-                <a:latin typeface="Verdana" panose="020B0604030504040204" pitchFamily="34" charset="0"/>
-                <a:ea typeface="Verdana" panose="020B0604030504040204" pitchFamily="34" charset="0"/>
-              </a:rPr>
-              <a:t>", "</a:t>
-            </a:r>
-            <a:r>
-              <a:rPr lang="pt-BR" sz="1600" dirty="0" err="1">
-                <a:solidFill>
-                  <a:schemeClr val="bg1"/>
-                </a:solidFill>
-                <a:latin typeface="Verdana" panose="020B0604030504040204" pitchFamily="34" charset="0"/>
-                <a:ea typeface="Verdana" panose="020B0604030504040204" pitchFamily="34" charset="0"/>
-              </a:rPr>
-              <a:t>postgres</a:t>
-            </a:r>
-            <a:r>
-              <a:rPr lang="pt-BR" sz="1600" dirty="0">
-                <a:solidFill>
-                  <a:schemeClr val="bg1"/>
-                </a:solidFill>
-                <a:latin typeface="Verdana" panose="020B0604030504040204" pitchFamily="34" charset="0"/>
-                <a:ea typeface="Verdana" panose="020B0604030504040204" pitchFamily="34" charset="0"/>
-              </a:rPr>
-              <a:t>");</a:t>
+                  <a:srgbClr val="9CDCFE"/>
+                </a:solidFill>
+                <a:latin typeface="Consolas" panose="020B0609020204030204" pitchFamily="49" charset="0"/>
+              </a:rPr>
+              <a:t>      </a:t>
             </a:r>
           </a:p>
           <a:p>
             <a:r>
               <a:rPr lang="pt-BR" sz="1600" dirty="0">
                 <a:solidFill>
-                  <a:schemeClr val="bg1"/>
-                </a:solidFill>
-                <a:latin typeface="Verdana" panose="020B0604030504040204" pitchFamily="34" charset="0"/>
-                <a:ea typeface="Verdana" panose="020B0604030504040204" pitchFamily="34" charset="0"/>
-              </a:rPr>
-              <a:t>            </a:t>
+                  <a:srgbClr val="9CDCFE"/>
+                </a:solidFill>
+                <a:latin typeface="Consolas" panose="020B0609020204030204" pitchFamily="49" charset="0"/>
+              </a:rPr>
+              <a:t>      </a:t>
+            </a:r>
+            <a:r>
+              <a:rPr lang="pt-BR" sz="1600" dirty="0" err="1">
+                <a:solidFill>
+                  <a:srgbClr val="9CDCFE"/>
+                </a:solidFill>
+                <a:latin typeface="Consolas" panose="020B0609020204030204" pitchFamily="49" charset="0"/>
+              </a:rPr>
+              <a:t>conn</a:t>
+            </a:r>
+            <a:r>
+              <a:rPr lang="pt-BR" sz="1600" dirty="0" err="1">
+                <a:solidFill>
+                  <a:srgbClr val="D4D4D4"/>
+                </a:solidFill>
+                <a:latin typeface="Consolas" panose="020B0609020204030204" pitchFamily="49" charset="0"/>
+              </a:rPr>
+              <a:t>.</a:t>
+            </a:r>
+            <a:r>
+              <a:rPr lang="pt-BR" sz="1600" dirty="0" err="1">
+                <a:solidFill>
+                  <a:srgbClr val="DCDCAA"/>
+                </a:solidFill>
+                <a:latin typeface="Consolas" panose="020B0609020204030204" pitchFamily="49" charset="0"/>
+              </a:rPr>
+              <a:t>close</a:t>
+            </a:r>
+            <a:r>
+              <a:rPr lang="pt-BR" sz="1600" dirty="0">
+                <a:solidFill>
+                  <a:srgbClr val="D4D4D4"/>
+                </a:solidFill>
+                <a:latin typeface="Consolas" panose="020B0609020204030204" pitchFamily="49" charset="0"/>
+              </a:rPr>
+              <a:t>();</a:t>
             </a:r>
           </a:p>
           <a:p>
             <a:r>
               <a:rPr lang="pt-BR" sz="1600" dirty="0">
                 <a:solidFill>
-                  <a:schemeClr val="bg1"/>
-                </a:solidFill>
-                <a:latin typeface="Verdana" panose="020B0604030504040204" pitchFamily="34" charset="0"/>
-                <a:ea typeface="Verdana" panose="020B0604030504040204" pitchFamily="34" charset="0"/>
-              </a:rPr>
-              <a:t>     } catch (</a:t>
-            </a:r>
-            <a:r>
-              <a:rPr lang="pt-BR" sz="1600" dirty="0" err="1">
-                <a:solidFill>
-                  <a:schemeClr val="bg1"/>
-                </a:solidFill>
-                <a:latin typeface="Verdana" panose="020B0604030504040204" pitchFamily="34" charset="0"/>
-                <a:ea typeface="Verdana" panose="020B0604030504040204" pitchFamily="34" charset="0"/>
-              </a:rPr>
-              <a:t>SQLException</a:t>
-            </a:r>
-            <a:r>
-              <a:rPr lang="pt-BR" sz="1600" dirty="0">
-                <a:solidFill>
-                  <a:schemeClr val="bg1"/>
-                </a:solidFill>
-                <a:latin typeface="Verdana" panose="020B0604030504040204" pitchFamily="34" charset="0"/>
-                <a:ea typeface="Verdana" panose="020B0604030504040204" pitchFamily="34" charset="0"/>
-              </a:rPr>
-              <a:t> e) {</a:t>
+                  <a:srgbClr val="D4D4D4"/>
+                </a:solidFill>
+                <a:latin typeface="Consolas" panose="020B0609020204030204" pitchFamily="49" charset="0"/>
+              </a:rPr>
+              <a:t>   }</a:t>
             </a:r>
           </a:p>
           <a:p>
-            <a:endParaRPr lang="pt-BR" sz="1600" dirty="0">
-              <a:solidFill>
-                <a:schemeClr val="bg1"/>
-              </a:solidFill>
-              <a:latin typeface="Verdana" panose="020B0604030504040204" pitchFamily="34" charset="0"/>
-              <a:ea typeface="Verdana" panose="020B0604030504040204" pitchFamily="34" charset="0"/>
-            </a:endParaRPr>
-          </a:p>
-          <a:p>
             <a:r>
               <a:rPr lang="pt-BR" sz="1600" dirty="0">
                 <a:solidFill>
-                  <a:schemeClr val="bg1"/>
-                </a:solidFill>
-                <a:latin typeface="Verdana" panose="020B0604030504040204" pitchFamily="34" charset="0"/>
-                <a:ea typeface="Verdana" panose="020B0604030504040204" pitchFamily="34" charset="0"/>
-              </a:rPr>
-              <a:t>        </a:t>
-            </a:r>
-            <a:r>
-              <a:rPr lang="pt-BR" sz="1600" dirty="0" err="1">
-                <a:solidFill>
-                  <a:schemeClr val="bg1"/>
-                </a:solidFill>
-                <a:latin typeface="Verdana" panose="020B0604030504040204" pitchFamily="34" charset="0"/>
-                <a:ea typeface="Verdana" panose="020B0604030504040204" pitchFamily="34" charset="0"/>
-              </a:rPr>
-              <a:t>System.out.println</a:t>
-            </a:r>
-            <a:r>
-              <a:rPr lang="pt-BR" sz="1600" dirty="0">
-                <a:solidFill>
-                  <a:schemeClr val="bg1"/>
-                </a:solidFill>
-                <a:latin typeface="Verdana" panose="020B0604030504040204" pitchFamily="34" charset="0"/>
-                <a:ea typeface="Verdana" panose="020B0604030504040204" pitchFamily="34" charset="0"/>
-              </a:rPr>
-              <a:t>(e);</a:t>
-            </a:r>
-          </a:p>
-          <a:p>
-            <a:r>
-              <a:rPr lang="pt-BR" sz="1600" dirty="0">
-                <a:solidFill>
-                  <a:schemeClr val="bg1"/>
-                </a:solidFill>
-                <a:latin typeface="Verdana" panose="020B0604030504040204" pitchFamily="34" charset="0"/>
-                <a:ea typeface="Verdana" panose="020B0604030504040204" pitchFamily="34" charset="0"/>
-              </a:rPr>
-              <a:t>     } </a:t>
-            </a:r>
-            <a:r>
-              <a:rPr lang="pt-BR" sz="1600" dirty="0" err="1">
-                <a:solidFill>
-                  <a:schemeClr val="bg1"/>
-                </a:solidFill>
-                <a:latin typeface="Verdana" panose="020B0604030504040204" pitchFamily="34" charset="0"/>
-                <a:ea typeface="Verdana" panose="020B0604030504040204" pitchFamily="34" charset="0"/>
-              </a:rPr>
-              <a:t>finally</a:t>
-            </a:r>
-            <a:r>
-              <a:rPr lang="pt-BR" sz="1600" dirty="0">
-                <a:solidFill>
-                  <a:schemeClr val="bg1"/>
-                </a:solidFill>
-                <a:latin typeface="Verdana" panose="020B0604030504040204" pitchFamily="34" charset="0"/>
-                <a:ea typeface="Verdana" panose="020B0604030504040204" pitchFamily="34" charset="0"/>
-              </a:rPr>
-              <a:t> {</a:t>
-            </a:r>
-          </a:p>
-          <a:p>
-            <a:endParaRPr lang="pt-BR" sz="1600" dirty="0">
-              <a:solidFill>
-                <a:schemeClr val="bg1"/>
-              </a:solidFill>
-              <a:latin typeface="Verdana" panose="020B0604030504040204" pitchFamily="34" charset="0"/>
-              <a:ea typeface="Verdana" panose="020B0604030504040204" pitchFamily="34" charset="0"/>
-            </a:endParaRPr>
-          </a:p>
-          <a:p>
-            <a:r>
-              <a:rPr lang="pt-BR" sz="1600" dirty="0">
-                <a:solidFill>
-                  <a:schemeClr val="bg1"/>
-                </a:solidFill>
-                <a:latin typeface="Verdana" panose="020B0604030504040204" pitchFamily="34" charset="0"/>
-                <a:ea typeface="Verdana" panose="020B0604030504040204" pitchFamily="34" charset="0"/>
-              </a:rPr>
-              <a:t>        </a:t>
-            </a:r>
-            <a:r>
-              <a:rPr lang="pt-BR" sz="1600" dirty="0" err="1">
-                <a:solidFill>
-                  <a:schemeClr val="bg1"/>
-                </a:solidFill>
-                <a:latin typeface="Verdana" panose="020B0604030504040204" pitchFamily="34" charset="0"/>
-                <a:ea typeface="Verdana" panose="020B0604030504040204" pitchFamily="34" charset="0"/>
-              </a:rPr>
-              <a:t>if</a:t>
-            </a:r>
-            <a:r>
-              <a:rPr lang="pt-BR" sz="1600" dirty="0">
-                <a:solidFill>
-                  <a:schemeClr val="bg1"/>
-                </a:solidFill>
-                <a:latin typeface="Verdana" panose="020B0604030504040204" pitchFamily="34" charset="0"/>
-                <a:ea typeface="Verdana" panose="020B0604030504040204" pitchFamily="34" charset="0"/>
-              </a:rPr>
-              <a:t> (!</a:t>
-            </a:r>
-            <a:r>
-              <a:rPr lang="pt-BR" sz="1600" dirty="0" err="1">
-                <a:solidFill>
-                  <a:schemeClr val="accent1">
-                    <a:lumMod val="60000"/>
-                    <a:lumOff val="40000"/>
-                  </a:schemeClr>
-                </a:solidFill>
-                <a:latin typeface="Verdana" panose="020B0604030504040204" pitchFamily="34" charset="0"/>
-                <a:ea typeface="Verdana" panose="020B0604030504040204" pitchFamily="34" charset="0"/>
-              </a:rPr>
-              <a:t>conn</a:t>
-            </a:r>
-            <a:r>
-              <a:rPr lang="pt-BR" sz="1600" dirty="0" err="1">
-                <a:solidFill>
-                  <a:schemeClr val="bg1"/>
-                </a:solidFill>
-                <a:latin typeface="Verdana" panose="020B0604030504040204" pitchFamily="34" charset="0"/>
-                <a:ea typeface="Verdana" panose="020B0604030504040204" pitchFamily="34" charset="0"/>
-              </a:rPr>
-              <a:t>.isClosed</a:t>
-            </a:r>
-            <a:r>
-              <a:rPr lang="pt-BR" sz="1600" dirty="0">
-                <a:solidFill>
-                  <a:schemeClr val="bg1"/>
-                </a:solidFill>
-                <a:latin typeface="Verdana" panose="020B0604030504040204" pitchFamily="34" charset="0"/>
-                <a:ea typeface="Verdana" panose="020B0604030504040204" pitchFamily="34" charset="0"/>
-              </a:rPr>
-              <a:t>()) {</a:t>
-            </a:r>
-          </a:p>
-          <a:p>
-            <a:r>
-              <a:rPr lang="pt-BR" sz="1600" dirty="0">
-                <a:solidFill>
-                  <a:schemeClr val="bg1"/>
-                </a:solidFill>
-                <a:latin typeface="Verdana" panose="020B0604030504040204" pitchFamily="34" charset="0"/>
-                <a:ea typeface="Verdana" panose="020B0604030504040204" pitchFamily="34" charset="0"/>
-              </a:rPr>
-              <a:t>           </a:t>
-            </a:r>
-          </a:p>
-          <a:p>
-            <a:r>
-              <a:rPr lang="pt-BR" sz="1600" dirty="0">
-                <a:solidFill>
-                  <a:schemeClr val="bg1"/>
-                </a:solidFill>
-                <a:latin typeface="Verdana" panose="020B0604030504040204" pitchFamily="34" charset="0"/>
-                <a:ea typeface="Verdana" panose="020B0604030504040204" pitchFamily="34" charset="0"/>
-              </a:rPr>
-              <a:t>           </a:t>
-            </a:r>
-            <a:r>
-              <a:rPr lang="pt-BR" sz="1600" dirty="0" err="1">
-                <a:solidFill>
-                  <a:schemeClr val="accent1">
-                    <a:lumMod val="60000"/>
-                    <a:lumOff val="40000"/>
-                  </a:schemeClr>
-                </a:solidFill>
-                <a:latin typeface="Verdana" panose="020B0604030504040204" pitchFamily="34" charset="0"/>
-                <a:ea typeface="Verdana" panose="020B0604030504040204" pitchFamily="34" charset="0"/>
-              </a:rPr>
-              <a:t>conn</a:t>
-            </a:r>
-            <a:r>
-              <a:rPr lang="pt-BR" sz="1600" dirty="0" err="1">
-                <a:solidFill>
-                  <a:schemeClr val="bg1"/>
-                </a:solidFill>
-                <a:latin typeface="Verdana" panose="020B0604030504040204" pitchFamily="34" charset="0"/>
-                <a:ea typeface="Verdana" panose="020B0604030504040204" pitchFamily="34" charset="0"/>
-              </a:rPr>
-              <a:t>.close</a:t>
-            </a:r>
-            <a:r>
-              <a:rPr lang="pt-BR" sz="1600" dirty="0">
-                <a:solidFill>
-                  <a:schemeClr val="bg1"/>
-                </a:solidFill>
-                <a:latin typeface="Verdana" panose="020B0604030504040204" pitchFamily="34" charset="0"/>
-                <a:ea typeface="Verdana" panose="020B0604030504040204" pitchFamily="34" charset="0"/>
-              </a:rPr>
-              <a:t>();</a:t>
-            </a:r>
-          </a:p>
-          <a:p>
-            <a:r>
-              <a:rPr lang="pt-BR" sz="1600" dirty="0">
-                <a:solidFill>
-                  <a:schemeClr val="bg1"/>
-                </a:solidFill>
-                <a:latin typeface="Verdana" panose="020B0604030504040204" pitchFamily="34" charset="0"/>
-                <a:ea typeface="Verdana" panose="020B0604030504040204" pitchFamily="34" charset="0"/>
-              </a:rPr>
-              <a:t>        }</a:t>
-            </a:r>
-          </a:p>
-          <a:p>
-            <a:r>
-              <a:rPr lang="pt-BR" sz="1600" dirty="0">
-                <a:solidFill>
-                  <a:schemeClr val="bg1"/>
-                </a:solidFill>
-                <a:latin typeface="Verdana" panose="020B0604030504040204" pitchFamily="34" charset="0"/>
-                <a:ea typeface="Verdana" panose="020B0604030504040204" pitchFamily="34" charset="0"/>
-              </a:rPr>
-              <a:t>     }</a:t>
+                  <a:srgbClr val="D4D4D4"/>
+                </a:solidFill>
+                <a:latin typeface="Consolas" panose="020B0609020204030204" pitchFamily="49" charset="0"/>
+              </a:rPr>
+              <a:t>}</a:t>
             </a:r>
           </a:p>
         </p:txBody>
@@ -21693,7 +22269,7 @@
         </p:nvSpPr>
         <p:spPr>
           <a:xfrm>
-            <a:off x="7221933" y="2888976"/>
+            <a:off x="6545249" y="2888975"/>
             <a:ext cx="1762539" cy="371049"/>
           </a:xfrm>
           <a:prstGeom prst="rect">
@@ -21799,7 +22375,7 @@
         </p:nvSpPr>
         <p:spPr>
           <a:xfrm>
-            <a:off x="6337766" y="2464904"/>
+            <a:off x="5619377" y="2464903"/>
             <a:ext cx="778651" cy="1219194"/>
           </a:xfrm>
           <a:prstGeom prst="rightBrace">
@@ -22251,13 +22827,34 @@
         <p:spPr>
           <a:xfrm>
             <a:off x="879305" y="1679802"/>
-            <a:ext cx="7946254" cy="3539430"/>
+            <a:ext cx="7946254" cy="4031873"/>
           </a:xfrm>
           <a:prstGeom prst="rect">
             <a:avLst/>
           </a:prstGeom>
-          <a:noFill/>
+          <a:solidFill>
+            <a:schemeClr val="dk1">
+              <a:alpha val="50000"/>
+            </a:schemeClr>
+          </a:solidFill>
+          <a:ln>
+            <a:noFill/>
+          </a:ln>
         </p:spPr>
+        <p:style>
+          <a:lnRef idx="0">
+            <a:scrgbClr r="0" g="0" b="0"/>
+          </a:lnRef>
+          <a:fillRef idx="0">
+            <a:scrgbClr r="0" g="0" b="0"/>
+          </a:fillRef>
+          <a:effectRef idx="0">
+            <a:scrgbClr r="0" g="0" b="0"/>
+          </a:effectRef>
+          <a:fontRef idx="minor">
+            <a:schemeClr val="lt1"/>
+          </a:fontRef>
+        </p:style>
         <p:txBody>
           <a:bodyPr wrap="square" rtlCol="0">
             <a:spAutoFit/>
@@ -22267,449 +22864,510 @@
             <a:r>
               <a:rPr lang="pt-BR" sz="1600" dirty="0">
                 <a:solidFill>
-                  <a:schemeClr val="bg1"/>
-                </a:solidFill>
-                <a:latin typeface="Verdana" panose="020B0604030504040204" pitchFamily="34" charset="0"/>
-                <a:ea typeface="Verdana" panose="020B0604030504040204" pitchFamily="34" charset="0"/>
-              </a:rPr>
-              <a:t>Connection </a:t>
+                  <a:srgbClr val="4EC9B0"/>
+                </a:solidFill>
+                <a:latin typeface="Consolas" panose="020B0609020204030204" pitchFamily="49" charset="0"/>
+              </a:rPr>
+              <a:t>Connection</a:t>
+            </a:r>
+            <a:r>
+              <a:rPr lang="pt-BR" sz="1600" dirty="0">
+                <a:solidFill>
+                  <a:srgbClr val="D4D4D4"/>
+                </a:solidFill>
+                <a:latin typeface="Consolas" panose="020B0609020204030204" pitchFamily="49" charset="0"/>
+              </a:rPr>
+              <a:t> </a:t>
             </a:r>
             <a:r>
               <a:rPr lang="pt-BR" sz="1600" dirty="0" err="1">
                 <a:solidFill>
-                  <a:schemeClr val="bg1"/>
-                </a:solidFill>
-                <a:latin typeface="Verdana" panose="020B0604030504040204" pitchFamily="34" charset="0"/>
-                <a:ea typeface="Verdana" panose="020B0604030504040204" pitchFamily="34" charset="0"/>
+                  <a:srgbClr val="9CDCFE"/>
+                </a:solidFill>
+                <a:latin typeface="Consolas" panose="020B0609020204030204" pitchFamily="49" charset="0"/>
               </a:rPr>
               <a:t>conn</a:t>
             </a:r>
             <a:r>
               <a:rPr lang="pt-BR" sz="1600" dirty="0">
                 <a:solidFill>
-                  <a:schemeClr val="bg1"/>
-                </a:solidFill>
-                <a:latin typeface="Verdana" panose="020B0604030504040204" pitchFamily="34" charset="0"/>
-                <a:ea typeface="Verdana" panose="020B0604030504040204" pitchFamily="34" charset="0"/>
+                  <a:srgbClr val="D4D4D4"/>
+                </a:solidFill>
+                <a:latin typeface="Consolas" panose="020B0609020204030204" pitchFamily="49" charset="0"/>
               </a:rPr>
               <a:t> = </a:t>
             </a:r>
             <a:r>
               <a:rPr lang="pt-BR" sz="1600" dirty="0" err="1">
                 <a:solidFill>
-                  <a:schemeClr val="bg1"/>
-                </a:solidFill>
-                <a:latin typeface="Verdana" panose="020B0604030504040204" pitchFamily="34" charset="0"/>
-                <a:ea typeface="Verdana" panose="020B0604030504040204" pitchFamily="34" charset="0"/>
+                  <a:srgbClr val="569CD6"/>
+                </a:solidFill>
+                <a:latin typeface="Consolas" panose="020B0609020204030204" pitchFamily="49" charset="0"/>
               </a:rPr>
               <a:t>null</a:t>
             </a:r>
             <a:r>
               <a:rPr lang="pt-BR" sz="1600" dirty="0">
                 <a:solidFill>
-                  <a:schemeClr val="bg1"/>
-                </a:solidFill>
-                <a:latin typeface="Verdana" panose="020B0604030504040204" pitchFamily="34" charset="0"/>
-                <a:ea typeface="Verdana" panose="020B0604030504040204" pitchFamily="34" charset="0"/>
+                  <a:srgbClr val="D4D4D4"/>
+                </a:solidFill>
+                <a:latin typeface="Consolas" panose="020B0609020204030204" pitchFamily="49" charset="0"/>
               </a:rPr>
               <a:t>;</a:t>
             </a:r>
           </a:p>
           <a:p>
+            <a:br>
+              <a:rPr lang="pt-BR" sz="1600" dirty="0">
+                <a:solidFill>
+                  <a:srgbClr val="D4D4D4"/>
+                </a:solidFill>
+                <a:latin typeface="Consolas" panose="020B0609020204030204" pitchFamily="49" charset="0"/>
+              </a:rPr>
+            </a:br>
+            <a:r>
+              <a:rPr lang="pt-BR" sz="1600" dirty="0" err="1">
+                <a:solidFill>
+                  <a:srgbClr val="C586C0"/>
+                </a:solidFill>
+                <a:latin typeface="Consolas" panose="020B0609020204030204" pitchFamily="49" charset="0"/>
+              </a:rPr>
+              <a:t>try</a:t>
+            </a:r>
+            <a:r>
+              <a:rPr lang="pt-BR" sz="1600" dirty="0">
+                <a:solidFill>
+                  <a:srgbClr val="D4D4D4"/>
+                </a:solidFill>
+                <a:latin typeface="Consolas" panose="020B0609020204030204" pitchFamily="49" charset="0"/>
+              </a:rPr>
+              <a:t> {</a:t>
+            </a:r>
+          </a:p>
+          <a:p>
+            <a:br>
+              <a:rPr lang="pt-BR" sz="1600" dirty="0">
+                <a:solidFill>
+                  <a:srgbClr val="D4D4D4"/>
+                </a:solidFill>
+                <a:latin typeface="Consolas" panose="020B0609020204030204" pitchFamily="49" charset="0"/>
+              </a:rPr>
+            </a:br>
+            <a:r>
+              <a:rPr lang="pt-BR" sz="1600" dirty="0">
+                <a:solidFill>
+                  <a:srgbClr val="D4D4D4"/>
+                </a:solidFill>
+                <a:latin typeface="Consolas" panose="020B0609020204030204" pitchFamily="49" charset="0"/>
+              </a:rPr>
+              <a:t>   </a:t>
+            </a:r>
+            <a:r>
+              <a:rPr lang="pt-BR" sz="1600" dirty="0" err="1">
+                <a:solidFill>
+                  <a:srgbClr val="D4D4D4"/>
+                </a:solidFill>
+                <a:latin typeface="Consolas" panose="020B0609020204030204" pitchFamily="49" charset="0"/>
+              </a:rPr>
+              <a:t>conn</a:t>
+            </a:r>
+            <a:r>
+              <a:rPr lang="pt-BR" sz="1600" dirty="0">
+                <a:solidFill>
+                  <a:srgbClr val="D4D4D4"/>
+                </a:solidFill>
+                <a:latin typeface="Consolas" panose="020B0609020204030204" pitchFamily="49" charset="0"/>
+              </a:rPr>
+              <a:t> = </a:t>
+            </a:r>
+            <a:r>
+              <a:rPr lang="pt-BR" sz="1600" dirty="0" err="1">
+                <a:solidFill>
+                  <a:srgbClr val="9CDCFE"/>
+                </a:solidFill>
+                <a:latin typeface="Consolas" panose="020B0609020204030204" pitchFamily="49" charset="0"/>
+              </a:rPr>
+              <a:t>DriverManager</a:t>
+            </a:r>
+            <a:r>
+              <a:rPr lang="pt-BR" sz="1600" dirty="0" err="1">
+                <a:solidFill>
+                  <a:srgbClr val="D4D4D4"/>
+                </a:solidFill>
+                <a:latin typeface="Consolas" panose="020B0609020204030204" pitchFamily="49" charset="0"/>
+              </a:rPr>
+              <a:t>.</a:t>
+            </a:r>
+            <a:r>
+              <a:rPr lang="pt-BR" sz="1600" dirty="0" err="1">
+                <a:solidFill>
+                  <a:srgbClr val="DCDCAA"/>
+                </a:solidFill>
+                <a:latin typeface="Consolas" panose="020B0609020204030204" pitchFamily="49" charset="0"/>
+              </a:rPr>
+              <a:t>getConnection</a:t>
+            </a:r>
+            <a:r>
+              <a:rPr lang="pt-BR" sz="1600" dirty="0">
+                <a:solidFill>
+                  <a:srgbClr val="D4D4D4"/>
+                </a:solidFill>
+                <a:latin typeface="Consolas" panose="020B0609020204030204" pitchFamily="49" charset="0"/>
+              </a:rPr>
+              <a:t>(</a:t>
+            </a:r>
+          </a:p>
+          <a:p>
+            <a:r>
+              <a:rPr lang="pt-BR" sz="1600" dirty="0">
+                <a:solidFill>
+                  <a:srgbClr val="CE9178"/>
+                </a:solidFill>
+                <a:latin typeface="Consolas" panose="020B0609020204030204" pitchFamily="49" charset="0"/>
+              </a:rPr>
+              <a:t>   "</a:t>
+            </a:r>
+            <a:r>
+              <a:rPr lang="pt-BR" sz="1600" dirty="0" err="1">
+                <a:solidFill>
+                  <a:srgbClr val="CE9178"/>
+                </a:solidFill>
+                <a:latin typeface="Consolas" panose="020B0609020204030204" pitchFamily="49" charset="0"/>
+              </a:rPr>
+              <a:t>jdbc:postgresql</a:t>
+            </a:r>
+            <a:r>
+              <a:rPr lang="pt-BR" sz="1600" dirty="0">
+                <a:solidFill>
+                  <a:srgbClr val="CE9178"/>
+                </a:solidFill>
+                <a:latin typeface="Consolas" panose="020B0609020204030204" pitchFamily="49" charset="0"/>
+              </a:rPr>
+              <a:t>://localhost:5432/</a:t>
+            </a:r>
+            <a:r>
+              <a:rPr lang="pt-BR" sz="1600" dirty="0" err="1">
+                <a:solidFill>
+                  <a:srgbClr val="CE9178"/>
+                </a:solidFill>
+                <a:latin typeface="Consolas" panose="020B0609020204030204" pitchFamily="49" charset="0"/>
+              </a:rPr>
+              <a:t>sgh</a:t>
+            </a:r>
+            <a:r>
+              <a:rPr lang="pt-BR" sz="1600" dirty="0">
+                <a:solidFill>
+                  <a:srgbClr val="CE9178"/>
+                </a:solidFill>
+                <a:latin typeface="Consolas" panose="020B0609020204030204" pitchFamily="49" charset="0"/>
+              </a:rPr>
+              <a:t>"</a:t>
+            </a:r>
+            <a:r>
+              <a:rPr lang="pt-BR" sz="1600" dirty="0">
+                <a:solidFill>
+                  <a:srgbClr val="D4D4D4"/>
+                </a:solidFill>
+                <a:latin typeface="Consolas" panose="020B0609020204030204" pitchFamily="49" charset="0"/>
+              </a:rPr>
+              <a:t>, </a:t>
+            </a:r>
+            <a:r>
+              <a:rPr lang="pt-BR" sz="1600" dirty="0">
+                <a:solidFill>
+                  <a:srgbClr val="CE9178"/>
+                </a:solidFill>
+                <a:latin typeface="Consolas" panose="020B0609020204030204" pitchFamily="49" charset="0"/>
+              </a:rPr>
+              <a:t>"</a:t>
+            </a:r>
+            <a:r>
+              <a:rPr lang="pt-BR" sz="1600" dirty="0" err="1">
+                <a:solidFill>
+                  <a:srgbClr val="CE9178"/>
+                </a:solidFill>
+                <a:latin typeface="Consolas" panose="020B0609020204030204" pitchFamily="49" charset="0"/>
+              </a:rPr>
+              <a:t>postgres</a:t>
+            </a:r>
+            <a:r>
+              <a:rPr lang="pt-BR" sz="1600" dirty="0">
+                <a:solidFill>
+                  <a:srgbClr val="CE9178"/>
+                </a:solidFill>
+                <a:latin typeface="Consolas" panose="020B0609020204030204" pitchFamily="49" charset="0"/>
+              </a:rPr>
+              <a:t>"</a:t>
+            </a:r>
+            <a:r>
+              <a:rPr lang="pt-BR" sz="1600" dirty="0">
+                <a:solidFill>
+                  <a:srgbClr val="D4D4D4"/>
+                </a:solidFill>
+                <a:latin typeface="Consolas" panose="020B0609020204030204" pitchFamily="49" charset="0"/>
+              </a:rPr>
+              <a:t>, </a:t>
+            </a:r>
+            <a:r>
+              <a:rPr lang="pt-BR" sz="1600" dirty="0">
+                <a:solidFill>
+                  <a:srgbClr val="CE9178"/>
+                </a:solidFill>
+                <a:latin typeface="Consolas" panose="020B0609020204030204" pitchFamily="49" charset="0"/>
+              </a:rPr>
+              <a:t>"</a:t>
+            </a:r>
+            <a:r>
+              <a:rPr lang="pt-BR" sz="1600" dirty="0" err="1">
+                <a:solidFill>
+                  <a:srgbClr val="CE9178"/>
+                </a:solidFill>
+                <a:latin typeface="Consolas" panose="020B0609020204030204" pitchFamily="49" charset="0"/>
+              </a:rPr>
+              <a:t>postgres</a:t>
+            </a:r>
+            <a:r>
+              <a:rPr lang="pt-BR" sz="1600" dirty="0">
+                <a:solidFill>
+                  <a:srgbClr val="CE9178"/>
+                </a:solidFill>
+                <a:latin typeface="Consolas" panose="020B0609020204030204" pitchFamily="49" charset="0"/>
+              </a:rPr>
+              <a:t>"</a:t>
+            </a:r>
+            <a:r>
+              <a:rPr lang="pt-BR" sz="1600" dirty="0">
+                <a:solidFill>
+                  <a:srgbClr val="D4D4D4"/>
+                </a:solidFill>
+                <a:latin typeface="Consolas" panose="020B0609020204030204" pitchFamily="49" charset="0"/>
+              </a:rPr>
+              <a:t>);</a:t>
+            </a:r>
+          </a:p>
+          <a:p>
+            <a:br>
+              <a:rPr lang="pt-BR" sz="1600" dirty="0">
+                <a:solidFill>
+                  <a:srgbClr val="D4D4D4"/>
+                </a:solidFill>
+                <a:latin typeface="Consolas" panose="020B0609020204030204" pitchFamily="49" charset="0"/>
+              </a:rPr>
+            </a:br>
+            <a:r>
+              <a:rPr lang="pt-BR" sz="1600" dirty="0">
+                <a:solidFill>
+                  <a:srgbClr val="D4D4D4"/>
+                </a:solidFill>
+                <a:latin typeface="Consolas" panose="020B0609020204030204" pitchFamily="49" charset="0"/>
+              </a:rPr>
+              <a:t>   </a:t>
+            </a:r>
+            <a:r>
+              <a:rPr lang="pt-BR" sz="1600" dirty="0" err="1">
+                <a:solidFill>
+                  <a:srgbClr val="4EC9B0"/>
+                </a:solidFill>
+                <a:latin typeface="Consolas" panose="020B0609020204030204" pitchFamily="49" charset="0"/>
+              </a:rPr>
+              <a:t>Statement</a:t>
+            </a:r>
+            <a:r>
+              <a:rPr lang="pt-BR" sz="1600" dirty="0">
+                <a:solidFill>
+                  <a:srgbClr val="D4D4D4"/>
+                </a:solidFill>
+                <a:latin typeface="Consolas" panose="020B0609020204030204" pitchFamily="49" charset="0"/>
+              </a:rPr>
+              <a:t> </a:t>
+            </a:r>
+            <a:r>
+              <a:rPr lang="pt-BR" sz="1600" dirty="0" err="1">
+                <a:solidFill>
+                  <a:srgbClr val="9CDCFE"/>
+                </a:solidFill>
+                <a:latin typeface="Consolas" panose="020B0609020204030204" pitchFamily="49" charset="0"/>
+              </a:rPr>
+              <a:t>stmt</a:t>
+            </a:r>
+            <a:r>
+              <a:rPr lang="pt-BR" sz="1600" dirty="0">
+                <a:solidFill>
+                  <a:srgbClr val="D4D4D4"/>
+                </a:solidFill>
+                <a:latin typeface="Consolas" panose="020B0609020204030204" pitchFamily="49" charset="0"/>
+              </a:rPr>
+              <a:t> = </a:t>
+            </a:r>
+            <a:r>
+              <a:rPr lang="pt-BR" sz="1600" dirty="0" err="1">
+                <a:solidFill>
+                  <a:srgbClr val="9CDCFE"/>
+                </a:solidFill>
+                <a:latin typeface="Consolas" panose="020B0609020204030204" pitchFamily="49" charset="0"/>
+              </a:rPr>
+              <a:t>conn</a:t>
+            </a:r>
+            <a:r>
+              <a:rPr lang="pt-BR" sz="1600" dirty="0" err="1">
+                <a:solidFill>
+                  <a:srgbClr val="D4D4D4"/>
+                </a:solidFill>
+                <a:latin typeface="Consolas" panose="020B0609020204030204" pitchFamily="49" charset="0"/>
+              </a:rPr>
+              <a:t>.</a:t>
+            </a:r>
+            <a:r>
+              <a:rPr lang="pt-BR" sz="1600" dirty="0" err="1">
+                <a:solidFill>
+                  <a:srgbClr val="DCDCAA"/>
+                </a:solidFill>
+                <a:latin typeface="Consolas" panose="020B0609020204030204" pitchFamily="49" charset="0"/>
+              </a:rPr>
+              <a:t>createStatement</a:t>
+            </a:r>
+            <a:r>
+              <a:rPr lang="pt-BR" sz="1600" dirty="0">
+                <a:solidFill>
+                  <a:srgbClr val="D4D4D4"/>
+                </a:solidFill>
+                <a:latin typeface="Consolas" panose="020B0609020204030204" pitchFamily="49" charset="0"/>
+              </a:rPr>
+              <a:t>(</a:t>
+            </a:r>
+            <a:r>
+              <a:rPr lang="pt-BR" sz="1600" dirty="0">
+                <a:solidFill>
+                  <a:srgbClr val="CE9178"/>
+                </a:solidFill>
+                <a:latin typeface="Consolas" panose="020B0609020204030204" pitchFamily="49" charset="0"/>
+              </a:rPr>
+              <a:t>"SELECT * </a:t>
+            </a:r>
+            <a:r>
+              <a:rPr lang="pt-BR" sz="1600" dirty="0" err="1">
+                <a:solidFill>
+                  <a:srgbClr val="CE9178"/>
+                </a:solidFill>
+                <a:latin typeface="Consolas" panose="020B0609020204030204" pitchFamily="49" charset="0"/>
+              </a:rPr>
+              <a:t>from</a:t>
+            </a:r>
+            <a:r>
+              <a:rPr lang="pt-BR" sz="1600" dirty="0">
+                <a:solidFill>
+                  <a:srgbClr val="CE9178"/>
+                </a:solidFill>
+                <a:latin typeface="Consolas" panose="020B0609020204030204" pitchFamily="49" charset="0"/>
+              </a:rPr>
+              <a:t> </a:t>
+            </a:r>
+            <a:r>
+              <a:rPr lang="pt-BR" sz="1600" dirty="0" err="1">
+                <a:solidFill>
+                  <a:srgbClr val="CE9178"/>
+                </a:solidFill>
+                <a:latin typeface="Consolas" panose="020B0609020204030204" pitchFamily="49" charset="0"/>
+              </a:rPr>
+              <a:t>guest</a:t>
+            </a:r>
+            <a:r>
+              <a:rPr lang="pt-BR" sz="1600" dirty="0">
+                <a:solidFill>
+                  <a:srgbClr val="CE9178"/>
+                </a:solidFill>
+                <a:latin typeface="Consolas" panose="020B0609020204030204" pitchFamily="49" charset="0"/>
+              </a:rPr>
+              <a:t>"</a:t>
+            </a:r>
+            <a:r>
+              <a:rPr lang="pt-BR" sz="1600" dirty="0">
+                <a:solidFill>
+                  <a:srgbClr val="D4D4D4"/>
+                </a:solidFill>
+                <a:latin typeface="Consolas" panose="020B0609020204030204" pitchFamily="49" charset="0"/>
+              </a:rPr>
+              <a:t>);</a:t>
+            </a:r>
+          </a:p>
+          <a:p>
+            <a:br>
+              <a:rPr lang="pt-BR" sz="1600" dirty="0">
+                <a:solidFill>
+                  <a:srgbClr val="D4D4D4"/>
+                </a:solidFill>
+                <a:latin typeface="Consolas" panose="020B0609020204030204" pitchFamily="49" charset="0"/>
+              </a:rPr>
+            </a:br>
+            <a:r>
+              <a:rPr lang="pt-BR" sz="1600" dirty="0">
+                <a:solidFill>
+                  <a:srgbClr val="D4D4D4"/>
+                </a:solidFill>
+                <a:latin typeface="Consolas" panose="020B0609020204030204" pitchFamily="49" charset="0"/>
+              </a:rPr>
+              <a:t>.</a:t>
+            </a:r>
+          </a:p>
+          <a:p>
+            <a:r>
+              <a:rPr lang="pt-BR" sz="1600" dirty="0">
+                <a:solidFill>
+                  <a:srgbClr val="D4D4D4"/>
+                </a:solidFill>
+                <a:latin typeface="Consolas" panose="020B0609020204030204" pitchFamily="49" charset="0"/>
+              </a:rPr>
+              <a:t>.</a:t>
+            </a:r>
+          </a:p>
+          <a:p>
+            <a:r>
+              <a:rPr lang="pt-BR" sz="1600" dirty="0">
+                <a:solidFill>
+                  <a:srgbClr val="D4D4D4"/>
+                </a:solidFill>
+                <a:latin typeface="Consolas" panose="020B0609020204030204" pitchFamily="49" charset="0"/>
+              </a:rPr>
+              <a:t>.</a:t>
+            </a:r>
+          </a:p>
+          <a:p>
+            <a:r>
+              <a:rPr lang="pt-BR" sz="1600" dirty="0">
+                <a:solidFill>
+                  <a:srgbClr val="D4D4D4"/>
+                </a:solidFill>
+                <a:latin typeface="Consolas" panose="020B0609020204030204" pitchFamily="49" charset="0"/>
+              </a:rPr>
+              <a:t>.</a:t>
+            </a:r>
+          </a:p>
+          <a:p>
+            <a:r>
+              <a:rPr lang="pt-BR" sz="1600" dirty="0">
+                <a:solidFill>
+                  <a:srgbClr val="D4D4D4"/>
+                </a:solidFill>
+                <a:latin typeface="Consolas" panose="020B0609020204030204" pitchFamily="49" charset="0"/>
+              </a:rPr>
+              <a:t>.</a:t>
+            </a:r>
+          </a:p>
+          <a:p>
+            <a:br>
+              <a:rPr lang="pt-BR" sz="1600" dirty="0">
+                <a:solidFill>
+                  <a:srgbClr val="D4D4D4"/>
+                </a:solidFill>
+                <a:latin typeface="Consolas" panose="020B0609020204030204" pitchFamily="49" charset="0"/>
+              </a:rPr>
+            </a:br>
             <a:endParaRPr lang="pt-BR" sz="1600" dirty="0">
               <a:solidFill>
-                <a:schemeClr val="bg1"/>
+                <a:srgbClr val="D4D4D4"/>
               </a:solidFill>
-              <a:latin typeface="Verdana" panose="020B0604030504040204" pitchFamily="34" charset="0"/>
-              <a:ea typeface="Verdana" panose="020B0604030504040204" pitchFamily="34" charset="0"/>
+              <a:latin typeface="Consolas" panose="020B0609020204030204" pitchFamily="49" charset="0"/>
             </a:endParaRPr>
-          </a:p>
-          <a:p>
-            <a:r>
-              <a:rPr lang="pt-BR" sz="1600" dirty="0" err="1">
-                <a:solidFill>
-                  <a:schemeClr val="bg1"/>
-                </a:solidFill>
-                <a:latin typeface="Verdana" panose="020B0604030504040204" pitchFamily="34" charset="0"/>
-                <a:ea typeface="Verdana" panose="020B0604030504040204" pitchFamily="34" charset="0"/>
-              </a:rPr>
-              <a:t>try</a:t>
-            </a:r>
-            <a:r>
-              <a:rPr lang="pt-BR" sz="1600" dirty="0">
-                <a:solidFill>
-                  <a:schemeClr val="bg1"/>
-                </a:solidFill>
-                <a:latin typeface="Verdana" panose="020B0604030504040204" pitchFamily="34" charset="0"/>
-                <a:ea typeface="Verdana" panose="020B0604030504040204" pitchFamily="34" charset="0"/>
-              </a:rPr>
-              <a:t> {</a:t>
-            </a:r>
-          </a:p>
-          <a:p>
-            <a:endParaRPr lang="pt-BR" sz="1600" dirty="0">
-              <a:solidFill>
-                <a:schemeClr val="bg1"/>
-              </a:solidFill>
-              <a:latin typeface="Verdana" panose="020B0604030504040204" pitchFamily="34" charset="0"/>
-              <a:ea typeface="Verdana" panose="020B0604030504040204" pitchFamily="34" charset="0"/>
-            </a:endParaRPr>
-          </a:p>
-          <a:p>
-            <a:r>
-              <a:rPr lang="pt-BR" sz="1600" dirty="0">
-                <a:solidFill>
-                  <a:schemeClr val="bg1"/>
-                </a:solidFill>
-                <a:latin typeface="Verdana" panose="020B0604030504040204" pitchFamily="34" charset="0"/>
-                <a:ea typeface="Verdana" panose="020B0604030504040204" pitchFamily="34" charset="0"/>
-              </a:rPr>
-              <a:t>   </a:t>
-            </a:r>
-            <a:r>
-              <a:rPr lang="pt-BR" sz="1600" dirty="0" err="1">
-                <a:solidFill>
-                  <a:schemeClr val="bg1"/>
-                </a:solidFill>
-                <a:latin typeface="Verdana" panose="020B0604030504040204" pitchFamily="34" charset="0"/>
-                <a:ea typeface="Verdana" panose="020B0604030504040204" pitchFamily="34" charset="0"/>
-              </a:rPr>
-              <a:t>conn</a:t>
-            </a:r>
-            <a:r>
-              <a:rPr lang="pt-BR" sz="1600" dirty="0">
-                <a:solidFill>
-                  <a:schemeClr val="bg1"/>
-                </a:solidFill>
-                <a:latin typeface="Verdana" panose="020B0604030504040204" pitchFamily="34" charset="0"/>
-                <a:ea typeface="Verdana" panose="020B0604030504040204" pitchFamily="34" charset="0"/>
-              </a:rPr>
-              <a:t> = </a:t>
-            </a:r>
-            <a:r>
-              <a:rPr lang="pt-BR" sz="1600" dirty="0" err="1">
-                <a:solidFill>
-                  <a:schemeClr val="bg1"/>
-                </a:solidFill>
-                <a:latin typeface="Verdana" panose="020B0604030504040204" pitchFamily="34" charset="0"/>
-                <a:ea typeface="Verdana" panose="020B0604030504040204" pitchFamily="34" charset="0"/>
-              </a:rPr>
-              <a:t>DriverManager.getConnection</a:t>
-            </a:r>
-            <a:r>
-              <a:rPr lang="pt-BR" sz="1600" dirty="0">
-                <a:solidFill>
-                  <a:schemeClr val="bg1"/>
-                </a:solidFill>
-                <a:latin typeface="Verdana" panose="020B0604030504040204" pitchFamily="34" charset="0"/>
-                <a:ea typeface="Verdana" panose="020B0604030504040204" pitchFamily="34" charset="0"/>
-              </a:rPr>
-              <a:t>(</a:t>
-            </a:r>
-          </a:p>
-          <a:p>
-            <a:r>
-              <a:rPr lang="pt-BR" sz="1600" dirty="0">
-                <a:solidFill>
-                  <a:schemeClr val="bg1"/>
-                </a:solidFill>
-                <a:latin typeface="Verdana" panose="020B0604030504040204" pitchFamily="34" charset="0"/>
-                <a:ea typeface="Verdana" panose="020B0604030504040204" pitchFamily="34" charset="0"/>
-              </a:rPr>
-              <a:t>              "</a:t>
-            </a:r>
-            <a:r>
-              <a:rPr lang="pt-BR" sz="1600" dirty="0" err="1">
-                <a:solidFill>
-                  <a:schemeClr val="bg1"/>
-                </a:solidFill>
-                <a:latin typeface="Verdana" panose="020B0604030504040204" pitchFamily="34" charset="0"/>
-                <a:ea typeface="Verdana" panose="020B0604030504040204" pitchFamily="34" charset="0"/>
-              </a:rPr>
-              <a:t>jdbc:postgresql</a:t>
-            </a:r>
-            <a:r>
-              <a:rPr lang="pt-BR" sz="1600" dirty="0">
-                <a:solidFill>
-                  <a:schemeClr val="bg1"/>
-                </a:solidFill>
-                <a:latin typeface="Verdana" panose="020B0604030504040204" pitchFamily="34" charset="0"/>
-                <a:ea typeface="Verdana" panose="020B0604030504040204" pitchFamily="34" charset="0"/>
-              </a:rPr>
-              <a:t>://localhost:5432/</a:t>
-            </a:r>
-            <a:r>
-              <a:rPr lang="pt-BR" sz="1600" dirty="0" err="1">
-                <a:solidFill>
-                  <a:schemeClr val="bg1"/>
-                </a:solidFill>
-                <a:latin typeface="Verdana" panose="020B0604030504040204" pitchFamily="34" charset="0"/>
-                <a:ea typeface="Verdana" panose="020B0604030504040204" pitchFamily="34" charset="0"/>
-              </a:rPr>
-              <a:t>sgh</a:t>
-            </a:r>
-            <a:r>
-              <a:rPr lang="pt-BR" sz="1600" dirty="0">
-                <a:solidFill>
-                  <a:schemeClr val="bg1"/>
-                </a:solidFill>
-                <a:latin typeface="Verdana" panose="020B0604030504040204" pitchFamily="34" charset="0"/>
-                <a:ea typeface="Verdana" panose="020B0604030504040204" pitchFamily="34" charset="0"/>
-              </a:rPr>
-              <a:t>", "</a:t>
-            </a:r>
-            <a:r>
-              <a:rPr lang="pt-BR" sz="1600" dirty="0" err="1">
-                <a:solidFill>
-                  <a:schemeClr val="bg1"/>
-                </a:solidFill>
-                <a:latin typeface="Verdana" panose="020B0604030504040204" pitchFamily="34" charset="0"/>
-                <a:ea typeface="Verdana" panose="020B0604030504040204" pitchFamily="34" charset="0"/>
-              </a:rPr>
-              <a:t>postgres</a:t>
-            </a:r>
-            <a:r>
-              <a:rPr lang="pt-BR" sz="1600" dirty="0">
-                <a:solidFill>
-                  <a:schemeClr val="bg1"/>
-                </a:solidFill>
-                <a:latin typeface="Verdana" panose="020B0604030504040204" pitchFamily="34" charset="0"/>
-                <a:ea typeface="Verdana" panose="020B0604030504040204" pitchFamily="34" charset="0"/>
-              </a:rPr>
-              <a:t>", "</a:t>
-            </a:r>
-            <a:r>
-              <a:rPr lang="pt-BR" sz="1600" dirty="0" err="1">
-                <a:solidFill>
-                  <a:schemeClr val="bg1"/>
-                </a:solidFill>
-                <a:latin typeface="Verdana" panose="020B0604030504040204" pitchFamily="34" charset="0"/>
-                <a:ea typeface="Verdana" panose="020B0604030504040204" pitchFamily="34" charset="0"/>
-              </a:rPr>
-              <a:t>postgres</a:t>
-            </a:r>
-            <a:r>
-              <a:rPr lang="pt-BR" sz="1600" dirty="0">
-                <a:solidFill>
-                  <a:schemeClr val="bg1"/>
-                </a:solidFill>
-                <a:latin typeface="Verdana" panose="020B0604030504040204" pitchFamily="34" charset="0"/>
-                <a:ea typeface="Verdana" panose="020B0604030504040204" pitchFamily="34" charset="0"/>
-              </a:rPr>
-              <a:t>");</a:t>
-            </a:r>
-          </a:p>
-          <a:p>
-            <a:endParaRPr lang="pt-BR" sz="1600" dirty="0">
-              <a:solidFill>
-                <a:schemeClr val="bg1"/>
-              </a:solidFill>
-              <a:latin typeface="Verdana" panose="020B0604030504040204" pitchFamily="34" charset="0"/>
-              <a:ea typeface="Verdana" panose="020B0604030504040204" pitchFamily="34" charset="0"/>
-            </a:endParaRPr>
-          </a:p>
-          <a:p>
-            <a:r>
-              <a:rPr lang="pt-BR" sz="1600" dirty="0">
-                <a:solidFill>
-                  <a:schemeClr val="bg1"/>
-                </a:solidFill>
-                <a:latin typeface="Verdana" panose="020B0604030504040204" pitchFamily="34" charset="0"/>
-                <a:ea typeface="Verdana" panose="020B0604030504040204" pitchFamily="34" charset="0"/>
-              </a:rPr>
-              <a:t>   </a:t>
-            </a:r>
-            <a:r>
-              <a:rPr lang="pt-BR" sz="1600" dirty="0" err="1">
-                <a:solidFill>
-                  <a:schemeClr val="accent1">
-                    <a:lumMod val="60000"/>
-                    <a:lumOff val="40000"/>
-                  </a:schemeClr>
-                </a:solidFill>
-                <a:latin typeface="Verdana" panose="020B0604030504040204" pitchFamily="34" charset="0"/>
-                <a:ea typeface="Verdana" panose="020B0604030504040204" pitchFamily="34" charset="0"/>
-              </a:rPr>
-              <a:t>Statement</a:t>
-            </a:r>
-            <a:r>
-              <a:rPr lang="pt-BR" sz="1600" dirty="0">
-                <a:solidFill>
-                  <a:schemeClr val="accent1">
-                    <a:lumMod val="60000"/>
-                    <a:lumOff val="40000"/>
-                  </a:schemeClr>
-                </a:solidFill>
-                <a:latin typeface="Verdana" panose="020B0604030504040204" pitchFamily="34" charset="0"/>
-                <a:ea typeface="Verdana" panose="020B0604030504040204" pitchFamily="34" charset="0"/>
-              </a:rPr>
-              <a:t> </a:t>
-            </a:r>
-            <a:r>
-              <a:rPr lang="pt-BR" sz="1600" dirty="0" err="1">
-                <a:solidFill>
-                  <a:schemeClr val="accent1">
-                    <a:lumMod val="60000"/>
-                    <a:lumOff val="40000"/>
-                  </a:schemeClr>
-                </a:solidFill>
-                <a:latin typeface="Verdana" panose="020B0604030504040204" pitchFamily="34" charset="0"/>
-                <a:ea typeface="Verdana" panose="020B0604030504040204" pitchFamily="34" charset="0"/>
-              </a:rPr>
-              <a:t>stmt</a:t>
-            </a:r>
-            <a:r>
-              <a:rPr lang="pt-BR" sz="1600" dirty="0">
-                <a:solidFill>
-                  <a:schemeClr val="accent1">
-                    <a:lumMod val="60000"/>
-                    <a:lumOff val="40000"/>
-                  </a:schemeClr>
-                </a:solidFill>
-                <a:latin typeface="Verdana" panose="020B0604030504040204" pitchFamily="34" charset="0"/>
-                <a:ea typeface="Verdana" panose="020B0604030504040204" pitchFamily="34" charset="0"/>
-              </a:rPr>
-              <a:t> </a:t>
-            </a:r>
-            <a:r>
-              <a:rPr lang="pt-BR" sz="1600" dirty="0">
-                <a:solidFill>
-                  <a:schemeClr val="bg1"/>
-                </a:solidFill>
-                <a:latin typeface="Verdana" panose="020B0604030504040204" pitchFamily="34" charset="0"/>
-                <a:ea typeface="Verdana" panose="020B0604030504040204" pitchFamily="34" charset="0"/>
-              </a:rPr>
-              <a:t>= </a:t>
-            </a:r>
-            <a:r>
-              <a:rPr lang="pt-BR" sz="1600" dirty="0" err="1">
-                <a:solidFill>
-                  <a:schemeClr val="bg1"/>
-                </a:solidFill>
-                <a:latin typeface="Verdana" panose="020B0604030504040204" pitchFamily="34" charset="0"/>
-                <a:ea typeface="Verdana" panose="020B0604030504040204" pitchFamily="34" charset="0"/>
-              </a:rPr>
-              <a:t>conn.createStatement</a:t>
-            </a:r>
-            <a:r>
-              <a:rPr lang="pt-BR" sz="1600" dirty="0">
-                <a:solidFill>
-                  <a:schemeClr val="bg1"/>
-                </a:solidFill>
-                <a:latin typeface="Verdana" panose="020B0604030504040204" pitchFamily="34" charset="0"/>
-                <a:ea typeface="Verdana" panose="020B0604030504040204" pitchFamily="34" charset="0"/>
-              </a:rPr>
-              <a:t>("SELECT * </a:t>
-            </a:r>
-            <a:r>
-              <a:rPr lang="pt-BR" sz="1600" dirty="0" err="1">
-                <a:solidFill>
-                  <a:schemeClr val="bg1"/>
-                </a:solidFill>
-                <a:latin typeface="Verdana" panose="020B0604030504040204" pitchFamily="34" charset="0"/>
-                <a:ea typeface="Verdana" panose="020B0604030504040204" pitchFamily="34" charset="0"/>
-              </a:rPr>
-              <a:t>from</a:t>
-            </a:r>
-            <a:r>
-              <a:rPr lang="pt-BR" sz="1600" dirty="0">
-                <a:solidFill>
-                  <a:schemeClr val="bg1"/>
-                </a:solidFill>
-                <a:latin typeface="Verdana" panose="020B0604030504040204" pitchFamily="34" charset="0"/>
-                <a:ea typeface="Verdana" panose="020B0604030504040204" pitchFamily="34" charset="0"/>
-              </a:rPr>
-              <a:t> </a:t>
-            </a:r>
-            <a:r>
-              <a:rPr lang="pt-BR" sz="1600" dirty="0" err="1">
-                <a:solidFill>
-                  <a:schemeClr val="bg1"/>
-                </a:solidFill>
-                <a:latin typeface="Verdana" panose="020B0604030504040204" pitchFamily="34" charset="0"/>
-                <a:ea typeface="Verdana" panose="020B0604030504040204" pitchFamily="34" charset="0"/>
-              </a:rPr>
-              <a:t>guest</a:t>
-            </a:r>
-            <a:r>
-              <a:rPr lang="pt-BR" sz="1600" dirty="0">
-                <a:solidFill>
-                  <a:schemeClr val="bg1"/>
-                </a:solidFill>
-                <a:latin typeface="Verdana" panose="020B0604030504040204" pitchFamily="34" charset="0"/>
-                <a:ea typeface="Verdana" panose="020B0604030504040204" pitchFamily="34" charset="0"/>
-              </a:rPr>
-              <a:t>");</a:t>
-            </a:r>
-          </a:p>
-          <a:p>
-            <a:endParaRPr lang="pt-BR" sz="1600" dirty="0">
-              <a:solidFill>
-                <a:schemeClr val="bg1"/>
-              </a:solidFill>
-              <a:latin typeface="Verdana" panose="020B0604030504040204" pitchFamily="34" charset="0"/>
-              <a:ea typeface="Verdana" panose="020B0604030504040204" pitchFamily="34" charset="0"/>
-            </a:endParaRPr>
-          </a:p>
-          <a:p>
-            <a:r>
-              <a:rPr lang="pt-BR" sz="1600" dirty="0">
-                <a:solidFill>
-                  <a:schemeClr val="bg1"/>
-                </a:solidFill>
-                <a:latin typeface="Verdana" panose="020B0604030504040204" pitchFamily="34" charset="0"/>
-                <a:ea typeface="Verdana" panose="020B0604030504040204" pitchFamily="34" charset="0"/>
-              </a:rPr>
-              <a:t>.</a:t>
-            </a:r>
-          </a:p>
-          <a:p>
-            <a:r>
-              <a:rPr lang="pt-BR" sz="1600" dirty="0">
-                <a:solidFill>
-                  <a:schemeClr val="bg1"/>
-                </a:solidFill>
-                <a:latin typeface="Verdana" panose="020B0604030504040204" pitchFamily="34" charset="0"/>
-                <a:ea typeface="Verdana" panose="020B0604030504040204" pitchFamily="34" charset="0"/>
-              </a:rPr>
-              <a:t>.</a:t>
-            </a:r>
-          </a:p>
-          <a:p>
-            <a:r>
-              <a:rPr lang="pt-BR" sz="1600" dirty="0">
-                <a:solidFill>
-                  <a:schemeClr val="bg1"/>
-                </a:solidFill>
-                <a:latin typeface="Verdana" panose="020B0604030504040204" pitchFamily="34" charset="0"/>
-                <a:ea typeface="Verdana" panose="020B0604030504040204" pitchFamily="34" charset="0"/>
-              </a:rPr>
-              <a:t>.</a:t>
-            </a:r>
-          </a:p>
-          <a:p>
-            <a:r>
-              <a:rPr lang="pt-BR" sz="1600" dirty="0">
-                <a:solidFill>
-                  <a:schemeClr val="bg1"/>
-                </a:solidFill>
-                <a:latin typeface="Verdana" panose="020B0604030504040204" pitchFamily="34" charset="0"/>
-                <a:ea typeface="Verdana" panose="020B0604030504040204" pitchFamily="34" charset="0"/>
-              </a:rPr>
-              <a:t>.</a:t>
-            </a:r>
-          </a:p>
-          <a:p>
-            <a:r>
-              <a:rPr lang="pt-BR" sz="1600" dirty="0">
-                <a:solidFill>
-                  <a:schemeClr val="bg1"/>
-                </a:solidFill>
-                <a:latin typeface="Verdana" panose="020B0604030504040204" pitchFamily="34" charset="0"/>
-                <a:ea typeface="Verdana" panose="020B0604030504040204" pitchFamily="34" charset="0"/>
-              </a:rPr>
-              <a:t>.</a:t>
-            </a:r>
           </a:p>
         </p:txBody>
       </p:sp>
@@ -22727,14 +23385,16 @@
         </p:nvSpPr>
         <p:spPr>
           <a:xfrm>
-            <a:off x="1126549" y="5742281"/>
-            <a:ext cx="7451765" cy="371049"/>
+            <a:off x="879305" y="6019616"/>
+            <a:ext cx="7946254" cy="371049"/>
           </a:xfrm>
           <a:prstGeom prst="rect">
             <a:avLst/>
           </a:prstGeom>
           <a:solidFill>
-            <a:schemeClr val="accent1"/>
+            <a:schemeClr val="accent1">
+              <a:alpha val="50000"/>
+            </a:schemeClr>
           </a:solidFill>
           <a:ln>
             <a:noFill/>
@@ -23151,8 +23811,29 @@
           <a:prstGeom prst="rect">
             <a:avLst/>
           </a:prstGeom>
-          <a:noFill/>
+          <a:solidFill>
+            <a:schemeClr val="dk1">
+              <a:alpha val="50000"/>
+            </a:schemeClr>
+          </a:solidFill>
+          <a:ln>
+            <a:noFill/>
+          </a:ln>
         </p:spPr>
+        <p:style>
+          <a:lnRef idx="0">
+            <a:scrgbClr r="0" g="0" b="0"/>
+          </a:lnRef>
+          <a:fillRef idx="0">
+            <a:scrgbClr r="0" g="0" b="0"/>
+          </a:fillRef>
+          <a:effectRef idx="0">
+            <a:scrgbClr r="0" g="0" b="0"/>
+          </a:effectRef>
+          <a:fontRef idx="minor">
+            <a:schemeClr val="lt1"/>
+          </a:fontRef>
+        </p:style>
         <p:txBody>
           <a:bodyPr wrap="square" rtlCol="0">
             <a:spAutoFit/>
@@ -23162,572 +23843,575 @@
             <a:r>
               <a:rPr lang="pt-BR" dirty="0">
                 <a:solidFill>
-                  <a:schemeClr val="bg1"/>
-                </a:solidFill>
-                <a:latin typeface="Verdana" panose="020B0604030504040204" pitchFamily="34" charset="0"/>
-                <a:ea typeface="Verdana" panose="020B0604030504040204" pitchFamily="34" charset="0"/>
-              </a:rPr>
-              <a:t>Connection </a:t>
+                  <a:srgbClr val="4EC9B0"/>
+                </a:solidFill>
+                <a:latin typeface="Consolas" panose="020B0609020204030204" pitchFamily="49" charset="0"/>
+              </a:rPr>
+              <a:t>Connection</a:t>
+            </a:r>
+            <a:r>
+              <a:rPr lang="pt-BR" dirty="0">
+                <a:solidFill>
+                  <a:srgbClr val="D4D4D4"/>
+                </a:solidFill>
+                <a:latin typeface="Consolas" panose="020B0609020204030204" pitchFamily="49" charset="0"/>
+              </a:rPr>
+              <a:t> </a:t>
             </a:r>
             <a:r>
               <a:rPr lang="pt-BR" dirty="0" err="1">
                 <a:solidFill>
-                  <a:schemeClr val="bg1"/>
-                </a:solidFill>
-                <a:latin typeface="Verdana" panose="020B0604030504040204" pitchFamily="34" charset="0"/>
-                <a:ea typeface="Verdana" panose="020B0604030504040204" pitchFamily="34" charset="0"/>
+                  <a:srgbClr val="9CDCFE"/>
+                </a:solidFill>
+                <a:latin typeface="Consolas" panose="020B0609020204030204" pitchFamily="49" charset="0"/>
               </a:rPr>
               <a:t>conn</a:t>
             </a:r>
             <a:r>
               <a:rPr lang="pt-BR" dirty="0">
                 <a:solidFill>
-                  <a:schemeClr val="bg1"/>
-                </a:solidFill>
-                <a:latin typeface="Verdana" panose="020B0604030504040204" pitchFamily="34" charset="0"/>
-                <a:ea typeface="Verdana" panose="020B0604030504040204" pitchFamily="34" charset="0"/>
+                  <a:srgbClr val="D4D4D4"/>
+                </a:solidFill>
+                <a:latin typeface="Consolas" panose="020B0609020204030204" pitchFamily="49" charset="0"/>
               </a:rPr>
               <a:t> = </a:t>
             </a:r>
             <a:r>
               <a:rPr lang="pt-BR" dirty="0" err="1">
                 <a:solidFill>
-                  <a:schemeClr val="bg1"/>
-                </a:solidFill>
-                <a:latin typeface="Verdana" panose="020B0604030504040204" pitchFamily="34" charset="0"/>
-                <a:ea typeface="Verdana" panose="020B0604030504040204" pitchFamily="34" charset="0"/>
+                  <a:srgbClr val="569CD6"/>
+                </a:solidFill>
+                <a:latin typeface="Consolas" panose="020B0609020204030204" pitchFamily="49" charset="0"/>
               </a:rPr>
               <a:t>null</a:t>
             </a:r>
             <a:r>
               <a:rPr lang="pt-BR" dirty="0">
                 <a:solidFill>
-                  <a:schemeClr val="bg1"/>
-                </a:solidFill>
-                <a:latin typeface="Verdana" panose="020B0604030504040204" pitchFamily="34" charset="0"/>
-                <a:ea typeface="Verdana" panose="020B0604030504040204" pitchFamily="34" charset="0"/>
+                  <a:srgbClr val="D4D4D4"/>
+                </a:solidFill>
+                <a:latin typeface="Consolas" panose="020B0609020204030204" pitchFamily="49" charset="0"/>
               </a:rPr>
               <a:t>;</a:t>
             </a:r>
           </a:p>
           <a:p>
-            <a:endParaRPr lang="pt-BR" dirty="0">
-              <a:solidFill>
-                <a:schemeClr val="bg1"/>
-              </a:solidFill>
-              <a:latin typeface="Verdana" panose="020B0604030504040204" pitchFamily="34" charset="0"/>
-              <a:ea typeface="Verdana" panose="020B0604030504040204" pitchFamily="34" charset="0"/>
-            </a:endParaRPr>
+            <a:br>
+              <a:rPr lang="pt-BR" dirty="0">
+                <a:solidFill>
+                  <a:srgbClr val="D4D4D4"/>
+                </a:solidFill>
+                <a:latin typeface="Consolas" panose="020B0609020204030204" pitchFamily="49" charset="0"/>
+              </a:rPr>
+            </a:br>
+            <a:r>
+              <a:rPr lang="pt-BR" dirty="0" err="1">
+                <a:solidFill>
+                  <a:srgbClr val="C586C0"/>
+                </a:solidFill>
+                <a:latin typeface="Consolas" panose="020B0609020204030204" pitchFamily="49" charset="0"/>
+              </a:rPr>
+              <a:t>try</a:t>
+            </a:r>
+            <a:r>
+              <a:rPr lang="pt-BR" dirty="0">
+                <a:solidFill>
+                  <a:srgbClr val="D4D4D4"/>
+                </a:solidFill>
+                <a:latin typeface="Consolas" panose="020B0609020204030204" pitchFamily="49" charset="0"/>
+              </a:rPr>
+              <a:t> {</a:t>
+            </a:r>
           </a:p>
           <a:p>
+            <a:br>
+              <a:rPr lang="pt-BR" dirty="0">
+                <a:solidFill>
+                  <a:srgbClr val="D4D4D4"/>
+                </a:solidFill>
+                <a:latin typeface="Consolas" panose="020B0609020204030204" pitchFamily="49" charset="0"/>
+              </a:rPr>
+            </a:br>
             <a:r>
               <a:rPr lang="pt-BR" dirty="0" err="1">
                 <a:solidFill>
-                  <a:schemeClr val="bg1"/>
-                </a:solidFill>
-                <a:latin typeface="Verdana" panose="020B0604030504040204" pitchFamily="34" charset="0"/>
-                <a:ea typeface="Verdana" panose="020B0604030504040204" pitchFamily="34" charset="0"/>
-              </a:rPr>
-              <a:t>try</a:t>
+                  <a:srgbClr val="D4D4D4"/>
+                </a:solidFill>
+                <a:latin typeface="Consolas" panose="020B0609020204030204" pitchFamily="49" charset="0"/>
+              </a:rPr>
+              <a:t>conn</a:t>
             </a:r>
             <a:r>
               <a:rPr lang="pt-BR" dirty="0">
                 <a:solidFill>
-                  <a:schemeClr val="bg1"/>
-                </a:solidFill>
-                <a:latin typeface="Verdana" panose="020B0604030504040204" pitchFamily="34" charset="0"/>
-                <a:ea typeface="Verdana" panose="020B0604030504040204" pitchFamily="34" charset="0"/>
-              </a:rPr>
-              <a:t> {</a:t>
+                  <a:srgbClr val="D4D4D4"/>
+                </a:solidFill>
+                <a:latin typeface="Consolas" panose="020B0609020204030204" pitchFamily="49" charset="0"/>
+              </a:rPr>
+              <a:t> = </a:t>
+            </a:r>
+            <a:r>
+              <a:rPr lang="pt-BR" dirty="0" err="1">
+                <a:solidFill>
+                  <a:srgbClr val="9CDCFE"/>
+                </a:solidFill>
+                <a:latin typeface="Consolas" panose="020B0609020204030204" pitchFamily="49" charset="0"/>
+              </a:rPr>
+              <a:t>DriverManager</a:t>
+            </a:r>
+            <a:r>
+              <a:rPr lang="pt-BR" dirty="0" err="1">
+                <a:solidFill>
+                  <a:srgbClr val="D4D4D4"/>
+                </a:solidFill>
+                <a:latin typeface="Consolas" panose="020B0609020204030204" pitchFamily="49" charset="0"/>
+              </a:rPr>
+              <a:t>.</a:t>
+            </a:r>
+            <a:r>
+              <a:rPr lang="pt-BR" dirty="0" err="1">
+                <a:solidFill>
+                  <a:srgbClr val="DCDCAA"/>
+                </a:solidFill>
+                <a:latin typeface="Consolas" panose="020B0609020204030204" pitchFamily="49" charset="0"/>
+              </a:rPr>
+              <a:t>getConnection</a:t>
+            </a:r>
+            <a:r>
+              <a:rPr lang="pt-BR" dirty="0">
+                <a:solidFill>
+                  <a:srgbClr val="D4D4D4"/>
+                </a:solidFill>
+                <a:latin typeface="Consolas" panose="020B0609020204030204" pitchFamily="49" charset="0"/>
+              </a:rPr>
+              <a:t>(</a:t>
             </a:r>
           </a:p>
           <a:p>
-            <a:endParaRPr lang="pt-BR" dirty="0">
-              <a:solidFill>
-                <a:schemeClr val="bg1"/>
-              </a:solidFill>
-              <a:latin typeface="Verdana" panose="020B0604030504040204" pitchFamily="34" charset="0"/>
-              <a:ea typeface="Verdana" panose="020B0604030504040204" pitchFamily="34" charset="0"/>
-            </a:endParaRPr>
+            <a:r>
+              <a:rPr lang="pt-BR" dirty="0">
+                <a:solidFill>
+                  <a:srgbClr val="CE9178"/>
+                </a:solidFill>
+                <a:latin typeface="Consolas" panose="020B0609020204030204" pitchFamily="49" charset="0"/>
+              </a:rPr>
+              <a:t>"</a:t>
+            </a:r>
+            <a:r>
+              <a:rPr lang="pt-BR" dirty="0" err="1">
+                <a:solidFill>
+                  <a:srgbClr val="CE9178"/>
+                </a:solidFill>
+                <a:latin typeface="Consolas" panose="020B0609020204030204" pitchFamily="49" charset="0"/>
+              </a:rPr>
+              <a:t>jdbc:postgresql</a:t>
+            </a:r>
+            <a:r>
+              <a:rPr lang="pt-BR" dirty="0">
+                <a:solidFill>
+                  <a:srgbClr val="CE9178"/>
+                </a:solidFill>
+                <a:latin typeface="Consolas" panose="020B0609020204030204" pitchFamily="49" charset="0"/>
+              </a:rPr>
+              <a:t>://localhost:5432/</a:t>
+            </a:r>
+            <a:r>
+              <a:rPr lang="pt-BR" dirty="0" err="1">
+                <a:solidFill>
+                  <a:srgbClr val="CE9178"/>
+                </a:solidFill>
+                <a:latin typeface="Consolas" panose="020B0609020204030204" pitchFamily="49" charset="0"/>
+              </a:rPr>
+              <a:t>sgh</a:t>
+            </a:r>
+            <a:r>
+              <a:rPr lang="pt-BR" dirty="0">
+                <a:solidFill>
+                  <a:srgbClr val="CE9178"/>
+                </a:solidFill>
+                <a:latin typeface="Consolas" panose="020B0609020204030204" pitchFamily="49" charset="0"/>
+              </a:rPr>
+              <a:t>"</a:t>
+            </a:r>
+            <a:r>
+              <a:rPr lang="pt-BR" dirty="0">
+                <a:solidFill>
+                  <a:srgbClr val="D4D4D4"/>
+                </a:solidFill>
+                <a:latin typeface="Consolas" panose="020B0609020204030204" pitchFamily="49" charset="0"/>
+              </a:rPr>
+              <a:t>, </a:t>
+            </a:r>
+            <a:r>
+              <a:rPr lang="pt-BR" dirty="0">
+                <a:solidFill>
+                  <a:srgbClr val="CE9178"/>
+                </a:solidFill>
+                <a:latin typeface="Consolas" panose="020B0609020204030204" pitchFamily="49" charset="0"/>
+              </a:rPr>
+              <a:t>"</a:t>
+            </a:r>
+            <a:r>
+              <a:rPr lang="pt-BR" dirty="0" err="1">
+                <a:solidFill>
+                  <a:srgbClr val="CE9178"/>
+                </a:solidFill>
+                <a:latin typeface="Consolas" panose="020B0609020204030204" pitchFamily="49" charset="0"/>
+              </a:rPr>
+              <a:t>postgres</a:t>
+            </a:r>
+            <a:r>
+              <a:rPr lang="pt-BR" dirty="0">
+                <a:solidFill>
+                  <a:srgbClr val="CE9178"/>
+                </a:solidFill>
+                <a:latin typeface="Consolas" panose="020B0609020204030204" pitchFamily="49" charset="0"/>
+              </a:rPr>
+              <a:t>"</a:t>
+            </a:r>
+            <a:r>
+              <a:rPr lang="pt-BR" dirty="0">
+                <a:solidFill>
+                  <a:srgbClr val="D4D4D4"/>
+                </a:solidFill>
+                <a:latin typeface="Consolas" panose="020B0609020204030204" pitchFamily="49" charset="0"/>
+              </a:rPr>
+              <a:t>, </a:t>
+            </a:r>
+            <a:r>
+              <a:rPr lang="pt-BR" dirty="0">
+                <a:solidFill>
+                  <a:srgbClr val="CE9178"/>
+                </a:solidFill>
+                <a:latin typeface="Consolas" panose="020B0609020204030204" pitchFamily="49" charset="0"/>
+              </a:rPr>
+              <a:t>"</a:t>
+            </a:r>
+            <a:r>
+              <a:rPr lang="pt-BR" dirty="0" err="1">
+                <a:solidFill>
+                  <a:srgbClr val="CE9178"/>
+                </a:solidFill>
+                <a:latin typeface="Consolas" panose="020B0609020204030204" pitchFamily="49" charset="0"/>
+              </a:rPr>
+              <a:t>postgres</a:t>
+            </a:r>
+            <a:r>
+              <a:rPr lang="pt-BR" dirty="0">
+                <a:solidFill>
+                  <a:srgbClr val="CE9178"/>
+                </a:solidFill>
+                <a:latin typeface="Consolas" panose="020B0609020204030204" pitchFamily="49" charset="0"/>
+              </a:rPr>
+              <a:t>"</a:t>
+            </a:r>
+            <a:r>
+              <a:rPr lang="pt-BR" dirty="0">
+                <a:solidFill>
+                  <a:srgbClr val="D4D4D4"/>
+                </a:solidFill>
+                <a:latin typeface="Consolas" panose="020B0609020204030204" pitchFamily="49" charset="0"/>
+              </a:rPr>
+              <a:t>);</a:t>
+            </a:r>
           </a:p>
           <a:p>
-            <a:r>
+            <a:br>
               <a:rPr lang="pt-BR" dirty="0">
                 <a:solidFill>
-                  <a:schemeClr val="bg1"/>
-                </a:solidFill>
-                <a:latin typeface="Verdana" panose="020B0604030504040204" pitchFamily="34" charset="0"/>
-                <a:ea typeface="Verdana" panose="020B0604030504040204" pitchFamily="34" charset="0"/>
-              </a:rPr>
-              <a:t>   </a:t>
-            </a:r>
+                  <a:srgbClr val="D4D4D4"/>
+                </a:solidFill>
+                <a:latin typeface="Consolas" panose="020B0609020204030204" pitchFamily="49" charset="0"/>
+              </a:rPr>
+            </a:br>
             <a:r>
               <a:rPr lang="pt-BR" dirty="0" err="1">
                 <a:solidFill>
-                  <a:schemeClr val="bg1"/>
-                </a:solidFill>
-                <a:latin typeface="Verdana" panose="020B0604030504040204" pitchFamily="34" charset="0"/>
-                <a:ea typeface="Verdana" panose="020B0604030504040204" pitchFamily="34" charset="0"/>
-              </a:rPr>
-              <a:t>conn</a:t>
+                  <a:srgbClr val="4EC9B0"/>
+                </a:solidFill>
+                <a:latin typeface="Consolas" panose="020B0609020204030204" pitchFamily="49" charset="0"/>
+              </a:rPr>
+              <a:t>String</a:t>
             </a:r>
             <a:r>
               <a:rPr lang="pt-BR" dirty="0">
                 <a:solidFill>
-                  <a:schemeClr val="bg1"/>
-                </a:solidFill>
-                <a:latin typeface="Verdana" panose="020B0604030504040204" pitchFamily="34" charset="0"/>
-                <a:ea typeface="Verdana" panose="020B0604030504040204" pitchFamily="34" charset="0"/>
+                  <a:srgbClr val="D4D4D4"/>
+                </a:solidFill>
+                <a:latin typeface="Consolas" panose="020B0609020204030204" pitchFamily="49" charset="0"/>
+              </a:rPr>
+              <a:t> </a:t>
+            </a:r>
+            <a:r>
+              <a:rPr lang="pt-BR" dirty="0" err="1">
+                <a:solidFill>
+                  <a:srgbClr val="9CDCFE"/>
+                </a:solidFill>
+                <a:latin typeface="Consolas" panose="020B0609020204030204" pitchFamily="49" charset="0"/>
+              </a:rPr>
+              <a:t>sql</a:t>
+            </a:r>
+            <a:r>
+              <a:rPr lang="pt-BR" dirty="0">
+                <a:solidFill>
+                  <a:srgbClr val="D4D4D4"/>
+                </a:solidFill>
+                <a:latin typeface="Consolas" panose="020B0609020204030204" pitchFamily="49" charset="0"/>
               </a:rPr>
               <a:t> = </a:t>
             </a:r>
             <a:r>
+              <a:rPr lang="pt-BR" dirty="0">
+                <a:solidFill>
+                  <a:srgbClr val="CE9178"/>
+                </a:solidFill>
+                <a:latin typeface="Consolas" panose="020B0609020204030204" pitchFamily="49" charset="0"/>
+              </a:rPr>
+              <a:t>"SELECT * FROM </a:t>
+            </a:r>
+            <a:r>
               <a:rPr lang="pt-BR" dirty="0" err="1">
                 <a:solidFill>
-                  <a:schemeClr val="bg1"/>
-                </a:solidFill>
-                <a:latin typeface="Verdana" panose="020B0604030504040204" pitchFamily="34" charset="0"/>
-                <a:ea typeface="Verdana" panose="020B0604030504040204" pitchFamily="34" charset="0"/>
-              </a:rPr>
-              <a:t>DriverManager.getConnection</a:t>
+                  <a:srgbClr val="CE9178"/>
+                </a:solidFill>
+                <a:latin typeface="Consolas" panose="020B0609020204030204" pitchFamily="49" charset="0"/>
+              </a:rPr>
+              <a:t>guest</a:t>
             </a:r>
             <a:r>
               <a:rPr lang="pt-BR" dirty="0">
                 <a:solidFill>
-                  <a:schemeClr val="bg1"/>
-                </a:solidFill>
-                <a:latin typeface="Verdana" panose="020B0604030504040204" pitchFamily="34" charset="0"/>
-                <a:ea typeface="Verdana" panose="020B0604030504040204" pitchFamily="34" charset="0"/>
-              </a:rPr>
-              <a:t>(</a:t>
+                  <a:srgbClr val="CE9178"/>
+                </a:solidFill>
+                <a:latin typeface="Consolas" panose="020B0609020204030204" pitchFamily="49" charset="0"/>
+              </a:rPr>
+              <a:t> WHERE id = ?"</a:t>
+            </a:r>
+            <a:r>
+              <a:rPr lang="pt-BR" dirty="0">
+                <a:solidFill>
+                  <a:srgbClr val="D4D4D4"/>
+                </a:solidFill>
+                <a:latin typeface="Consolas" panose="020B0609020204030204" pitchFamily="49" charset="0"/>
+              </a:rPr>
+              <a:t>;</a:t>
             </a:r>
           </a:p>
           <a:p>
-            <a:r>
+            <a:br>
               <a:rPr lang="pt-BR" dirty="0">
                 <a:solidFill>
-                  <a:schemeClr val="bg1"/>
-                </a:solidFill>
-                <a:latin typeface="Verdana" panose="020B0604030504040204" pitchFamily="34" charset="0"/>
-                <a:ea typeface="Verdana" panose="020B0604030504040204" pitchFamily="34" charset="0"/>
-              </a:rPr>
-              <a:t>              "</a:t>
-            </a:r>
+                  <a:srgbClr val="D4D4D4"/>
+                </a:solidFill>
+                <a:latin typeface="Consolas" panose="020B0609020204030204" pitchFamily="49" charset="0"/>
+              </a:rPr>
+            </a:br>
             <a:r>
               <a:rPr lang="pt-BR" dirty="0" err="1">
                 <a:solidFill>
-                  <a:schemeClr val="bg1"/>
-                </a:solidFill>
-                <a:latin typeface="Verdana" panose="020B0604030504040204" pitchFamily="34" charset="0"/>
-                <a:ea typeface="Verdana" panose="020B0604030504040204" pitchFamily="34" charset="0"/>
-              </a:rPr>
-              <a:t>jdbc:postgresql</a:t>
+                  <a:srgbClr val="4EC9B0"/>
+                </a:solidFill>
+                <a:latin typeface="Consolas" panose="020B0609020204030204" pitchFamily="49" charset="0"/>
+              </a:rPr>
+              <a:t>PreparedStatement</a:t>
             </a:r>
             <a:r>
               <a:rPr lang="pt-BR" dirty="0">
                 <a:solidFill>
-                  <a:schemeClr val="bg1"/>
-                </a:solidFill>
-                <a:latin typeface="Verdana" panose="020B0604030504040204" pitchFamily="34" charset="0"/>
-                <a:ea typeface="Verdana" panose="020B0604030504040204" pitchFamily="34" charset="0"/>
-              </a:rPr>
-              <a:t>://localhost:5432/</a:t>
+                  <a:srgbClr val="D4D4D4"/>
+                </a:solidFill>
+                <a:latin typeface="Consolas" panose="020B0609020204030204" pitchFamily="49" charset="0"/>
+              </a:rPr>
+              <a:t> </a:t>
             </a:r>
             <a:r>
               <a:rPr lang="pt-BR" dirty="0" err="1">
                 <a:solidFill>
-                  <a:schemeClr val="bg1"/>
-                </a:solidFill>
-                <a:latin typeface="Verdana" panose="020B0604030504040204" pitchFamily="34" charset="0"/>
-                <a:ea typeface="Verdana" panose="020B0604030504040204" pitchFamily="34" charset="0"/>
-              </a:rPr>
-              <a:t>sgh</a:t>
+                  <a:srgbClr val="9CDCFE"/>
+                </a:solidFill>
+                <a:latin typeface="Consolas" panose="020B0609020204030204" pitchFamily="49" charset="0"/>
+              </a:rPr>
+              <a:t>stmt</a:t>
             </a:r>
             <a:r>
               <a:rPr lang="pt-BR" dirty="0">
                 <a:solidFill>
-                  <a:schemeClr val="bg1"/>
-                </a:solidFill>
-                <a:latin typeface="Verdana" panose="020B0604030504040204" pitchFamily="34" charset="0"/>
-                <a:ea typeface="Verdana" panose="020B0604030504040204" pitchFamily="34" charset="0"/>
-              </a:rPr>
-              <a:t>", "</a:t>
+                  <a:srgbClr val="D4D4D4"/>
+                </a:solidFill>
+                <a:latin typeface="Consolas" panose="020B0609020204030204" pitchFamily="49" charset="0"/>
+              </a:rPr>
+              <a:t> = </a:t>
             </a:r>
             <a:r>
               <a:rPr lang="pt-BR" dirty="0" err="1">
                 <a:solidFill>
-                  <a:schemeClr val="bg1"/>
-                </a:solidFill>
-                <a:latin typeface="Verdana" panose="020B0604030504040204" pitchFamily="34" charset="0"/>
-                <a:ea typeface="Verdana" panose="020B0604030504040204" pitchFamily="34" charset="0"/>
-              </a:rPr>
-              <a:t>postgres</a:t>
+                  <a:srgbClr val="9CDCFE"/>
+                </a:solidFill>
+                <a:latin typeface="Consolas" panose="020B0609020204030204" pitchFamily="49" charset="0"/>
+              </a:rPr>
+              <a:t>conn</a:t>
+            </a:r>
+            <a:r>
+              <a:rPr lang="pt-BR" dirty="0" err="1">
+                <a:solidFill>
+                  <a:srgbClr val="D4D4D4"/>
+                </a:solidFill>
+                <a:latin typeface="Consolas" panose="020B0609020204030204" pitchFamily="49" charset="0"/>
+              </a:rPr>
+              <a:t>.</a:t>
+            </a:r>
+            <a:r>
+              <a:rPr lang="pt-BR" dirty="0" err="1">
+                <a:solidFill>
+                  <a:srgbClr val="DCDCAA"/>
+                </a:solidFill>
+                <a:latin typeface="Consolas" panose="020B0609020204030204" pitchFamily="49" charset="0"/>
+              </a:rPr>
+              <a:t>prepareStatement</a:t>
             </a:r>
             <a:r>
               <a:rPr lang="pt-BR" dirty="0">
                 <a:solidFill>
-                  <a:schemeClr val="bg1"/>
-                </a:solidFill>
-                <a:latin typeface="Verdana" panose="020B0604030504040204" pitchFamily="34" charset="0"/>
-                <a:ea typeface="Verdana" panose="020B0604030504040204" pitchFamily="34" charset="0"/>
-              </a:rPr>
-              <a:t>", "</a:t>
+                  <a:srgbClr val="D4D4D4"/>
+                </a:solidFill>
+                <a:latin typeface="Consolas" panose="020B0609020204030204" pitchFamily="49" charset="0"/>
+              </a:rPr>
+              <a:t>(</a:t>
             </a:r>
             <a:r>
               <a:rPr lang="pt-BR" dirty="0" err="1">
                 <a:solidFill>
-                  <a:schemeClr val="bg1"/>
-                </a:solidFill>
-                <a:latin typeface="Verdana" panose="020B0604030504040204" pitchFamily="34" charset="0"/>
-                <a:ea typeface="Verdana" panose="020B0604030504040204" pitchFamily="34" charset="0"/>
-              </a:rPr>
-              <a:t>postgres</a:t>
+                  <a:srgbClr val="D4D4D4"/>
+                </a:solidFill>
+                <a:latin typeface="Consolas" panose="020B0609020204030204" pitchFamily="49" charset="0"/>
+              </a:rPr>
+              <a:t>sql</a:t>
             </a:r>
             <a:r>
               <a:rPr lang="pt-BR" dirty="0">
                 <a:solidFill>
-                  <a:schemeClr val="bg1"/>
-                </a:solidFill>
-                <a:latin typeface="Verdana" panose="020B0604030504040204" pitchFamily="34" charset="0"/>
-                <a:ea typeface="Verdana" panose="020B0604030504040204" pitchFamily="34" charset="0"/>
-              </a:rPr>
-              <a:t>");</a:t>
+                  <a:srgbClr val="D4D4D4"/>
+                </a:solidFill>
+                <a:latin typeface="Consolas" panose="020B0609020204030204" pitchFamily="49" charset="0"/>
+              </a:rPr>
+              <a:t>);</a:t>
             </a:r>
           </a:p>
           <a:p>
-            <a:endParaRPr lang="pt-BR" dirty="0">
-              <a:solidFill>
-                <a:schemeClr val="bg1"/>
-              </a:solidFill>
-              <a:latin typeface="Verdana" panose="020B0604030504040204" pitchFamily="34" charset="0"/>
-              <a:ea typeface="Verdana" panose="020B0604030504040204" pitchFamily="34" charset="0"/>
-            </a:endParaRPr>
+            <a:r>
+              <a:rPr lang="pt-BR" dirty="0" err="1">
+                <a:solidFill>
+                  <a:srgbClr val="9CDCFE"/>
+                </a:solidFill>
+                <a:latin typeface="Consolas" panose="020B0609020204030204" pitchFamily="49" charset="0"/>
+              </a:rPr>
+              <a:t>stmt</a:t>
+            </a:r>
+            <a:r>
+              <a:rPr lang="pt-BR" dirty="0" err="1">
+                <a:solidFill>
+                  <a:srgbClr val="D4D4D4"/>
+                </a:solidFill>
+                <a:latin typeface="Consolas" panose="020B0609020204030204" pitchFamily="49" charset="0"/>
+              </a:rPr>
+              <a:t>.</a:t>
+            </a:r>
+            <a:r>
+              <a:rPr lang="pt-BR" dirty="0" err="1">
+                <a:solidFill>
+                  <a:srgbClr val="DCDCAA"/>
+                </a:solidFill>
+                <a:latin typeface="Consolas" panose="020B0609020204030204" pitchFamily="49" charset="0"/>
+              </a:rPr>
+              <a:t>setInt</a:t>
+            </a:r>
+            <a:r>
+              <a:rPr lang="pt-BR" dirty="0">
+                <a:solidFill>
+                  <a:srgbClr val="D4D4D4"/>
+                </a:solidFill>
+                <a:latin typeface="Consolas" panose="020B0609020204030204" pitchFamily="49" charset="0"/>
+              </a:rPr>
+              <a:t>(</a:t>
+            </a:r>
+            <a:r>
+              <a:rPr lang="pt-BR" dirty="0">
+                <a:solidFill>
+                  <a:srgbClr val="B5CEA8"/>
+                </a:solidFill>
+                <a:latin typeface="Consolas" panose="020B0609020204030204" pitchFamily="49" charset="0"/>
+              </a:rPr>
+              <a:t>1</a:t>
+            </a:r>
+            <a:r>
+              <a:rPr lang="pt-BR" dirty="0">
+                <a:solidFill>
+                  <a:srgbClr val="D4D4D4"/>
+                </a:solidFill>
+                <a:latin typeface="Consolas" panose="020B0609020204030204" pitchFamily="49" charset="0"/>
+              </a:rPr>
+              <a:t>);</a:t>
+            </a:r>
           </a:p>
           <a:p>
-            <a:r>
+            <a:br>
               <a:rPr lang="pt-BR" dirty="0">
                 <a:solidFill>
-                  <a:schemeClr val="bg1"/>
-                </a:solidFill>
-                <a:latin typeface="Verdana" panose="020B0604030504040204" pitchFamily="34" charset="0"/>
-                <a:ea typeface="Verdana" panose="020B0604030504040204" pitchFamily="34" charset="0"/>
-              </a:rPr>
-              <a:t>   </a:t>
-            </a:r>
-            <a:r>
-              <a:rPr lang="pt-BR" dirty="0" err="1">
-                <a:solidFill>
-                  <a:schemeClr val="bg1"/>
-                </a:solidFill>
-                <a:latin typeface="Verdana" panose="020B0604030504040204" pitchFamily="34" charset="0"/>
-                <a:ea typeface="Verdana" panose="020B0604030504040204" pitchFamily="34" charset="0"/>
-              </a:rPr>
-              <a:t>String</a:t>
-            </a:r>
+                  <a:srgbClr val="D4D4D4"/>
+                </a:solidFill>
+                <a:latin typeface="Consolas" panose="020B0609020204030204" pitchFamily="49" charset="0"/>
+              </a:rPr>
+            </a:br>
             <a:r>
               <a:rPr lang="pt-BR" dirty="0">
                 <a:solidFill>
-                  <a:schemeClr val="bg1"/>
-                </a:solidFill>
-                <a:latin typeface="Verdana" panose="020B0604030504040204" pitchFamily="34" charset="0"/>
-                <a:ea typeface="Verdana" panose="020B0604030504040204" pitchFamily="34" charset="0"/>
-              </a:rPr>
-              <a:t> </a:t>
-            </a:r>
-            <a:r>
-              <a:rPr lang="pt-BR" dirty="0" err="1">
-                <a:solidFill>
-                  <a:schemeClr val="bg1"/>
-                </a:solidFill>
-                <a:latin typeface="Verdana" panose="020B0604030504040204" pitchFamily="34" charset="0"/>
-                <a:ea typeface="Verdana" panose="020B0604030504040204" pitchFamily="34" charset="0"/>
-              </a:rPr>
-              <a:t>sql</a:t>
-            </a:r>
-            <a:r>
-              <a:rPr lang="pt-BR" dirty="0">
-                <a:solidFill>
-                  <a:schemeClr val="bg1"/>
-                </a:solidFill>
-                <a:latin typeface="Verdana" panose="020B0604030504040204" pitchFamily="34" charset="0"/>
-                <a:ea typeface="Verdana" panose="020B0604030504040204" pitchFamily="34" charset="0"/>
-              </a:rPr>
-              <a:t> = "SELECT * FROM </a:t>
-            </a:r>
-            <a:r>
-              <a:rPr lang="pt-BR" dirty="0" err="1">
-                <a:solidFill>
-                  <a:schemeClr val="bg1"/>
-                </a:solidFill>
-                <a:latin typeface="Verdana" panose="020B0604030504040204" pitchFamily="34" charset="0"/>
-                <a:ea typeface="Verdana" panose="020B0604030504040204" pitchFamily="34" charset="0"/>
-              </a:rPr>
-              <a:t>guest</a:t>
-            </a:r>
-            <a:r>
-              <a:rPr lang="pt-BR" dirty="0">
-                <a:solidFill>
-                  <a:schemeClr val="bg1"/>
-                </a:solidFill>
-                <a:latin typeface="Verdana" panose="020B0604030504040204" pitchFamily="34" charset="0"/>
-                <a:ea typeface="Verdana" panose="020B0604030504040204" pitchFamily="34" charset="0"/>
-              </a:rPr>
-              <a:t> WHERE id = </a:t>
-            </a:r>
-            <a:r>
-              <a:rPr lang="pt-BR" dirty="0">
-                <a:solidFill>
-                  <a:srgbClr val="FFC000"/>
-                </a:solidFill>
-                <a:latin typeface="Verdana" panose="020B0604030504040204" pitchFamily="34" charset="0"/>
-                <a:ea typeface="Verdana" panose="020B0604030504040204" pitchFamily="34" charset="0"/>
-              </a:rPr>
-              <a:t>?</a:t>
-            </a:r>
-            <a:r>
-              <a:rPr lang="pt-BR" dirty="0">
-                <a:solidFill>
-                  <a:schemeClr val="bg1"/>
-                </a:solidFill>
-                <a:latin typeface="Verdana" panose="020B0604030504040204" pitchFamily="34" charset="0"/>
-                <a:ea typeface="Verdana" panose="020B0604030504040204" pitchFamily="34" charset="0"/>
-              </a:rPr>
-              <a:t>";</a:t>
+                  <a:srgbClr val="D4D4D4"/>
+                </a:solidFill>
+                <a:latin typeface="Consolas" panose="020B0609020204030204" pitchFamily="49" charset="0"/>
+              </a:rPr>
+              <a:t>.</a:t>
             </a:r>
           </a:p>
           <a:p>
-            <a:endParaRPr lang="pt-BR" dirty="0">
-              <a:solidFill>
-                <a:schemeClr val="bg1"/>
-              </a:solidFill>
-              <a:latin typeface="Verdana" panose="020B0604030504040204" pitchFamily="34" charset="0"/>
-              <a:ea typeface="Verdana" panose="020B0604030504040204" pitchFamily="34" charset="0"/>
-            </a:endParaRPr>
+            <a:r>
+              <a:rPr lang="pt-BR" dirty="0">
+                <a:solidFill>
+                  <a:srgbClr val="D4D4D4"/>
+                </a:solidFill>
+                <a:latin typeface="Consolas" panose="020B0609020204030204" pitchFamily="49" charset="0"/>
+              </a:rPr>
+              <a:t>.</a:t>
+            </a:r>
           </a:p>
           <a:p>
             <a:r>
               <a:rPr lang="pt-BR" dirty="0">
                 <a:solidFill>
-                  <a:schemeClr val="bg1"/>
-                </a:solidFill>
-                <a:latin typeface="Verdana" panose="020B0604030504040204" pitchFamily="34" charset="0"/>
-                <a:ea typeface="Verdana" panose="020B0604030504040204" pitchFamily="34" charset="0"/>
-              </a:rPr>
-              <a:t>   </a:t>
-            </a:r>
-            <a:r>
-              <a:rPr lang="pt-BR" dirty="0" err="1">
-                <a:solidFill>
-                  <a:schemeClr val="accent1">
-                    <a:lumMod val="60000"/>
-                    <a:lumOff val="40000"/>
-                  </a:schemeClr>
-                </a:solidFill>
-                <a:latin typeface="Verdana" panose="020B0604030504040204" pitchFamily="34" charset="0"/>
-                <a:ea typeface="Verdana" panose="020B0604030504040204" pitchFamily="34" charset="0"/>
-              </a:rPr>
-              <a:t>PreparedStatement</a:t>
-            </a:r>
-            <a:r>
-              <a:rPr lang="pt-BR" dirty="0">
-                <a:solidFill>
-                  <a:schemeClr val="accent1">
-                    <a:lumMod val="60000"/>
-                    <a:lumOff val="40000"/>
-                  </a:schemeClr>
-                </a:solidFill>
-                <a:latin typeface="Verdana" panose="020B0604030504040204" pitchFamily="34" charset="0"/>
-                <a:ea typeface="Verdana" panose="020B0604030504040204" pitchFamily="34" charset="0"/>
-              </a:rPr>
-              <a:t> </a:t>
-            </a:r>
-            <a:r>
-              <a:rPr lang="pt-BR" dirty="0" err="1">
-                <a:solidFill>
-                  <a:schemeClr val="accent1">
-                    <a:lumMod val="60000"/>
-                    <a:lumOff val="40000"/>
-                  </a:schemeClr>
-                </a:solidFill>
-                <a:latin typeface="Verdana" panose="020B0604030504040204" pitchFamily="34" charset="0"/>
-                <a:ea typeface="Verdana" panose="020B0604030504040204" pitchFamily="34" charset="0"/>
-              </a:rPr>
-              <a:t>stmt</a:t>
-            </a:r>
-            <a:r>
-              <a:rPr lang="pt-BR" dirty="0">
-                <a:solidFill>
-                  <a:schemeClr val="accent1">
-                    <a:lumMod val="60000"/>
-                    <a:lumOff val="40000"/>
-                  </a:schemeClr>
-                </a:solidFill>
-                <a:latin typeface="Verdana" panose="020B0604030504040204" pitchFamily="34" charset="0"/>
-                <a:ea typeface="Verdana" panose="020B0604030504040204" pitchFamily="34" charset="0"/>
-              </a:rPr>
-              <a:t> </a:t>
-            </a:r>
-            <a:r>
-              <a:rPr lang="pt-BR" dirty="0">
-                <a:solidFill>
-                  <a:schemeClr val="bg1"/>
-                </a:solidFill>
-                <a:latin typeface="Verdana" panose="020B0604030504040204" pitchFamily="34" charset="0"/>
-                <a:ea typeface="Verdana" panose="020B0604030504040204" pitchFamily="34" charset="0"/>
-              </a:rPr>
-              <a:t>= </a:t>
-            </a:r>
-            <a:r>
-              <a:rPr lang="pt-BR" dirty="0" err="1">
-                <a:solidFill>
-                  <a:schemeClr val="bg1"/>
-                </a:solidFill>
-                <a:latin typeface="Verdana" panose="020B0604030504040204" pitchFamily="34" charset="0"/>
-                <a:ea typeface="Verdana" panose="020B0604030504040204" pitchFamily="34" charset="0"/>
-              </a:rPr>
-              <a:t>conn.prepareStatement</a:t>
-            </a:r>
-            <a:r>
-              <a:rPr lang="pt-BR" dirty="0">
-                <a:solidFill>
-                  <a:schemeClr val="bg1"/>
-                </a:solidFill>
-                <a:latin typeface="Verdana" panose="020B0604030504040204" pitchFamily="34" charset="0"/>
-                <a:ea typeface="Verdana" panose="020B0604030504040204" pitchFamily="34" charset="0"/>
-              </a:rPr>
-              <a:t>(</a:t>
-            </a:r>
-            <a:r>
-              <a:rPr lang="pt-BR" dirty="0" err="1">
-                <a:solidFill>
-                  <a:schemeClr val="bg1"/>
-                </a:solidFill>
-                <a:latin typeface="Verdana" panose="020B0604030504040204" pitchFamily="34" charset="0"/>
-                <a:ea typeface="Verdana" panose="020B0604030504040204" pitchFamily="34" charset="0"/>
-              </a:rPr>
-              <a:t>sql</a:t>
-            </a:r>
-            <a:r>
-              <a:rPr lang="pt-BR" dirty="0">
-                <a:solidFill>
-                  <a:schemeClr val="bg1"/>
-                </a:solidFill>
-                <a:latin typeface="Verdana" panose="020B0604030504040204" pitchFamily="34" charset="0"/>
-                <a:ea typeface="Verdana" panose="020B0604030504040204" pitchFamily="34" charset="0"/>
-              </a:rPr>
-              <a:t>);</a:t>
+                  <a:srgbClr val="D4D4D4"/>
+                </a:solidFill>
+                <a:latin typeface="Consolas" panose="020B0609020204030204" pitchFamily="49" charset="0"/>
+              </a:rPr>
+              <a:t>.</a:t>
             </a:r>
           </a:p>
           <a:p>
             <a:r>
               <a:rPr lang="pt-BR" dirty="0">
                 <a:solidFill>
-                  <a:schemeClr val="bg1"/>
-                </a:solidFill>
-                <a:latin typeface="Verdana" panose="020B0604030504040204" pitchFamily="34" charset="0"/>
-                <a:ea typeface="Verdana" panose="020B0604030504040204" pitchFamily="34" charset="0"/>
-              </a:rPr>
-              <a:t>   </a:t>
-            </a:r>
-            <a:r>
-              <a:rPr lang="pt-BR" dirty="0" err="1">
-                <a:solidFill>
-                  <a:schemeClr val="accent1">
-                    <a:lumMod val="60000"/>
-                    <a:lumOff val="40000"/>
-                  </a:schemeClr>
-                </a:solidFill>
-                <a:latin typeface="Verdana" panose="020B0604030504040204" pitchFamily="34" charset="0"/>
-                <a:ea typeface="Verdana" panose="020B0604030504040204" pitchFamily="34" charset="0"/>
-              </a:rPr>
-              <a:t>stmt</a:t>
-            </a:r>
-            <a:r>
-              <a:rPr lang="pt-BR" dirty="0" err="1">
-                <a:solidFill>
-                  <a:schemeClr val="bg1"/>
-                </a:solidFill>
-                <a:latin typeface="Verdana" panose="020B0604030504040204" pitchFamily="34" charset="0"/>
-                <a:ea typeface="Verdana" panose="020B0604030504040204" pitchFamily="34" charset="0"/>
-              </a:rPr>
-              <a:t>.setInt</a:t>
-            </a:r>
-            <a:r>
-              <a:rPr lang="pt-BR" dirty="0">
-                <a:solidFill>
-                  <a:schemeClr val="bg1"/>
-                </a:solidFill>
-                <a:latin typeface="Verdana" panose="020B0604030504040204" pitchFamily="34" charset="0"/>
-                <a:ea typeface="Verdana" panose="020B0604030504040204" pitchFamily="34" charset="0"/>
-              </a:rPr>
-              <a:t>(1);</a:t>
+                  <a:srgbClr val="D4D4D4"/>
+                </a:solidFill>
+                <a:latin typeface="Consolas" panose="020B0609020204030204" pitchFamily="49" charset="0"/>
+              </a:rPr>
+              <a:t>.</a:t>
             </a:r>
           </a:p>
           <a:p>
-            <a:endParaRPr lang="pt-BR" dirty="0">
-              <a:solidFill>
-                <a:schemeClr val="bg1"/>
-              </a:solidFill>
-              <a:latin typeface="Verdana" panose="020B0604030504040204" pitchFamily="34" charset="0"/>
-              <a:ea typeface="Verdana" panose="020B0604030504040204" pitchFamily="34" charset="0"/>
-            </a:endParaRPr>
-          </a:p>
-          <a:p>
             <a:r>
               <a:rPr lang="pt-BR" dirty="0">
                 <a:solidFill>
-                  <a:schemeClr val="bg1"/>
-                </a:solidFill>
-                <a:latin typeface="Verdana" panose="020B0604030504040204" pitchFamily="34" charset="0"/>
-                <a:ea typeface="Verdana" panose="020B0604030504040204" pitchFamily="34" charset="0"/>
-              </a:rPr>
-              <a:t>.</a:t>
-            </a:r>
-          </a:p>
-          <a:p>
-            <a:r>
-              <a:rPr lang="pt-BR" dirty="0">
-                <a:solidFill>
-                  <a:schemeClr val="bg1"/>
-                </a:solidFill>
-                <a:latin typeface="Verdana" panose="020B0604030504040204" pitchFamily="34" charset="0"/>
-                <a:ea typeface="Verdana" panose="020B0604030504040204" pitchFamily="34" charset="0"/>
-              </a:rPr>
-              <a:t>.</a:t>
-            </a:r>
-          </a:p>
-          <a:p>
-            <a:r>
-              <a:rPr lang="pt-BR" dirty="0">
-                <a:solidFill>
-                  <a:schemeClr val="bg1"/>
-                </a:solidFill>
-                <a:latin typeface="Verdana" panose="020B0604030504040204" pitchFamily="34" charset="0"/>
-                <a:ea typeface="Verdana" panose="020B0604030504040204" pitchFamily="34" charset="0"/>
-              </a:rPr>
-              <a:t>.</a:t>
-            </a:r>
-          </a:p>
-          <a:p>
-            <a:r>
-              <a:rPr lang="pt-BR" dirty="0">
-                <a:solidFill>
-                  <a:schemeClr val="bg1"/>
-                </a:solidFill>
-                <a:latin typeface="Verdana" panose="020B0604030504040204" pitchFamily="34" charset="0"/>
-                <a:ea typeface="Verdana" panose="020B0604030504040204" pitchFamily="34" charset="0"/>
-              </a:rPr>
-              <a:t>.</a:t>
-            </a:r>
-          </a:p>
-          <a:p>
-            <a:r>
-              <a:rPr lang="pt-BR" dirty="0">
-                <a:solidFill>
-                  <a:schemeClr val="bg1"/>
-                </a:solidFill>
-                <a:latin typeface="Verdana" panose="020B0604030504040204" pitchFamily="34" charset="0"/>
-                <a:ea typeface="Verdana" panose="020B0604030504040204" pitchFamily="34" charset="0"/>
+                  <a:srgbClr val="D4D4D4"/>
+                </a:solidFill>
+                <a:latin typeface="Consolas" panose="020B0609020204030204" pitchFamily="49" charset="0"/>
               </a:rPr>
               <a:t>.</a:t>
             </a:r>
@@ -23748,14 +24432,16 @@
         </p:nvSpPr>
         <p:spPr>
           <a:xfrm>
-            <a:off x="1126549" y="5742281"/>
-            <a:ext cx="7451765" cy="371049"/>
+            <a:off x="879305" y="5635257"/>
+            <a:ext cx="7946254" cy="478074"/>
           </a:xfrm>
           <a:prstGeom prst="rect">
             <a:avLst/>
           </a:prstGeom>
           <a:solidFill>
-            <a:schemeClr val="accent1"/>
+            <a:schemeClr val="accent1">
+              <a:alpha val="50000"/>
+            </a:schemeClr>
           </a:solidFill>
           <a:ln>
             <a:noFill/>
@@ -23821,7 +24507,7 @@
         </p:nvCxnSpPr>
         <p:spPr>
           <a:xfrm flipH="1" flipV="1">
-            <a:off x="5870713" y="3429000"/>
+            <a:off x="5518704" y="3373101"/>
             <a:ext cx="2120348" cy="864704"/>
           </a:xfrm>
           <a:prstGeom prst="straightConnector1">
@@ -23865,7 +24551,7 @@
         </p:nvCxnSpPr>
         <p:spPr>
           <a:xfrm flipH="1" flipV="1">
-            <a:off x="2316596" y="4155500"/>
+            <a:off x="2227105" y="4104090"/>
             <a:ext cx="267578" cy="588778"/>
           </a:xfrm>
           <a:prstGeom prst="straightConnector1">

--- a/slides/jdbc.pptx
+++ b/slides/jdbc.pptx
@@ -17086,7 +17086,7 @@
               <a:t>setInt</a:t>
             </a:r>
             <a:r>
-              <a:rPr lang="pt-BR" sz="1200" dirty="0">
+              <a:rPr lang="pt-BR" sz="1200">
                 <a:solidFill>
                   <a:srgbClr val="D4D4D4"/>
                 </a:solidFill>
@@ -17095,16 +17095,16 @@
               <a:t>(</a:t>
             </a:r>
             <a:r>
-              <a:rPr lang="pt-BR" sz="1200" dirty="0">
+              <a:rPr lang="pt-BR" sz="1200">
                 <a:solidFill>
                   <a:srgbClr val="B5CEA8"/>
                 </a:solidFill>
                 <a:latin typeface="Consolas" panose="020B0609020204030204" pitchFamily="49" charset="0"/>
               </a:rPr>
-              <a:t>1</a:t>
-            </a:r>
-            <a:r>
-              <a:rPr lang="pt-BR" sz="1200" dirty="0">
+              <a:t>1, 5</a:t>
+            </a:r>
+            <a:r>
+              <a:rPr lang="pt-BR" sz="1200">
                 <a:solidFill>
                   <a:srgbClr val="D4D4D4"/>
                 </a:solidFill>
@@ -17112,6 +17112,12 @@
               </a:rPr>
               <a:t>);</a:t>
             </a:r>
+            <a:endParaRPr lang="pt-BR" sz="1200" dirty="0">
+              <a:solidFill>
+                <a:srgbClr val="D4D4D4"/>
+              </a:solidFill>
+              <a:latin typeface="Consolas" panose="020B0609020204030204" pitchFamily="49" charset="0"/>
+            </a:endParaRPr>
           </a:p>
           <a:p>
             <a:br>
@@ -20958,7 +20964,7 @@
         </p:nvSpPr>
         <p:spPr>
           <a:xfrm>
-            <a:off x="4359964" y="4257741"/>
+            <a:off x="4306427" y="4285572"/>
             <a:ext cx="1762539" cy="371049"/>
           </a:xfrm>
           <a:prstGeom prst="rect">
@@ -20992,7 +20998,7 @@
             <a:pPr algn="ctr"/>
             <a:r>
               <a:rPr lang="pt-BR" dirty="0"/>
-              <a:t>Caminho do banco</a:t>
+              <a:t>Nome do banco</a:t>
             </a:r>
           </a:p>
         </p:txBody>
@@ -21011,7 +21017,7 @@
         </p:nvSpPr>
         <p:spPr>
           <a:xfrm>
-            <a:off x="6122504" y="5457531"/>
+            <a:off x="5846057" y="5577770"/>
             <a:ext cx="1096532" cy="371049"/>
           </a:xfrm>
           <a:prstGeom prst="rect">
@@ -21064,7 +21070,7 @@
         </p:nvSpPr>
         <p:spPr>
           <a:xfrm>
-            <a:off x="7411813" y="4812799"/>
+            <a:off x="6976798" y="4884616"/>
             <a:ext cx="895975" cy="371049"/>
           </a:xfrm>
           <a:prstGeom prst="rect">
@@ -21120,7 +21126,7 @@
         </p:nvCxnSpPr>
         <p:spPr>
           <a:xfrm flipV="1">
-            <a:off x="5241234" y="3429001"/>
+            <a:off x="5187697" y="3456832"/>
             <a:ext cx="15198" cy="828740"/>
           </a:xfrm>
           <a:prstGeom prst="straightConnector1">
@@ -21165,8 +21171,8 @@
         </p:nvCxnSpPr>
         <p:spPr>
           <a:xfrm flipV="1">
-            <a:off x="7859801" y="3372210"/>
-            <a:ext cx="0" cy="1440589"/>
+            <a:off x="7424786" y="3372212"/>
+            <a:ext cx="0" cy="1512404"/>
           </a:xfrm>
           <a:prstGeom prst="straightConnector1">
             <a:avLst/>
@@ -21210,8 +21216,8 @@
         </p:nvCxnSpPr>
         <p:spPr>
           <a:xfrm flipV="1">
-            <a:off x="6670770" y="3395325"/>
-            <a:ext cx="0" cy="2062206"/>
+            <a:off x="6394323" y="3442574"/>
+            <a:ext cx="0" cy="2135196"/>
           </a:xfrm>
           <a:prstGeom prst="straightConnector1">
             <a:avLst/>
@@ -24341,7 +24347,7 @@
                 </a:solidFill>
                 <a:latin typeface="Consolas" panose="020B0609020204030204" pitchFamily="49" charset="0"/>
               </a:rPr>
-              <a:t>1</a:t>
+              <a:t>1, 5</a:t>
             </a:r>
             <a:r>
               <a:rPr lang="pt-BR" dirty="0">
